--- a/notes/notes/ds-algo/ch15-mst.pptx
+++ b/notes/notes/ds-algo/ch15-mst.pptx
@@ -5,11 +5,23 @@
     <p:sldMasterId id="2147483660" r:id="rId1"/>
   </p:sldMasterIdLst>
   <p:notesMasterIdLst>
-    <p:notesMasterId r:id="rId4"/>
+    <p:notesMasterId r:id="rId16"/>
   </p:notesMasterIdLst>
   <p:sldIdLst>
-    <p:sldId id="281" r:id="rId2"/>
-    <p:sldId id="257" r:id="rId3"/>
+    <p:sldId id="257" r:id="rId2"/>
+    <p:sldId id="282" r:id="rId3"/>
+    <p:sldId id="283" r:id="rId4"/>
+    <p:sldId id="284" r:id="rId5"/>
+    <p:sldId id="285" r:id="rId6"/>
+    <p:sldId id="286" r:id="rId7"/>
+    <p:sldId id="287" r:id="rId8"/>
+    <p:sldId id="288" r:id="rId9"/>
+    <p:sldId id="289" r:id="rId10"/>
+    <p:sldId id="290" r:id="rId11"/>
+    <p:sldId id="291" r:id="rId12"/>
+    <p:sldId id="292" r:id="rId13"/>
+    <p:sldId id="293" r:id="rId14"/>
+    <p:sldId id="281" r:id="rId15"/>
   </p:sldIdLst>
   <p:sldSz cx="9144000" cy="6858000" type="screen4x3"/>
   <p:notesSz cx="6858000" cy="9144000"/>
@@ -198,7 +210,7 @@
           <a:p>
             <a:fld id="{9BFDADED-620D-D24E-82E2-96F000A12D1D}" type="datetimeFigureOut">
               <a:rPr lang="en-CN" smtClean="0"/>
-              <a:t>2024/1/25</a:t>
+              <a:t>2024/1/26</a:t>
             </a:fld>
             <a:endParaRPr lang="en-CN"/>
           </a:p>
@@ -531,7 +543,7 @@
           <a:p>
             <a:fld id="{9A852FB5-1F09-5546-B530-97D4A6D60E74}" type="slidenum">
               <a:rPr lang="en-CN" smtClean="0"/>
-              <a:t>2</a:t>
+              <a:t>1</a:t>
             </a:fld>
             <a:endParaRPr lang="en-CN"/>
           </a:p>
@@ -785,6 +797,53 @@
           </a:p>
         </p:txBody>
       </p:sp>
+      <p:pic>
+        <p:nvPicPr>
+          <p:cNvPr id="9" name="Picture 2">
+            <a:extLst>
+              <a:ext uri="{FF2B5EF4-FFF2-40B4-BE49-F238E27FC236}">
+                <a16:creationId xmlns:a16="http://schemas.microsoft.com/office/drawing/2014/main" id="{24666549-5A13-218B-AE93-06808F88F043}"/>
+              </a:ext>
+            </a:extLst>
+          </p:cNvPr>
+          <p:cNvPicPr>
+            <a:picLocks noChangeAspect="1" noChangeArrowheads="1"/>
+          </p:cNvPicPr>
+          <p:nvPr userDrawn="1"/>
+        </p:nvPicPr>
+        <p:blipFill>
+          <a:blip r:embed="rId2">
+            <a:extLst>
+              <a:ext uri="{28A0092B-C50C-407E-A947-70E740481C1C}">
+                <a14:useLocalDpi xmlns:a14="http://schemas.microsoft.com/office/drawing/2010/main" val="0"/>
+              </a:ext>
+            </a:extLst>
+          </a:blip>
+          <a:srcRect/>
+          <a:stretch>
+            <a:fillRect/>
+          </a:stretch>
+        </p:blipFill>
+        <p:spPr bwMode="auto">
+          <a:xfrm>
+            <a:off x="8244520" y="0"/>
+            <a:ext cx="899480" cy="168442"/>
+          </a:xfrm>
+          <a:prstGeom prst="rect">
+            <a:avLst/>
+          </a:prstGeom>
+          <a:noFill/>
+          <a:extLst>
+            <a:ext uri="{909E8E84-426E-40DD-AFC4-6F175D3DCCD1}">
+              <a14:hiddenFill xmlns:a14="http://schemas.microsoft.com/office/drawing/2010/main">
+                <a:solidFill>
+                  <a:srgbClr val="FFFFFF"/>
+                </a:solidFill>
+              </a14:hiddenFill>
+            </a:ext>
+          </a:extLst>
+        </p:spPr>
+      </p:pic>
     </p:spTree>
     <p:extLst>
       <p:ext uri="{BB962C8B-B14F-4D97-AF65-F5344CB8AC3E}">
@@ -1687,7 +1746,7 @@
           <a:p>
             <a:fld id="{58D30FAB-176C-8449-8796-69F8D9C85B57}" type="datetime1">
               <a:rPr lang="en-US" smtClean="0"/>
-              <a:t>1/25/24</a:t>
+              <a:t>1/26/24</a:t>
             </a:fld>
             <a:endParaRPr lang="en-CN"/>
           </a:p>
@@ -2090,7 +2149,7 @@
           <p:cNvPr id="2" name="Slide Number Placeholder 1">
             <a:extLst>
               <a:ext uri="{FF2B5EF4-FFF2-40B4-BE49-F238E27FC236}">
-                <a16:creationId xmlns:a16="http://schemas.microsoft.com/office/drawing/2014/main" id="{B21780A8-2A62-1D37-FA41-493440D7A0C2}"/>
+                <a16:creationId xmlns:a16="http://schemas.microsoft.com/office/drawing/2014/main" id="{221EDF88-8D28-2A7D-1737-B9112AC5E0F0}"/>
               </a:ext>
             </a:extLst>
           </p:cNvPr>
@@ -2110,170 +2169,6 @@
               <a:rPr lang="en-CN" smtClean="0"/>
               <a:pPr/>
               <a:t>1</a:t>
-            </a:fld>
-            <a:endParaRPr lang="en-CN"/>
-          </a:p>
-        </p:txBody>
-      </p:sp>
-      <p:pic>
-        <p:nvPicPr>
-          <p:cNvPr id="5" name="Picture 4">
-            <a:extLst>
-              <a:ext uri="{FF2B5EF4-FFF2-40B4-BE49-F238E27FC236}">
-                <a16:creationId xmlns:a16="http://schemas.microsoft.com/office/drawing/2014/main" id="{B7523383-5359-C9E3-DD01-5D842BC27323}"/>
-              </a:ext>
-            </a:extLst>
-          </p:cNvPr>
-          <p:cNvPicPr>
-            <a:picLocks noChangeAspect="1"/>
-          </p:cNvPicPr>
-          <p:nvPr/>
-        </p:nvPicPr>
-        <p:blipFill>
-          <a:blip r:embed="rId2"/>
-          <a:stretch>
-            <a:fillRect/>
-          </a:stretch>
-        </p:blipFill>
-        <p:spPr>
-          <a:xfrm>
-            <a:off x="3202164" y="770223"/>
-            <a:ext cx="2739672" cy="1823127"/>
-          </a:xfrm>
-          <a:prstGeom prst="rect">
-            <a:avLst/>
-          </a:prstGeom>
-        </p:spPr>
-      </p:pic>
-      <p:pic>
-        <p:nvPicPr>
-          <p:cNvPr id="6" name="Picture 5">
-            <a:extLst>
-              <a:ext uri="{FF2B5EF4-FFF2-40B4-BE49-F238E27FC236}">
-                <a16:creationId xmlns:a16="http://schemas.microsoft.com/office/drawing/2014/main" id="{1D8F1FCB-02CC-AE75-09A2-48046C2FFF58}"/>
-              </a:ext>
-            </a:extLst>
-          </p:cNvPr>
-          <p:cNvPicPr>
-            <a:picLocks noChangeAspect="1"/>
-          </p:cNvPicPr>
-          <p:nvPr/>
-        </p:nvPicPr>
-        <p:blipFill>
-          <a:blip r:embed="rId3"/>
-          <a:stretch>
-            <a:fillRect/>
-          </a:stretch>
-        </p:blipFill>
-        <p:spPr>
-          <a:xfrm>
-            <a:off x="2137580" y="2724992"/>
-            <a:ext cx="4608174" cy="1972057"/>
-          </a:xfrm>
-          <a:prstGeom prst="rect">
-            <a:avLst/>
-          </a:prstGeom>
-        </p:spPr>
-      </p:pic>
-      <p:sp>
-        <p:nvSpPr>
-          <p:cNvPr id="8" name="TextBox 7">
-            <a:extLst>
-              <a:ext uri="{FF2B5EF4-FFF2-40B4-BE49-F238E27FC236}">
-                <a16:creationId xmlns:a16="http://schemas.microsoft.com/office/drawing/2014/main" id="{FCF5365B-5FB3-4693-8FDD-59683605F615}"/>
-              </a:ext>
-            </a:extLst>
-          </p:cNvPr>
-          <p:cNvSpPr txBox="1"/>
-          <p:nvPr/>
-        </p:nvSpPr>
-        <p:spPr>
-          <a:xfrm>
-            <a:off x="2137580" y="4719538"/>
-            <a:ext cx="4608174" cy="646331"/>
-          </a:xfrm>
-          <a:prstGeom prst="rect">
-            <a:avLst/>
-          </a:prstGeom>
-          <a:noFill/>
-        </p:spPr>
-        <p:txBody>
-          <a:bodyPr wrap="square">
-            <a:spAutoFit/>
-          </a:bodyPr>
-          <a:lstStyle/>
-          <a:p>
-            <a:pPr algn="ctr"/>
-            <a:r>
-              <a:rPr lang="en-US" altLang="zh-CN" dirty="0"/>
-              <a:t>QQ: 2095728218</a:t>
-            </a:r>
-          </a:p>
-          <a:p>
-            <a:pPr algn="ctr"/>
-            <a:r>
-              <a:rPr lang="en-US" altLang="zh-CN" dirty="0" err="1"/>
-              <a:t>gwzhang@cug.edu.cn</a:t>
-            </a:r>
-            <a:endParaRPr lang="en-US" altLang="zh-CN" dirty="0"/>
-          </a:p>
-        </p:txBody>
-      </p:sp>
-    </p:spTree>
-    <p:extLst>
-      <p:ext uri="{BB962C8B-B14F-4D97-AF65-F5344CB8AC3E}">
-        <p14:creationId xmlns:p14="http://schemas.microsoft.com/office/powerpoint/2010/main" val="1646968304"/>
-      </p:ext>
-    </p:extLst>
-  </p:cSld>
-  <p:clrMapOvr>
-    <a:masterClrMapping/>
-  </p:clrMapOvr>
-</p:sld>
-</file>
-
-<file path=ppt/slides/slide2.xml><?xml version="1.0" encoding="utf-8"?>
-<p:sld xmlns:a="http://schemas.openxmlformats.org/drawingml/2006/main" xmlns:r="http://schemas.openxmlformats.org/officeDocument/2006/relationships" xmlns:p="http://schemas.openxmlformats.org/presentationml/2006/main">
-  <p:cSld>
-    <p:spTree>
-      <p:nvGrpSpPr>
-        <p:cNvPr id="1" name=""/>
-        <p:cNvGrpSpPr/>
-        <p:nvPr/>
-      </p:nvGrpSpPr>
-      <p:grpSpPr>
-        <a:xfrm>
-          <a:off x="0" y="0"/>
-          <a:ext cx="0" cy="0"/>
-          <a:chOff x="0" y="0"/>
-          <a:chExt cx="0" cy="0"/>
-        </a:xfrm>
-      </p:grpSpPr>
-      <p:sp>
-        <p:nvSpPr>
-          <p:cNvPr id="2" name="Slide Number Placeholder 1">
-            <a:extLst>
-              <a:ext uri="{FF2B5EF4-FFF2-40B4-BE49-F238E27FC236}">
-                <a16:creationId xmlns:a16="http://schemas.microsoft.com/office/drawing/2014/main" id="{221EDF88-8D28-2A7D-1737-B9112AC5E0F0}"/>
-              </a:ext>
-            </a:extLst>
-          </p:cNvPr>
-          <p:cNvSpPr>
-            <a:spLocks noGrp="1"/>
-          </p:cNvSpPr>
-          <p:nvPr>
-            <p:ph type="sldNum" sz="quarter" idx="12"/>
-          </p:nvPr>
-        </p:nvSpPr>
-        <p:spPr/>
-        <p:txBody>
-          <a:bodyPr/>
-          <a:lstStyle/>
-          <a:p>
-            <a:fld id="{7A304655-5D53-B746-8252-3F5A598C52D3}" type="slidenum">
-              <a:rPr lang="en-CN" smtClean="0"/>
-              <a:pPr/>
-              <a:t>2</a:t>
             </a:fld>
             <a:endParaRPr lang="en-CN" dirty="0"/>
           </a:p>
@@ -2541,6 +2436,5591 @@
     <p:extLst>
       <p:ext uri="{BB962C8B-B14F-4D97-AF65-F5344CB8AC3E}">
         <p14:creationId xmlns:p14="http://schemas.microsoft.com/office/powerpoint/2010/main" val="4112512194"/>
+      </p:ext>
+    </p:extLst>
+  </p:cSld>
+  <p:clrMapOvr>
+    <a:masterClrMapping/>
+  </p:clrMapOvr>
+</p:sld>
+</file>
+
+<file path=ppt/slides/slide10.xml><?xml version="1.0" encoding="utf-8"?>
+<p:sld xmlns:a="http://schemas.openxmlformats.org/drawingml/2006/main" xmlns:r="http://schemas.openxmlformats.org/officeDocument/2006/relationships" xmlns:p="http://schemas.openxmlformats.org/presentationml/2006/main">
+  <p:cSld>
+    <p:spTree>
+      <p:nvGrpSpPr>
+        <p:cNvPr id="1" name=""/>
+        <p:cNvGrpSpPr/>
+        <p:nvPr/>
+      </p:nvGrpSpPr>
+      <p:grpSpPr>
+        <a:xfrm>
+          <a:off x="0" y="0"/>
+          <a:ext cx="0" cy="0"/>
+          <a:chOff x="0" y="0"/>
+          <a:chExt cx="0" cy="0"/>
+        </a:xfrm>
+      </p:grpSpPr>
+      <p:sp>
+        <p:nvSpPr>
+          <p:cNvPr id="2" name="Slide Number Placeholder 1">
+            <a:extLst>
+              <a:ext uri="{FF2B5EF4-FFF2-40B4-BE49-F238E27FC236}">
+                <a16:creationId xmlns:a16="http://schemas.microsoft.com/office/drawing/2014/main" id="{40E913D8-9374-6E77-A010-F9B9CC020CC0}"/>
+              </a:ext>
+            </a:extLst>
+          </p:cNvPr>
+          <p:cNvSpPr>
+            <a:spLocks noGrp="1"/>
+          </p:cNvSpPr>
+          <p:nvPr>
+            <p:ph type="sldNum" sz="quarter" idx="12"/>
+          </p:nvPr>
+        </p:nvSpPr>
+        <p:spPr/>
+        <p:txBody>
+          <a:bodyPr/>
+          <a:lstStyle/>
+          <a:p>
+            <a:fld id="{7A304655-5D53-B746-8252-3F5A598C52D3}" type="slidenum">
+              <a:rPr lang="en-CN" smtClean="0"/>
+              <a:pPr/>
+              <a:t>10</a:t>
+            </a:fld>
+            <a:endParaRPr lang="en-CN"/>
+          </a:p>
+        </p:txBody>
+      </p:sp>
+      <p:sp>
+        <p:nvSpPr>
+          <p:cNvPr id="3" name="Title 2">
+            <a:extLst>
+              <a:ext uri="{FF2B5EF4-FFF2-40B4-BE49-F238E27FC236}">
+                <a16:creationId xmlns:a16="http://schemas.microsoft.com/office/drawing/2014/main" id="{AAEBE9C8-F79A-DCCF-9062-7B8E9B836EC5}"/>
+              </a:ext>
+            </a:extLst>
+          </p:cNvPr>
+          <p:cNvSpPr>
+            <a:spLocks noGrp="1"/>
+          </p:cNvSpPr>
+          <p:nvPr>
+            <p:ph type="title"/>
+          </p:nvPr>
+        </p:nvSpPr>
+        <p:spPr/>
+        <p:txBody>
+          <a:bodyPr/>
+          <a:lstStyle/>
+          <a:p>
+            <a:r>
+              <a:rPr kumimoji="1" lang="zh-CN" altLang="en-US" dirty="0"/>
+              <a:t>算法</a:t>
+            </a:r>
+            <a:r>
+              <a:rPr kumimoji="1" lang="en-US" altLang="zh-CN" dirty="0"/>
+              <a:t>3:</a:t>
+            </a:r>
+            <a:r>
+              <a:rPr kumimoji="1" lang="zh-CN" altLang="en-US" dirty="0"/>
+              <a:t> </a:t>
+            </a:r>
+            <a:r>
+              <a:rPr kumimoji="1" lang="en-US" altLang="zh-CN" dirty="0"/>
+              <a:t>Kruskal</a:t>
+            </a:r>
+            <a:endParaRPr kumimoji="1" lang="zh-CN" altLang="en-US" dirty="0"/>
+          </a:p>
+        </p:txBody>
+      </p:sp>
+      <p:pic>
+        <p:nvPicPr>
+          <p:cNvPr id="4" name="Picture 3">
+            <a:extLst>
+              <a:ext uri="{FF2B5EF4-FFF2-40B4-BE49-F238E27FC236}">
+                <a16:creationId xmlns:a16="http://schemas.microsoft.com/office/drawing/2014/main" id="{ACCD8F2F-7294-4D5B-C829-DA7AC4B755ED}"/>
+              </a:ext>
+            </a:extLst>
+          </p:cNvPr>
+          <p:cNvPicPr>
+            <a:picLocks noChangeAspect="1"/>
+          </p:cNvPicPr>
+          <p:nvPr/>
+        </p:nvPicPr>
+        <p:blipFill>
+          <a:blip r:embed="rId2"/>
+          <a:stretch>
+            <a:fillRect/>
+          </a:stretch>
+        </p:blipFill>
+        <p:spPr>
+          <a:xfrm>
+            <a:off x="857955" y="1128000"/>
+            <a:ext cx="7428089" cy="547090"/>
+          </a:xfrm>
+          <a:prstGeom prst="rect">
+            <a:avLst/>
+          </a:prstGeom>
+        </p:spPr>
+      </p:pic>
+      <p:pic>
+        <p:nvPicPr>
+          <p:cNvPr id="5" name="Picture 4">
+            <a:extLst>
+              <a:ext uri="{FF2B5EF4-FFF2-40B4-BE49-F238E27FC236}">
+                <a16:creationId xmlns:a16="http://schemas.microsoft.com/office/drawing/2014/main" id="{4133FF17-0E30-7675-C4B5-D9830BDD8A5C}"/>
+              </a:ext>
+            </a:extLst>
+          </p:cNvPr>
+          <p:cNvPicPr>
+            <a:picLocks noChangeAspect="1"/>
+          </p:cNvPicPr>
+          <p:nvPr/>
+        </p:nvPicPr>
+        <p:blipFill>
+          <a:blip r:embed="rId3"/>
+          <a:stretch>
+            <a:fillRect/>
+          </a:stretch>
+        </p:blipFill>
+        <p:spPr>
+          <a:xfrm>
+            <a:off x="51149" y="2083835"/>
+            <a:ext cx="5985374" cy="2942390"/>
+          </a:xfrm>
+          <a:prstGeom prst="rect">
+            <a:avLst/>
+          </a:prstGeom>
+        </p:spPr>
+      </p:pic>
+      <p:pic>
+        <p:nvPicPr>
+          <p:cNvPr id="6" name="Picture 5">
+            <a:extLst>
+              <a:ext uri="{FF2B5EF4-FFF2-40B4-BE49-F238E27FC236}">
+                <a16:creationId xmlns:a16="http://schemas.microsoft.com/office/drawing/2014/main" id="{E568DAB6-BF37-0D1B-33D0-15EA5CCB816F}"/>
+              </a:ext>
+            </a:extLst>
+          </p:cNvPr>
+          <p:cNvPicPr>
+            <a:picLocks noChangeAspect="1"/>
+          </p:cNvPicPr>
+          <p:nvPr/>
+        </p:nvPicPr>
+        <p:blipFill>
+          <a:blip r:embed="rId4"/>
+          <a:stretch>
+            <a:fillRect/>
+          </a:stretch>
+        </p:blipFill>
+        <p:spPr>
+          <a:xfrm>
+            <a:off x="6036523" y="2223294"/>
+            <a:ext cx="3014854" cy="2663472"/>
+          </a:xfrm>
+          <a:prstGeom prst="rect">
+            <a:avLst/>
+          </a:prstGeom>
+        </p:spPr>
+      </p:pic>
+    </p:spTree>
+    <p:extLst>
+      <p:ext uri="{BB962C8B-B14F-4D97-AF65-F5344CB8AC3E}">
+        <p14:creationId xmlns:p14="http://schemas.microsoft.com/office/powerpoint/2010/main" val="2895498994"/>
+      </p:ext>
+    </p:extLst>
+  </p:cSld>
+  <p:clrMapOvr>
+    <a:masterClrMapping/>
+  </p:clrMapOvr>
+</p:sld>
+</file>
+
+<file path=ppt/slides/slide11.xml><?xml version="1.0" encoding="utf-8"?>
+<p:sld xmlns:a="http://schemas.openxmlformats.org/drawingml/2006/main" xmlns:r="http://schemas.openxmlformats.org/officeDocument/2006/relationships" xmlns:p="http://schemas.openxmlformats.org/presentationml/2006/main">
+  <p:cSld>
+    <p:spTree>
+      <p:nvGrpSpPr>
+        <p:cNvPr id="1" name=""/>
+        <p:cNvGrpSpPr/>
+        <p:nvPr/>
+      </p:nvGrpSpPr>
+      <p:grpSpPr>
+        <a:xfrm>
+          <a:off x="0" y="0"/>
+          <a:ext cx="0" cy="0"/>
+          <a:chOff x="0" y="0"/>
+          <a:chExt cx="0" cy="0"/>
+        </a:xfrm>
+      </p:grpSpPr>
+      <p:sp>
+        <p:nvSpPr>
+          <p:cNvPr id="2" name="Slide Number Placeholder 1">
+            <a:extLst>
+              <a:ext uri="{FF2B5EF4-FFF2-40B4-BE49-F238E27FC236}">
+                <a16:creationId xmlns:a16="http://schemas.microsoft.com/office/drawing/2014/main" id="{E52419BA-DF9A-17F4-9B5F-38E2204E66A3}"/>
+              </a:ext>
+            </a:extLst>
+          </p:cNvPr>
+          <p:cNvSpPr>
+            <a:spLocks noGrp="1"/>
+          </p:cNvSpPr>
+          <p:nvPr>
+            <p:ph type="sldNum" sz="quarter" idx="12"/>
+          </p:nvPr>
+        </p:nvSpPr>
+        <p:spPr/>
+        <p:txBody>
+          <a:bodyPr/>
+          <a:lstStyle/>
+          <a:p>
+            <a:fld id="{7A304655-5D53-B746-8252-3F5A598C52D3}" type="slidenum">
+              <a:rPr lang="en-CN" smtClean="0"/>
+              <a:pPr/>
+              <a:t>11</a:t>
+            </a:fld>
+            <a:endParaRPr lang="en-CN"/>
+          </a:p>
+        </p:txBody>
+      </p:sp>
+      <p:sp>
+        <p:nvSpPr>
+          <p:cNvPr id="3" name="Title 2">
+            <a:extLst>
+              <a:ext uri="{FF2B5EF4-FFF2-40B4-BE49-F238E27FC236}">
+                <a16:creationId xmlns:a16="http://schemas.microsoft.com/office/drawing/2014/main" id="{551F0A5F-4D61-F040-517A-6574E761DB7B}"/>
+              </a:ext>
+            </a:extLst>
+          </p:cNvPr>
+          <p:cNvSpPr>
+            <a:spLocks noGrp="1"/>
+          </p:cNvSpPr>
+          <p:nvPr>
+            <p:ph type="title"/>
+          </p:nvPr>
+        </p:nvSpPr>
+        <p:spPr/>
+        <p:txBody>
+          <a:bodyPr/>
+          <a:lstStyle/>
+          <a:p>
+            <a:r>
+              <a:rPr kumimoji="1" lang="zh-CN" altLang="en-US" dirty="0"/>
+              <a:t>问题</a:t>
+            </a:r>
+            <a:r>
+              <a:rPr kumimoji="1" lang="en-US" altLang="zh-CN" dirty="0"/>
+              <a:t>:</a:t>
+            </a:r>
+            <a:r>
+              <a:rPr kumimoji="1" lang="zh-CN" altLang="en-US" dirty="0"/>
+              <a:t> 怎么判断是不是有环</a:t>
+            </a:r>
+            <a:r>
+              <a:rPr kumimoji="1" lang="en-US" altLang="zh-CN" dirty="0"/>
+              <a:t>?</a:t>
+            </a:r>
+            <a:endParaRPr kumimoji="1" lang="zh-CN" altLang="en-US" dirty="0"/>
+          </a:p>
+        </p:txBody>
+      </p:sp>
+      <mc:AlternateContent xmlns:mc="http://schemas.openxmlformats.org/markup-compatibility/2006" xmlns:a14="http://schemas.microsoft.com/office/drawing/2010/main">
+        <mc:Choice Requires="a14">
+          <p:sp>
+            <p:nvSpPr>
+              <p:cNvPr id="5" name="TextBox 4">
+                <a:extLst>
+                  <a:ext uri="{FF2B5EF4-FFF2-40B4-BE49-F238E27FC236}">
+                    <a16:creationId xmlns:a16="http://schemas.microsoft.com/office/drawing/2014/main" id="{46A49641-5DF9-75FD-1524-FCC4F264507E}"/>
+                  </a:ext>
+                </a:extLst>
+              </p:cNvPr>
+              <p:cNvSpPr txBox="1"/>
+              <p:nvPr/>
+            </p:nvSpPr>
+            <p:spPr>
+              <a:xfrm>
+                <a:off x="846667" y="1388533"/>
+                <a:ext cx="6530186" cy="1569660"/>
+              </a:xfrm>
+              <a:prstGeom prst="rect">
+                <a:avLst/>
+              </a:prstGeom>
+              <a:noFill/>
+            </p:spPr>
+            <p:txBody>
+              <a:bodyPr wrap="none" rtlCol="0">
+                <a:spAutoFit/>
+              </a:bodyPr>
+              <a:lstStyle/>
+              <a:p>
+                <a:pPr marL="342900" indent="-342900" algn="l">
+                  <a:buFont typeface="Arial" panose="020B0604020202020204" pitchFamily="34" charset="0"/>
+                  <a:buChar char="•"/>
+                </a:pPr>
+                <a:r>
+                  <a:rPr kumimoji="1" lang="zh-CN" altLang="en-US" sz="2400" dirty="0"/>
+                  <a:t>一个数据结构支持如下功能</a:t>
+                </a:r>
+                <a:endParaRPr kumimoji="1" lang="en-US" altLang="zh-CN" sz="2400" dirty="0"/>
+              </a:p>
+              <a:p>
+                <a:pPr marL="800100" lvl="1" indent="-342900">
+                  <a:buFont typeface="Arial" panose="020B0604020202020204" pitchFamily="34" charset="0"/>
+                  <a:buChar char="•"/>
+                </a:pPr>
+                <a:r>
+                  <a:rPr kumimoji="1" lang="en-US" altLang="zh-CN" sz="2400" dirty="0"/>
+                  <a:t>Make-Set(</a:t>
+                </a:r>
+                <a14:m>
+                  <m:oMath xmlns:m="http://schemas.openxmlformats.org/officeDocument/2006/math">
+                    <m:r>
+                      <a:rPr kumimoji="1" lang="en-US" altLang="zh-CN" sz="2400" i="1" dirty="0" smtClean="0">
+                        <a:latin typeface="Cambria Math" panose="02040503050406030204" pitchFamily="18" charset="0"/>
+                      </a:rPr>
+                      <m:t>𝑣</m:t>
+                    </m:r>
+                  </m:oMath>
+                </a14:m>
+                <a:r>
+                  <a:rPr kumimoji="1" lang="en-US" altLang="zh-CN" sz="2400" dirty="0"/>
+                  <a:t>)</a:t>
+                </a:r>
+                <a:r>
+                  <a:rPr kumimoji="1" lang="zh-CN" altLang="en-US" sz="2400" dirty="0"/>
+                  <a:t> </a:t>
+                </a:r>
+                <a:r>
+                  <a:rPr kumimoji="1" lang="en-US" altLang="zh-CN" sz="2400" dirty="0"/>
+                  <a:t>–</a:t>
+                </a:r>
+                <a:r>
+                  <a:rPr kumimoji="1" lang="zh-CN" altLang="en-US" sz="2400" dirty="0"/>
+                  <a:t> 创建一个点</a:t>
+                </a:r>
+                <a14:m>
+                  <m:oMath xmlns:m="http://schemas.openxmlformats.org/officeDocument/2006/math">
+                    <m:r>
+                      <a:rPr kumimoji="1" lang="en-US" altLang="zh-CN" sz="2400" i="1" dirty="0" smtClean="0">
+                        <a:latin typeface="Cambria Math" panose="02040503050406030204" pitchFamily="18" charset="0"/>
+                      </a:rPr>
+                      <m:t>𝑣</m:t>
+                    </m:r>
+                  </m:oMath>
+                </a14:m>
+                <a:r>
+                  <a:rPr kumimoji="1" lang="zh-CN" altLang="en-US" sz="2400" dirty="0"/>
+                  <a:t>的集合</a:t>
+                </a:r>
+                <a:endParaRPr kumimoji="1" lang="en-US" altLang="zh-CN" sz="2400" dirty="0"/>
+              </a:p>
+              <a:p>
+                <a:pPr marL="800100" lvl="1" indent="-342900">
+                  <a:buFont typeface="Arial" panose="020B0604020202020204" pitchFamily="34" charset="0"/>
+                  <a:buChar char="•"/>
+                </a:pPr>
+                <a:r>
+                  <a:rPr kumimoji="1" lang="en-US" altLang="zh-CN" sz="2400" dirty="0"/>
+                  <a:t>Find(</a:t>
+                </a:r>
+                <a14:m>
+                  <m:oMath xmlns:m="http://schemas.openxmlformats.org/officeDocument/2006/math">
+                    <m:r>
+                      <a:rPr kumimoji="1" lang="en-US" altLang="zh-CN" sz="2400" i="1" dirty="0" smtClean="0">
+                        <a:latin typeface="Cambria Math" panose="02040503050406030204" pitchFamily="18" charset="0"/>
+                      </a:rPr>
+                      <m:t>𝑣</m:t>
+                    </m:r>
+                  </m:oMath>
+                </a14:m>
+                <a:r>
+                  <a:rPr kumimoji="1" lang="en-US" altLang="zh-CN" sz="2400" dirty="0"/>
+                  <a:t>)</a:t>
+                </a:r>
+                <a:r>
+                  <a:rPr kumimoji="1" lang="zh-CN" altLang="en-US" sz="2400" dirty="0"/>
+                  <a:t> </a:t>
+                </a:r>
+                <a:r>
+                  <a:rPr kumimoji="1" lang="en-US" altLang="zh-CN" sz="2400" dirty="0"/>
+                  <a:t>–</a:t>
+                </a:r>
+                <a:r>
+                  <a:rPr kumimoji="1" lang="zh-CN" altLang="en-US" sz="2400" dirty="0"/>
+                  <a:t> 查找</a:t>
+                </a:r>
+                <a14:m>
+                  <m:oMath xmlns:m="http://schemas.openxmlformats.org/officeDocument/2006/math">
+                    <m:r>
+                      <a:rPr kumimoji="1" lang="en-US" altLang="zh-CN" sz="2400" i="1" dirty="0" smtClean="0">
+                        <a:latin typeface="Cambria Math" panose="02040503050406030204" pitchFamily="18" charset="0"/>
+                      </a:rPr>
+                      <m:t>𝑣</m:t>
+                    </m:r>
+                  </m:oMath>
+                </a14:m>
+                <a:r>
+                  <a:rPr kumimoji="1" lang="zh-CN" altLang="en-US" sz="2400" dirty="0"/>
+                  <a:t>在哪个集合</a:t>
+                </a:r>
+                <a:endParaRPr kumimoji="1" lang="en-US" altLang="zh-CN" sz="2400" dirty="0"/>
+              </a:p>
+              <a:p>
+                <a:pPr marL="800100" lvl="1" indent="-342900">
+                  <a:buFont typeface="Arial" panose="020B0604020202020204" pitchFamily="34" charset="0"/>
+                  <a:buChar char="•"/>
+                </a:pPr>
+                <a:r>
+                  <a:rPr kumimoji="1" lang="en-US" altLang="zh-CN" sz="2400" dirty="0"/>
+                  <a:t>Union(</a:t>
+                </a:r>
+                <a14:m>
+                  <m:oMath xmlns:m="http://schemas.openxmlformats.org/officeDocument/2006/math">
+                    <m:r>
+                      <a:rPr kumimoji="1" lang="en-US" altLang="zh-CN" sz="2400" i="1" dirty="0" smtClean="0">
+                        <a:latin typeface="Cambria Math" panose="02040503050406030204" pitchFamily="18" charset="0"/>
+                      </a:rPr>
+                      <m:t>𝑢</m:t>
+                    </m:r>
+                    <m:r>
+                      <a:rPr kumimoji="1" lang="en-US" altLang="zh-CN" sz="2400" i="1" dirty="0" smtClean="0">
+                        <a:latin typeface="Cambria Math" panose="02040503050406030204" pitchFamily="18" charset="0"/>
+                      </a:rPr>
+                      <m:t>,</m:t>
+                    </m:r>
+                    <m:r>
+                      <a:rPr kumimoji="1" lang="en-US" altLang="zh-CN" sz="2400" i="1" dirty="0" smtClean="0">
+                        <a:latin typeface="Cambria Math" panose="02040503050406030204" pitchFamily="18" charset="0"/>
+                      </a:rPr>
+                      <m:t>𝑣</m:t>
+                    </m:r>
+                  </m:oMath>
+                </a14:m>
+                <a:r>
+                  <a:rPr kumimoji="1" lang="en-US" altLang="zh-CN" sz="2400" dirty="0"/>
+                  <a:t>)</a:t>
+                </a:r>
+                <a:r>
+                  <a:rPr kumimoji="1" lang="zh-CN" altLang="en-US" sz="2400" dirty="0"/>
+                  <a:t> </a:t>
+                </a:r>
+                <a:r>
+                  <a:rPr kumimoji="1" lang="en-US" altLang="zh-CN" sz="2400" dirty="0"/>
+                  <a:t>–</a:t>
+                </a:r>
+                <a:r>
+                  <a:rPr kumimoji="1" lang="zh-CN" altLang="en-US" sz="2400" dirty="0"/>
+                  <a:t> 把</a:t>
+                </a:r>
+                <a14:m>
+                  <m:oMath xmlns:m="http://schemas.openxmlformats.org/officeDocument/2006/math">
+                    <m:r>
+                      <a:rPr kumimoji="1" lang="en-US" altLang="zh-CN" sz="2400" i="1" dirty="0" smtClean="0">
+                        <a:latin typeface="Cambria Math" panose="02040503050406030204" pitchFamily="18" charset="0"/>
+                      </a:rPr>
+                      <m:t>𝑢</m:t>
+                    </m:r>
+                  </m:oMath>
+                </a14:m>
+                <a:r>
+                  <a:rPr kumimoji="1" lang="zh-CN" altLang="en-US" sz="2400" dirty="0"/>
+                  <a:t>在的集合和</a:t>
+                </a:r>
+                <a14:m>
+                  <m:oMath xmlns:m="http://schemas.openxmlformats.org/officeDocument/2006/math">
+                    <m:r>
+                      <a:rPr kumimoji="1" lang="en-US" altLang="zh-CN" sz="2400" i="1" dirty="0" smtClean="0">
+                        <a:latin typeface="Cambria Math" panose="02040503050406030204" pitchFamily="18" charset="0"/>
+                      </a:rPr>
+                      <m:t>𝑣</m:t>
+                    </m:r>
+                  </m:oMath>
+                </a14:m>
+                <a:r>
+                  <a:rPr kumimoji="1" lang="zh-CN" altLang="en-US" sz="2400" dirty="0"/>
+                  <a:t>的合并起来</a:t>
+                </a:r>
+              </a:p>
+            </p:txBody>
+          </p:sp>
+        </mc:Choice>
+        <mc:Fallback xmlns="">
+          <p:sp>
+            <p:nvSpPr>
+              <p:cNvPr id="5" name="TextBox 4">
+                <a:extLst>
+                  <a:ext uri="{FF2B5EF4-FFF2-40B4-BE49-F238E27FC236}">
+                    <a16:creationId xmlns:a16="http://schemas.microsoft.com/office/drawing/2014/main" id="{46A49641-5DF9-75FD-1524-FCC4F264507E}"/>
+                  </a:ext>
+                </a:extLst>
+              </p:cNvPr>
+              <p:cNvSpPr txBox="1">
+                <a:spLocks noRot="1" noChangeAspect="1" noMove="1" noResize="1" noEditPoints="1" noAdjustHandles="1" noChangeArrowheads="1" noChangeShapeType="1" noTextEdit="1"/>
+              </p:cNvSpPr>
+              <p:nvPr/>
+            </p:nvSpPr>
+            <p:spPr>
+              <a:xfrm>
+                <a:off x="846667" y="1388533"/>
+                <a:ext cx="6530186" cy="1569660"/>
+              </a:xfrm>
+              <a:prstGeom prst="rect">
+                <a:avLst/>
+              </a:prstGeom>
+              <a:blipFill>
+                <a:blip r:embed="rId2"/>
+                <a:stretch>
+                  <a:fillRect l="-1165" t="-4032" r="-1165" b="-8065"/>
+                </a:stretch>
+              </a:blipFill>
+            </p:spPr>
+            <p:txBody>
+              <a:bodyPr/>
+              <a:lstStyle/>
+              <a:p>
+                <a:r>
+                  <a:rPr lang="zh-CN" altLang="en-US">
+                    <a:noFill/>
+                  </a:rPr>
+                  <a:t> </a:t>
+                </a:r>
+              </a:p>
+            </p:txBody>
+          </p:sp>
+        </mc:Fallback>
+      </mc:AlternateContent>
+    </p:spTree>
+    <p:extLst>
+      <p:ext uri="{BB962C8B-B14F-4D97-AF65-F5344CB8AC3E}">
+        <p14:creationId xmlns:p14="http://schemas.microsoft.com/office/powerpoint/2010/main" val="1167951706"/>
+      </p:ext>
+    </p:extLst>
+  </p:cSld>
+  <p:clrMapOvr>
+    <a:masterClrMapping/>
+  </p:clrMapOvr>
+</p:sld>
+</file>
+
+<file path=ppt/slides/slide12.xml><?xml version="1.0" encoding="utf-8"?>
+<p:sld xmlns:a="http://schemas.openxmlformats.org/drawingml/2006/main" xmlns:r="http://schemas.openxmlformats.org/officeDocument/2006/relationships" xmlns:p="http://schemas.openxmlformats.org/presentationml/2006/main">
+  <p:cSld>
+    <p:spTree>
+      <p:nvGrpSpPr>
+        <p:cNvPr id="1" name=""/>
+        <p:cNvGrpSpPr/>
+        <p:nvPr/>
+      </p:nvGrpSpPr>
+      <p:grpSpPr>
+        <a:xfrm>
+          <a:off x="0" y="0"/>
+          <a:ext cx="0" cy="0"/>
+          <a:chOff x="0" y="0"/>
+          <a:chExt cx="0" cy="0"/>
+        </a:xfrm>
+      </p:grpSpPr>
+      <p:sp>
+        <p:nvSpPr>
+          <p:cNvPr id="2" name="Slide Number Placeholder 1">
+            <a:extLst>
+              <a:ext uri="{FF2B5EF4-FFF2-40B4-BE49-F238E27FC236}">
+                <a16:creationId xmlns:a16="http://schemas.microsoft.com/office/drawing/2014/main" id="{3676ADCE-8647-9150-A766-91877E7506DF}"/>
+              </a:ext>
+            </a:extLst>
+          </p:cNvPr>
+          <p:cNvSpPr>
+            <a:spLocks noGrp="1"/>
+          </p:cNvSpPr>
+          <p:nvPr>
+            <p:ph type="sldNum" sz="quarter" idx="12"/>
+          </p:nvPr>
+        </p:nvSpPr>
+        <p:spPr/>
+        <p:txBody>
+          <a:bodyPr/>
+          <a:lstStyle/>
+          <a:p>
+            <a:fld id="{7A304655-5D53-B746-8252-3F5A598C52D3}" type="slidenum">
+              <a:rPr lang="en-CN" smtClean="0"/>
+              <a:pPr/>
+              <a:t>12</a:t>
+            </a:fld>
+            <a:endParaRPr lang="en-CN"/>
+          </a:p>
+        </p:txBody>
+      </p:sp>
+      <p:sp>
+        <p:nvSpPr>
+          <p:cNvPr id="4" name="Title 3">
+            <a:extLst>
+              <a:ext uri="{FF2B5EF4-FFF2-40B4-BE49-F238E27FC236}">
+                <a16:creationId xmlns:a16="http://schemas.microsoft.com/office/drawing/2014/main" id="{EA6D84CD-92E4-8FA3-A0D1-3EF01DC8E86C}"/>
+              </a:ext>
+            </a:extLst>
+          </p:cNvPr>
+          <p:cNvSpPr>
+            <a:spLocks noGrp="1"/>
+          </p:cNvSpPr>
+          <p:nvPr>
+            <p:ph type="title"/>
+          </p:nvPr>
+        </p:nvSpPr>
+        <p:spPr/>
+        <p:txBody>
+          <a:bodyPr/>
+          <a:lstStyle/>
+          <a:p>
+            <a:r>
+              <a:rPr lang="zh-CN" altLang="en-US" dirty="0"/>
+              <a:t>合并</a:t>
+            </a:r>
+            <a:r>
+              <a:rPr lang="en-US" altLang="zh-CN" dirty="0"/>
+              <a:t>-</a:t>
+            </a:r>
+            <a:r>
+              <a:rPr lang="zh-CN" altLang="en-US" dirty="0"/>
+              <a:t>查询集</a:t>
+            </a:r>
+          </a:p>
+        </p:txBody>
+      </p:sp>
+    </p:spTree>
+    <p:extLst>
+      <p:ext uri="{BB962C8B-B14F-4D97-AF65-F5344CB8AC3E}">
+        <p14:creationId xmlns:p14="http://schemas.microsoft.com/office/powerpoint/2010/main" val="1865693645"/>
+      </p:ext>
+    </p:extLst>
+  </p:cSld>
+  <p:clrMapOvr>
+    <a:masterClrMapping/>
+  </p:clrMapOvr>
+</p:sld>
+</file>
+
+<file path=ppt/slides/slide13.xml><?xml version="1.0" encoding="utf-8"?>
+<p:sld xmlns:a="http://schemas.openxmlformats.org/drawingml/2006/main" xmlns:r="http://schemas.openxmlformats.org/officeDocument/2006/relationships" xmlns:p="http://schemas.openxmlformats.org/presentationml/2006/main">
+  <p:cSld>
+    <p:spTree>
+      <p:nvGrpSpPr>
+        <p:cNvPr id="1" name=""/>
+        <p:cNvGrpSpPr/>
+        <p:nvPr/>
+      </p:nvGrpSpPr>
+      <p:grpSpPr>
+        <a:xfrm>
+          <a:off x="0" y="0"/>
+          <a:ext cx="0" cy="0"/>
+          <a:chOff x="0" y="0"/>
+          <a:chExt cx="0" cy="0"/>
+        </a:xfrm>
+      </p:grpSpPr>
+      <p:sp>
+        <p:nvSpPr>
+          <p:cNvPr id="2" name="Slide Number Placeholder 1">
+            <a:extLst>
+              <a:ext uri="{FF2B5EF4-FFF2-40B4-BE49-F238E27FC236}">
+                <a16:creationId xmlns:a16="http://schemas.microsoft.com/office/drawing/2014/main" id="{9E6CCCF3-2C3A-1644-CF11-AE90C8079AC8}"/>
+              </a:ext>
+            </a:extLst>
+          </p:cNvPr>
+          <p:cNvSpPr>
+            <a:spLocks noGrp="1"/>
+          </p:cNvSpPr>
+          <p:nvPr>
+            <p:ph type="sldNum" sz="quarter" idx="12"/>
+          </p:nvPr>
+        </p:nvSpPr>
+        <p:spPr/>
+        <p:txBody>
+          <a:bodyPr/>
+          <a:lstStyle/>
+          <a:p>
+            <a:fld id="{7A304655-5D53-B746-8252-3F5A598C52D3}" type="slidenum">
+              <a:rPr lang="en-CN" smtClean="0"/>
+              <a:pPr/>
+              <a:t>13</a:t>
+            </a:fld>
+            <a:endParaRPr lang="en-CN"/>
+          </a:p>
+        </p:txBody>
+      </p:sp>
+      <p:sp>
+        <p:nvSpPr>
+          <p:cNvPr id="3" name="Title 2">
+            <a:extLst>
+              <a:ext uri="{FF2B5EF4-FFF2-40B4-BE49-F238E27FC236}">
+                <a16:creationId xmlns:a16="http://schemas.microsoft.com/office/drawing/2014/main" id="{D7EE7932-27AF-1A56-A17D-AADB32EEC1AD}"/>
+              </a:ext>
+            </a:extLst>
+          </p:cNvPr>
+          <p:cNvSpPr>
+            <a:spLocks noGrp="1"/>
+          </p:cNvSpPr>
+          <p:nvPr>
+            <p:ph type="title"/>
+          </p:nvPr>
+        </p:nvSpPr>
+        <p:spPr/>
+        <p:txBody>
+          <a:bodyPr/>
+          <a:lstStyle/>
+          <a:p>
+            <a:r>
+              <a:rPr kumimoji="1" lang="zh-CN" altLang="en-US" dirty="0"/>
+              <a:t>基本操作</a:t>
+            </a:r>
+          </a:p>
+        </p:txBody>
+      </p:sp>
+    </p:spTree>
+    <p:extLst>
+      <p:ext uri="{BB962C8B-B14F-4D97-AF65-F5344CB8AC3E}">
+        <p14:creationId xmlns:p14="http://schemas.microsoft.com/office/powerpoint/2010/main" val="3207042119"/>
+      </p:ext>
+    </p:extLst>
+  </p:cSld>
+  <p:clrMapOvr>
+    <a:masterClrMapping/>
+  </p:clrMapOvr>
+</p:sld>
+</file>
+
+<file path=ppt/slides/slide14.xml><?xml version="1.0" encoding="utf-8"?>
+<p:sld xmlns:a="http://schemas.openxmlformats.org/drawingml/2006/main" xmlns:r="http://schemas.openxmlformats.org/officeDocument/2006/relationships" xmlns:p="http://schemas.openxmlformats.org/presentationml/2006/main">
+  <p:cSld>
+    <p:spTree>
+      <p:nvGrpSpPr>
+        <p:cNvPr id="1" name=""/>
+        <p:cNvGrpSpPr/>
+        <p:nvPr/>
+      </p:nvGrpSpPr>
+      <p:grpSpPr>
+        <a:xfrm>
+          <a:off x="0" y="0"/>
+          <a:ext cx="0" cy="0"/>
+          <a:chOff x="0" y="0"/>
+          <a:chExt cx="0" cy="0"/>
+        </a:xfrm>
+      </p:grpSpPr>
+      <p:sp>
+        <p:nvSpPr>
+          <p:cNvPr id="2" name="Slide Number Placeholder 1">
+            <a:extLst>
+              <a:ext uri="{FF2B5EF4-FFF2-40B4-BE49-F238E27FC236}">
+                <a16:creationId xmlns:a16="http://schemas.microsoft.com/office/drawing/2014/main" id="{B21780A8-2A62-1D37-FA41-493440D7A0C2}"/>
+              </a:ext>
+            </a:extLst>
+          </p:cNvPr>
+          <p:cNvSpPr>
+            <a:spLocks noGrp="1"/>
+          </p:cNvSpPr>
+          <p:nvPr>
+            <p:ph type="sldNum" sz="quarter" idx="12"/>
+          </p:nvPr>
+        </p:nvSpPr>
+        <p:spPr/>
+        <p:txBody>
+          <a:bodyPr/>
+          <a:lstStyle/>
+          <a:p>
+            <a:fld id="{7A304655-5D53-B746-8252-3F5A598C52D3}" type="slidenum">
+              <a:rPr lang="en-CN" smtClean="0"/>
+              <a:pPr/>
+              <a:t>14</a:t>
+            </a:fld>
+            <a:endParaRPr lang="en-CN"/>
+          </a:p>
+        </p:txBody>
+      </p:sp>
+      <p:pic>
+        <p:nvPicPr>
+          <p:cNvPr id="5" name="Picture 4">
+            <a:extLst>
+              <a:ext uri="{FF2B5EF4-FFF2-40B4-BE49-F238E27FC236}">
+                <a16:creationId xmlns:a16="http://schemas.microsoft.com/office/drawing/2014/main" id="{B7523383-5359-C9E3-DD01-5D842BC27323}"/>
+              </a:ext>
+            </a:extLst>
+          </p:cNvPr>
+          <p:cNvPicPr>
+            <a:picLocks noChangeAspect="1"/>
+          </p:cNvPicPr>
+          <p:nvPr/>
+        </p:nvPicPr>
+        <p:blipFill>
+          <a:blip r:embed="rId2"/>
+          <a:stretch>
+            <a:fillRect/>
+          </a:stretch>
+        </p:blipFill>
+        <p:spPr>
+          <a:xfrm>
+            <a:off x="3202164" y="770223"/>
+            <a:ext cx="2739672" cy="1823127"/>
+          </a:xfrm>
+          <a:prstGeom prst="rect">
+            <a:avLst/>
+          </a:prstGeom>
+        </p:spPr>
+      </p:pic>
+      <p:pic>
+        <p:nvPicPr>
+          <p:cNvPr id="6" name="Picture 5">
+            <a:extLst>
+              <a:ext uri="{FF2B5EF4-FFF2-40B4-BE49-F238E27FC236}">
+                <a16:creationId xmlns:a16="http://schemas.microsoft.com/office/drawing/2014/main" id="{1D8F1FCB-02CC-AE75-09A2-48046C2FFF58}"/>
+              </a:ext>
+            </a:extLst>
+          </p:cNvPr>
+          <p:cNvPicPr>
+            <a:picLocks noChangeAspect="1"/>
+          </p:cNvPicPr>
+          <p:nvPr/>
+        </p:nvPicPr>
+        <p:blipFill>
+          <a:blip r:embed="rId3"/>
+          <a:stretch>
+            <a:fillRect/>
+          </a:stretch>
+        </p:blipFill>
+        <p:spPr>
+          <a:xfrm>
+            <a:off x="2137580" y="2724992"/>
+            <a:ext cx="4608174" cy="1972057"/>
+          </a:xfrm>
+          <a:prstGeom prst="rect">
+            <a:avLst/>
+          </a:prstGeom>
+        </p:spPr>
+      </p:pic>
+      <p:sp>
+        <p:nvSpPr>
+          <p:cNvPr id="8" name="TextBox 7">
+            <a:extLst>
+              <a:ext uri="{FF2B5EF4-FFF2-40B4-BE49-F238E27FC236}">
+                <a16:creationId xmlns:a16="http://schemas.microsoft.com/office/drawing/2014/main" id="{FCF5365B-5FB3-4693-8FDD-59683605F615}"/>
+              </a:ext>
+            </a:extLst>
+          </p:cNvPr>
+          <p:cNvSpPr txBox="1"/>
+          <p:nvPr/>
+        </p:nvSpPr>
+        <p:spPr>
+          <a:xfrm>
+            <a:off x="2137580" y="4719538"/>
+            <a:ext cx="4608174" cy="646331"/>
+          </a:xfrm>
+          <a:prstGeom prst="rect">
+            <a:avLst/>
+          </a:prstGeom>
+          <a:noFill/>
+        </p:spPr>
+        <p:txBody>
+          <a:bodyPr wrap="square">
+            <a:spAutoFit/>
+          </a:bodyPr>
+          <a:lstStyle/>
+          <a:p>
+            <a:pPr algn="ctr"/>
+            <a:r>
+              <a:rPr lang="en-US" altLang="zh-CN" dirty="0"/>
+              <a:t>QQ: 2095728218</a:t>
+            </a:r>
+          </a:p>
+          <a:p>
+            <a:pPr algn="ctr"/>
+            <a:r>
+              <a:rPr lang="en-US" altLang="zh-CN" dirty="0" err="1"/>
+              <a:t>gwzhang@cug.edu.cn</a:t>
+            </a:r>
+            <a:endParaRPr lang="en-US" altLang="zh-CN" dirty="0"/>
+          </a:p>
+        </p:txBody>
+      </p:sp>
+    </p:spTree>
+    <p:extLst>
+      <p:ext uri="{BB962C8B-B14F-4D97-AF65-F5344CB8AC3E}">
+        <p14:creationId xmlns:p14="http://schemas.microsoft.com/office/powerpoint/2010/main" val="2796799832"/>
+      </p:ext>
+    </p:extLst>
+  </p:cSld>
+  <p:clrMapOvr>
+    <a:masterClrMapping/>
+  </p:clrMapOvr>
+</p:sld>
+</file>
+
+<file path=ppt/slides/slide2.xml><?xml version="1.0" encoding="utf-8"?>
+<p:sld xmlns:a="http://schemas.openxmlformats.org/drawingml/2006/main" xmlns:r="http://schemas.openxmlformats.org/officeDocument/2006/relationships" xmlns:p="http://schemas.openxmlformats.org/presentationml/2006/main">
+  <p:cSld>
+    <p:spTree>
+      <p:nvGrpSpPr>
+        <p:cNvPr id="1" name=""/>
+        <p:cNvGrpSpPr/>
+        <p:nvPr/>
+      </p:nvGrpSpPr>
+      <p:grpSpPr>
+        <a:xfrm>
+          <a:off x="0" y="0"/>
+          <a:ext cx="0" cy="0"/>
+          <a:chOff x="0" y="0"/>
+          <a:chExt cx="0" cy="0"/>
+        </a:xfrm>
+      </p:grpSpPr>
+      <p:sp>
+        <p:nvSpPr>
+          <p:cNvPr id="2" name="Slide Number Placeholder 1">
+            <a:extLst>
+              <a:ext uri="{FF2B5EF4-FFF2-40B4-BE49-F238E27FC236}">
+                <a16:creationId xmlns:a16="http://schemas.microsoft.com/office/drawing/2014/main" id="{DFD21767-7913-594F-910B-2DB629D6165B}"/>
+              </a:ext>
+            </a:extLst>
+          </p:cNvPr>
+          <p:cNvSpPr>
+            <a:spLocks noGrp="1"/>
+          </p:cNvSpPr>
+          <p:nvPr>
+            <p:ph type="sldNum" sz="quarter" idx="12"/>
+          </p:nvPr>
+        </p:nvSpPr>
+        <p:spPr/>
+        <p:txBody>
+          <a:bodyPr/>
+          <a:lstStyle/>
+          <a:p>
+            <a:fld id="{7A304655-5D53-B746-8252-3F5A598C52D3}" type="slidenum">
+              <a:rPr lang="en-CN" smtClean="0"/>
+              <a:pPr/>
+              <a:t>2</a:t>
+            </a:fld>
+            <a:endParaRPr lang="en-CN"/>
+          </a:p>
+        </p:txBody>
+      </p:sp>
+      <p:sp>
+        <p:nvSpPr>
+          <p:cNvPr id="3" name="Title 2">
+            <a:extLst>
+              <a:ext uri="{FF2B5EF4-FFF2-40B4-BE49-F238E27FC236}">
+                <a16:creationId xmlns:a16="http://schemas.microsoft.com/office/drawing/2014/main" id="{C2E8796A-7B40-F0F4-3ED3-2DF5143E6D26}"/>
+              </a:ext>
+            </a:extLst>
+          </p:cNvPr>
+          <p:cNvSpPr>
+            <a:spLocks noGrp="1"/>
+          </p:cNvSpPr>
+          <p:nvPr>
+            <p:ph type="title"/>
+          </p:nvPr>
+        </p:nvSpPr>
+        <p:spPr/>
+        <p:txBody>
+          <a:bodyPr/>
+          <a:lstStyle/>
+          <a:p>
+            <a:r>
+              <a:rPr kumimoji="1" lang="zh-CN" altLang="en-US" dirty="0"/>
+              <a:t>问题描述</a:t>
+            </a:r>
+          </a:p>
+        </p:txBody>
+      </p:sp>
+      <mc:AlternateContent xmlns:mc="http://schemas.openxmlformats.org/markup-compatibility/2006" xmlns:a14="http://schemas.microsoft.com/office/drawing/2010/main">
+        <mc:Choice Requires="a14">
+          <p:sp>
+            <p:nvSpPr>
+              <p:cNvPr id="4" name="TextBox 3">
+                <a:extLst>
+                  <a:ext uri="{FF2B5EF4-FFF2-40B4-BE49-F238E27FC236}">
+                    <a16:creationId xmlns:a16="http://schemas.microsoft.com/office/drawing/2014/main" id="{FD9583F1-6E9F-C0D3-979F-0D62015A9D9D}"/>
+                  </a:ext>
+                </a:extLst>
+              </p:cNvPr>
+              <p:cNvSpPr txBox="1"/>
+              <p:nvPr/>
+            </p:nvSpPr>
+            <p:spPr>
+              <a:xfrm>
+                <a:off x="677333" y="1411111"/>
+                <a:ext cx="4233851" cy="1200329"/>
+              </a:xfrm>
+              <a:prstGeom prst="rect">
+                <a:avLst/>
+              </a:prstGeom>
+              <a:noFill/>
+            </p:spPr>
+            <p:txBody>
+              <a:bodyPr wrap="none" rtlCol="0">
+                <a:spAutoFit/>
+              </a:bodyPr>
+              <a:lstStyle/>
+              <a:p>
+                <a:pPr marL="342900" indent="-342900" algn="l">
+                  <a:buFont typeface="Arial" panose="020B0604020202020204" pitchFamily="34" charset="0"/>
+                  <a:buChar char="•"/>
+                </a:pPr>
+                <a:r>
+                  <a:rPr kumimoji="1" lang="zh-CN" altLang="en-US" sz="2400" dirty="0"/>
+                  <a:t>从</a:t>
+                </a:r>
+                <a14:m>
+                  <m:oMath xmlns:m="http://schemas.openxmlformats.org/officeDocument/2006/math">
+                    <m:r>
+                      <a:rPr kumimoji="1" lang="en-US" altLang="zh-CN" sz="2400" b="0" i="1" dirty="0" smtClean="0">
+                        <a:latin typeface="Cambria Math" panose="02040503050406030204" pitchFamily="18" charset="0"/>
+                      </a:rPr>
+                      <m:t>𝑛</m:t>
+                    </m:r>
+                    <m:r>
+                      <a:rPr kumimoji="1" lang="zh-CN" altLang="en-US" sz="2400" i="1" dirty="0" smtClean="0">
+                        <a:latin typeface="Cambria Math" panose="02040503050406030204" pitchFamily="18" charset="0"/>
+                      </a:rPr>
+                      <m:t>个</m:t>
+                    </m:r>
+                    <m:r>
+                      <a:rPr kumimoji="1" lang="zh-CN" altLang="en-US" sz="2400" i="1" dirty="0">
+                        <a:latin typeface="Cambria Math" panose="02040503050406030204" pitchFamily="18" charset="0"/>
+                      </a:rPr>
+                      <m:t>点</m:t>
+                    </m:r>
+                    <m:r>
+                      <a:rPr kumimoji="1" lang="zh-CN" altLang="en-US" sz="2400" i="1" dirty="0" smtClean="0">
+                        <a:latin typeface="Cambria Math" panose="02040503050406030204" pitchFamily="18" charset="0"/>
+                      </a:rPr>
+                      <m:t>的</m:t>
+                    </m:r>
+                  </m:oMath>
+                </a14:m>
+                <a:r>
+                  <a:rPr kumimoji="1" lang="zh-CN" altLang="en-US" sz="2400" dirty="0"/>
+                  <a:t>图中找出</a:t>
+                </a:r>
+                <a14:m>
+                  <m:oMath xmlns:m="http://schemas.openxmlformats.org/officeDocument/2006/math">
+                    <m:r>
+                      <a:rPr kumimoji="1" lang="en-US" altLang="zh-CN" sz="2400" i="1" dirty="0">
+                        <a:latin typeface="Cambria Math" panose="02040503050406030204" pitchFamily="18" charset="0"/>
+                      </a:rPr>
+                      <m:t>𝑛</m:t>
+                    </m:r>
+                    <m:r>
+                      <a:rPr kumimoji="1" lang="en-US" altLang="zh-CN" sz="2400" i="1" dirty="0">
+                        <a:latin typeface="Cambria Math" panose="02040503050406030204" pitchFamily="18" charset="0"/>
+                      </a:rPr>
+                      <m:t>−1</m:t>
+                    </m:r>
+                    <m:r>
+                      <a:rPr kumimoji="1" lang="zh-CN" altLang="en-US" sz="2400" i="1" dirty="0" smtClean="0">
+                        <a:latin typeface="Cambria Math" panose="02040503050406030204" pitchFamily="18" charset="0"/>
+                      </a:rPr>
+                      <m:t>条</m:t>
+                    </m:r>
+                    <m:r>
+                      <a:rPr kumimoji="1" lang="zh-CN" altLang="en-US" sz="2400" i="1" dirty="0">
+                        <a:latin typeface="Cambria Math" panose="02040503050406030204" pitchFamily="18" charset="0"/>
+                      </a:rPr>
+                      <m:t>边</m:t>
+                    </m:r>
+                  </m:oMath>
+                </a14:m>
+                <a:endParaRPr kumimoji="1" lang="en-US" altLang="zh-CN" sz="2400" i="1" dirty="0"/>
+              </a:p>
+              <a:p>
+                <a:pPr marL="342900" indent="-342900" algn="l">
+                  <a:buFont typeface="Arial" panose="020B0604020202020204" pitchFamily="34" charset="0"/>
+                  <a:buChar char="•"/>
+                </a:pPr>
+                <a:r>
+                  <a:rPr kumimoji="1" lang="zh-CN" altLang="en-US" sz="2400" dirty="0"/>
+                  <a:t>选出来的边权重之和最小</a:t>
+                </a:r>
+                <a:endParaRPr kumimoji="1" lang="en-US" altLang="zh-CN" sz="2400" dirty="0"/>
+              </a:p>
+              <a:p>
+                <a:pPr marL="342900" indent="-342900" algn="l">
+                  <a:buFont typeface="Arial" panose="020B0604020202020204" pitchFamily="34" charset="0"/>
+                  <a:buChar char="•"/>
+                </a:pPr>
+                <a:r>
+                  <a:rPr kumimoji="1" lang="zh-CN" altLang="en-US" sz="2400" dirty="0"/>
+                  <a:t>还要连通形成一棵树</a:t>
+                </a:r>
+                <a:endParaRPr kumimoji="1" lang="en-US" altLang="zh-CN" sz="2400" dirty="0"/>
+              </a:p>
+            </p:txBody>
+          </p:sp>
+        </mc:Choice>
+        <mc:Fallback xmlns="">
+          <p:sp>
+            <p:nvSpPr>
+              <p:cNvPr id="4" name="TextBox 3">
+                <a:extLst>
+                  <a:ext uri="{FF2B5EF4-FFF2-40B4-BE49-F238E27FC236}">
+                    <a16:creationId xmlns:a16="http://schemas.microsoft.com/office/drawing/2014/main" id="{FD9583F1-6E9F-C0D3-979F-0D62015A9D9D}"/>
+                  </a:ext>
+                </a:extLst>
+              </p:cNvPr>
+              <p:cNvSpPr txBox="1">
+                <a:spLocks noRot="1" noChangeAspect="1" noMove="1" noResize="1" noEditPoints="1" noAdjustHandles="1" noChangeArrowheads="1" noChangeShapeType="1" noTextEdit="1"/>
+              </p:cNvSpPr>
+              <p:nvPr/>
+            </p:nvSpPr>
+            <p:spPr>
+              <a:xfrm>
+                <a:off x="677333" y="1411111"/>
+                <a:ext cx="4233851" cy="1200329"/>
+              </a:xfrm>
+              <a:prstGeom prst="rect">
+                <a:avLst/>
+              </a:prstGeom>
+              <a:blipFill>
+                <a:blip r:embed="rId2"/>
+                <a:stretch>
+                  <a:fillRect l="-2096" t="-4167" r="-299" b="-9375"/>
+                </a:stretch>
+              </a:blipFill>
+            </p:spPr>
+            <p:txBody>
+              <a:bodyPr/>
+              <a:lstStyle/>
+              <a:p>
+                <a:r>
+                  <a:rPr lang="zh-CN" altLang="en-US">
+                    <a:noFill/>
+                  </a:rPr>
+                  <a:t> </a:t>
+                </a:r>
+              </a:p>
+            </p:txBody>
+          </p:sp>
+        </mc:Fallback>
+      </mc:AlternateContent>
+      <p:pic>
+        <p:nvPicPr>
+          <p:cNvPr id="5" name="Picture 4">
+            <a:extLst>
+              <a:ext uri="{FF2B5EF4-FFF2-40B4-BE49-F238E27FC236}">
+                <a16:creationId xmlns:a16="http://schemas.microsoft.com/office/drawing/2014/main" id="{D0390727-9EA1-C4C2-040F-F514B571C1A2}"/>
+              </a:ext>
+            </a:extLst>
+          </p:cNvPr>
+          <p:cNvPicPr>
+            <a:picLocks noChangeAspect="1"/>
+          </p:cNvPicPr>
+          <p:nvPr/>
+        </p:nvPicPr>
+        <p:blipFill>
+          <a:blip r:embed="rId3"/>
+          <a:stretch>
+            <a:fillRect/>
+          </a:stretch>
+        </p:blipFill>
+        <p:spPr>
+          <a:xfrm>
+            <a:off x="6315428" y="1040524"/>
+            <a:ext cx="2044700" cy="2082800"/>
+          </a:xfrm>
+          <a:prstGeom prst="rect">
+            <a:avLst/>
+          </a:prstGeom>
+        </p:spPr>
+      </p:pic>
+      <mc:AlternateContent xmlns:mc="http://schemas.openxmlformats.org/markup-compatibility/2006" xmlns:a14="http://schemas.microsoft.com/office/drawing/2010/main">
+        <mc:Choice Requires="a14">
+          <p:sp>
+            <p:nvSpPr>
+              <p:cNvPr id="6" name="TextBox 5">
+                <a:extLst>
+                  <a:ext uri="{FF2B5EF4-FFF2-40B4-BE49-F238E27FC236}">
+                    <a16:creationId xmlns:a16="http://schemas.microsoft.com/office/drawing/2014/main" id="{BBEAD97E-392F-3462-935C-02E03F9A1BEA}"/>
+                  </a:ext>
+                </a:extLst>
+              </p:cNvPr>
+              <p:cNvSpPr txBox="1"/>
+              <p:nvPr/>
+            </p:nvSpPr>
+            <p:spPr>
+              <a:xfrm>
+                <a:off x="654756" y="2935111"/>
+                <a:ext cx="6545895" cy="830997"/>
+              </a:xfrm>
+              <a:prstGeom prst="rect">
+                <a:avLst/>
+              </a:prstGeom>
+              <a:noFill/>
+            </p:spPr>
+            <p:txBody>
+              <a:bodyPr wrap="none" rtlCol="0">
+                <a:spAutoFit/>
+              </a:bodyPr>
+              <a:lstStyle/>
+              <a:p>
+                <a:pPr algn="l"/>
+                <a:r>
+                  <a:rPr kumimoji="1" lang="zh-CN" altLang="en-US" sz="2400" dirty="0"/>
+                  <a:t>观察</a:t>
+                </a:r>
+                <a:r>
+                  <a:rPr kumimoji="1" lang="en-US" altLang="zh-CN" sz="2400" dirty="0"/>
+                  <a:t>:</a:t>
+                </a:r>
+                <a:r>
+                  <a:rPr kumimoji="1" lang="zh-CN" altLang="en-US" sz="2400" dirty="0"/>
+                  <a:t> 如果边的权重不同</a:t>
+                </a:r>
+                <a14:m>
+                  <m:oMath xmlns:m="http://schemas.openxmlformats.org/officeDocument/2006/math">
+                    <m:r>
+                      <a:rPr kumimoji="1" lang="en-US" altLang="zh-CN" sz="2400" b="0" i="1" smtClean="0">
+                        <a:latin typeface="Cambria Math" panose="02040503050406030204" pitchFamily="18" charset="0"/>
+                      </a:rPr>
+                      <m:t>→</m:t>
+                    </m:r>
+                    <m:r>
+                      <a:rPr kumimoji="1" lang="zh-CN" altLang="en-US" sz="2400" i="1">
+                        <a:latin typeface="Cambria Math" panose="02040503050406030204" pitchFamily="18" charset="0"/>
+                      </a:rPr>
+                      <m:t>只有</m:t>
+                    </m:r>
+                    <m:r>
+                      <a:rPr kumimoji="1" lang="zh-CN" altLang="en-US" sz="2400" i="1" smtClean="0">
+                        <a:latin typeface="Cambria Math" panose="02040503050406030204" pitchFamily="18" charset="0"/>
+                      </a:rPr>
+                      <m:t>一个</m:t>
+                    </m:r>
+                    <m:r>
+                      <a:rPr kumimoji="1" lang="zh-CN" altLang="en-US" sz="2400" i="1">
+                        <a:latin typeface="Cambria Math" panose="02040503050406030204" pitchFamily="18" charset="0"/>
+                      </a:rPr>
+                      <m:t>最小生成树</m:t>
+                    </m:r>
+                  </m:oMath>
+                </a14:m>
+                <a:endParaRPr kumimoji="1" lang="en-US" altLang="zh-CN" sz="2400" dirty="0"/>
+              </a:p>
+              <a:p>
+                <a:pPr marL="800100" lvl="1" indent="-342900">
+                  <a:buFont typeface="Arial" panose="020B0604020202020204" pitchFamily="34" charset="0"/>
+                  <a:buChar char="•"/>
+                </a:pPr>
+                <a:r>
+                  <a:rPr kumimoji="1" lang="zh-CN" altLang="en-US" sz="2400" dirty="0"/>
+                  <a:t>假设 </a:t>
+                </a:r>
+                <a:r>
+                  <a:rPr kumimoji="1" lang="en-US" altLang="zh-CN" sz="2400" dirty="0"/>
+                  <a:t>“</a:t>
+                </a:r>
+                <a:r>
+                  <a:rPr kumimoji="1" lang="zh-CN" altLang="en-US" sz="2400" dirty="0"/>
+                  <a:t>真正的</a:t>
+                </a:r>
+                <a:r>
+                  <a:rPr kumimoji="1" lang="en-US" altLang="zh-CN" sz="2400" dirty="0"/>
+                  <a:t>MST</a:t>
+                </a:r>
+                <a:r>
+                  <a:rPr kumimoji="1" lang="zh-CN" altLang="en-US" sz="2400" dirty="0"/>
+                  <a:t>没有选最小边</a:t>
+                </a:r>
+                <a:r>
+                  <a:rPr kumimoji="1" lang="en-US" altLang="zh-CN" sz="2400" dirty="0"/>
+                  <a:t>”—</a:t>
+                </a:r>
+                <a:r>
+                  <a:rPr kumimoji="1" lang="zh-CN" altLang="en-US" sz="2400" dirty="0"/>
+                  <a:t>交换</a:t>
+                </a:r>
+                <a:endParaRPr kumimoji="1" lang="en-US" altLang="zh-CN" sz="2400" dirty="0"/>
+              </a:p>
+            </p:txBody>
+          </p:sp>
+        </mc:Choice>
+        <mc:Fallback xmlns="">
+          <p:sp>
+            <p:nvSpPr>
+              <p:cNvPr id="6" name="TextBox 5">
+                <a:extLst>
+                  <a:ext uri="{FF2B5EF4-FFF2-40B4-BE49-F238E27FC236}">
+                    <a16:creationId xmlns:a16="http://schemas.microsoft.com/office/drawing/2014/main" id="{BBEAD97E-392F-3462-935C-02E03F9A1BEA}"/>
+                  </a:ext>
+                </a:extLst>
+              </p:cNvPr>
+              <p:cNvSpPr txBox="1">
+                <a:spLocks noRot="1" noChangeAspect="1" noMove="1" noResize="1" noEditPoints="1" noAdjustHandles="1" noChangeArrowheads="1" noChangeShapeType="1" noTextEdit="1"/>
+              </p:cNvSpPr>
+              <p:nvPr/>
+            </p:nvSpPr>
+            <p:spPr>
+              <a:xfrm>
+                <a:off x="654756" y="2935111"/>
+                <a:ext cx="6545895" cy="830997"/>
+              </a:xfrm>
+              <a:prstGeom prst="rect">
+                <a:avLst/>
+              </a:prstGeom>
+              <a:blipFill>
+                <a:blip r:embed="rId4"/>
+                <a:stretch>
+                  <a:fillRect l="-1357" t="-5970" b="-14925"/>
+                </a:stretch>
+              </a:blipFill>
+            </p:spPr>
+            <p:txBody>
+              <a:bodyPr/>
+              <a:lstStyle/>
+              <a:p>
+                <a:r>
+                  <a:rPr lang="zh-CN" altLang="en-US">
+                    <a:noFill/>
+                  </a:rPr>
+                  <a:t> </a:t>
+                </a:r>
+              </a:p>
+            </p:txBody>
+          </p:sp>
+        </mc:Fallback>
+      </mc:AlternateContent>
+      <p:pic>
+        <p:nvPicPr>
+          <p:cNvPr id="8" name="Picture 7">
+            <a:extLst>
+              <a:ext uri="{FF2B5EF4-FFF2-40B4-BE49-F238E27FC236}">
+                <a16:creationId xmlns:a16="http://schemas.microsoft.com/office/drawing/2014/main" id="{0615441C-BCD7-DE0B-D73B-EED520F6B641}"/>
+              </a:ext>
+            </a:extLst>
+          </p:cNvPr>
+          <p:cNvPicPr>
+            <a:picLocks noChangeAspect="1"/>
+          </p:cNvPicPr>
+          <p:nvPr/>
+        </p:nvPicPr>
+        <p:blipFill>
+          <a:blip r:embed="rId5">
+            <a:clrChange>
+              <a:clrFrom>
+                <a:srgbClr val="FFFFFF"/>
+              </a:clrFrom>
+              <a:clrTo>
+                <a:srgbClr val="FFFFFF">
+                  <a:alpha val="0"/>
+                </a:srgbClr>
+              </a:clrTo>
+            </a:clrChange>
+          </a:blip>
+          <a:stretch>
+            <a:fillRect/>
+          </a:stretch>
+        </p:blipFill>
+        <p:spPr>
+          <a:xfrm>
+            <a:off x="5082627" y="4019000"/>
+            <a:ext cx="3822700" cy="1638300"/>
+          </a:xfrm>
+          <a:prstGeom prst="rect">
+            <a:avLst/>
+          </a:prstGeom>
+        </p:spPr>
+      </p:pic>
+    </p:spTree>
+    <p:extLst>
+      <p:ext uri="{BB962C8B-B14F-4D97-AF65-F5344CB8AC3E}">
+        <p14:creationId xmlns:p14="http://schemas.microsoft.com/office/powerpoint/2010/main" val="953201151"/>
+      </p:ext>
+    </p:extLst>
+  </p:cSld>
+  <p:clrMapOvr>
+    <a:masterClrMapping/>
+  </p:clrMapOvr>
+</p:sld>
+</file>
+
+<file path=ppt/slides/slide3.xml><?xml version="1.0" encoding="utf-8"?>
+<p:sld xmlns:a="http://schemas.openxmlformats.org/drawingml/2006/main" xmlns:r="http://schemas.openxmlformats.org/officeDocument/2006/relationships" xmlns:p="http://schemas.openxmlformats.org/presentationml/2006/main">
+  <p:cSld>
+    <p:spTree>
+      <p:nvGrpSpPr>
+        <p:cNvPr id="1" name=""/>
+        <p:cNvGrpSpPr/>
+        <p:nvPr/>
+      </p:nvGrpSpPr>
+      <p:grpSpPr>
+        <a:xfrm>
+          <a:off x="0" y="0"/>
+          <a:ext cx="0" cy="0"/>
+          <a:chOff x="0" y="0"/>
+          <a:chExt cx="0" cy="0"/>
+        </a:xfrm>
+      </p:grpSpPr>
+      <p:sp>
+        <p:nvSpPr>
+          <p:cNvPr id="2" name="Slide Number Placeholder 1">
+            <a:extLst>
+              <a:ext uri="{FF2B5EF4-FFF2-40B4-BE49-F238E27FC236}">
+                <a16:creationId xmlns:a16="http://schemas.microsoft.com/office/drawing/2014/main" id="{22E8ED3B-DE33-68AC-64DF-C25ED040DE93}"/>
+              </a:ext>
+            </a:extLst>
+          </p:cNvPr>
+          <p:cNvSpPr>
+            <a:spLocks noGrp="1"/>
+          </p:cNvSpPr>
+          <p:nvPr>
+            <p:ph type="sldNum" sz="quarter" idx="12"/>
+          </p:nvPr>
+        </p:nvSpPr>
+        <p:spPr/>
+        <p:txBody>
+          <a:bodyPr/>
+          <a:lstStyle/>
+          <a:p>
+            <a:fld id="{7A304655-5D53-B746-8252-3F5A598C52D3}" type="slidenum">
+              <a:rPr lang="en-CN" smtClean="0"/>
+              <a:pPr/>
+              <a:t>3</a:t>
+            </a:fld>
+            <a:endParaRPr lang="en-CN"/>
+          </a:p>
+        </p:txBody>
+      </p:sp>
+      <p:sp>
+        <p:nvSpPr>
+          <p:cNvPr id="3" name="Title 2">
+            <a:extLst>
+              <a:ext uri="{FF2B5EF4-FFF2-40B4-BE49-F238E27FC236}">
+                <a16:creationId xmlns:a16="http://schemas.microsoft.com/office/drawing/2014/main" id="{414A2176-BBB7-44FE-BF19-96DA05BA74CA}"/>
+              </a:ext>
+            </a:extLst>
+          </p:cNvPr>
+          <p:cNvSpPr>
+            <a:spLocks noGrp="1"/>
+          </p:cNvSpPr>
+          <p:nvPr>
+            <p:ph type="title"/>
+          </p:nvPr>
+        </p:nvSpPr>
+        <p:spPr/>
+        <p:txBody>
+          <a:bodyPr/>
+          <a:lstStyle/>
+          <a:p>
+            <a:r>
+              <a:rPr kumimoji="1" lang="zh-CN" altLang="en-CN" dirty="0"/>
+              <a:t>边权相同</a:t>
+            </a:r>
+            <a:r>
+              <a:rPr kumimoji="1" lang="en-US" altLang="zh-CN" dirty="0"/>
+              <a:t>,</a:t>
+            </a:r>
+            <a:r>
+              <a:rPr kumimoji="1" lang="zh-CN" altLang="en-US" dirty="0"/>
+              <a:t> </a:t>
+            </a:r>
+            <a:r>
+              <a:rPr kumimoji="1" lang="en-US" altLang="zh-CN" dirty="0"/>
+              <a:t>MST</a:t>
+            </a:r>
+            <a:r>
+              <a:rPr kumimoji="1" lang="zh-CN" altLang="en-US" dirty="0"/>
+              <a:t>唯一</a:t>
+            </a:r>
+          </a:p>
+        </p:txBody>
+      </p:sp>
+      <p:pic>
+        <p:nvPicPr>
+          <p:cNvPr id="5" name="Picture 4">
+            <a:extLst>
+              <a:ext uri="{FF2B5EF4-FFF2-40B4-BE49-F238E27FC236}">
+                <a16:creationId xmlns:a16="http://schemas.microsoft.com/office/drawing/2014/main" id="{7DE1C60D-5647-0011-85DA-1CF8B6C25B3A}"/>
+              </a:ext>
+            </a:extLst>
+          </p:cNvPr>
+          <p:cNvPicPr>
+            <a:picLocks noChangeAspect="1"/>
+          </p:cNvPicPr>
+          <p:nvPr/>
+        </p:nvPicPr>
+        <p:blipFill>
+          <a:blip r:embed="rId2">
+            <a:clrChange>
+              <a:clrFrom>
+                <a:srgbClr val="FFFFFF"/>
+              </a:clrFrom>
+              <a:clrTo>
+                <a:srgbClr val="FFFFFF">
+                  <a:alpha val="0"/>
+                </a:srgbClr>
+              </a:clrTo>
+            </a:clrChange>
+          </a:blip>
+          <a:stretch>
+            <a:fillRect/>
+          </a:stretch>
+        </p:blipFill>
+        <p:spPr>
+          <a:xfrm>
+            <a:off x="732877" y="1147244"/>
+            <a:ext cx="6261100" cy="546100"/>
+          </a:xfrm>
+          <a:prstGeom prst="rect">
+            <a:avLst/>
+          </a:prstGeom>
+        </p:spPr>
+      </p:pic>
+      <mc:AlternateContent xmlns:mc="http://schemas.openxmlformats.org/markup-compatibility/2006" xmlns:a14="http://schemas.microsoft.com/office/drawing/2010/main">
+        <mc:Choice Requires="a14">
+          <p:sp>
+            <p:nvSpPr>
+              <p:cNvPr id="6" name="TextBox 5">
+                <a:extLst>
+                  <a:ext uri="{FF2B5EF4-FFF2-40B4-BE49-F238E27FC236}">
+                    <a16:creationId xmlns:a16="http://schemas.microsoft.com/office/drawing/2014/main" id="{8E928AF6-FC86-8ABE-0F4E-1A79F04AF0B4}"/>
+                  </a:ext>
+                </a:extLst>
+              </p:cNvPr>
+              <p:cNvSpPr txBox="1"/>
+              <p:nvPr/>
+            </p:nvSpPr>
+            <p:spPr>
+              <a:xfrm>
+                <a:off x="698632" y="1721052"/>
+                <a:ext cx="7746736" cy="4524315"/>
+              </a:xfrm>
+              <a:prstGeom prst="rect">
+                <a:avLst/>
+              </a:prstGeom>
+              <a:noFill/>
+            </p:spPr>
+            <p:txBody>
+              <a:bodyPr wrap="none" rtlCol="0">
+                <a:spAutoFit/>
+              </a:bodyPr>
+              <a:lstStyle/>
+              <a:p>
+                <a:pPr marL="342900" indent="-342900" algn="l">
+                  <a:buFont typeface="Arial" panose="020B0604020202020204" pitchFamily="34" charset="0"/>
+                  <a:buChar char="•"/>
+                </a:pPr>
+                <a:r>
+                  <a:rPr kumimoji="1" lang="zh-CN" altLang="en-US" sz="2400" dirty="0"/>
+                  <a:t>假设有两个不同的</a:t>
+                </a:r>
+                <a:r>
+                  <a:rPr kumimoji="1" lang="en-US" altLang="zh-CN" sz="2400" dirty="0"/>
+                  <a:t>MST:</a:t>
+                </a:r>
+                <a:r>
+                  <a:rPr kumimoji="1" lang="zh-CN" altLang="en-US" sz="2400" dirty="0"/>
+                  <a:t> </a:t>
+                </a:r>
+                <a14:m>
+                  <m:oMath xmlns:m="http://schemas.openxmlformats.org/officeDocument/2006/math">
+                    <m:r>
+                      <a:rPr kumimoji="1" lang="en-US" altLang="zh-CN" sz="2400" b="0" i="1" smtClean="0">
+                        <a:latin typeface="Cambria Math" panose="02040503050406030204" pitchFamily="18" charset="0"/>
+                      </a:rPr>
+                      <m:t>𝑇</m:t>
+                    </m:r>
+                    <m:r>
+                      <a:rPr kumimoji="1" lang="en-US" altLang="zh-CN" sz="2400" b="0" i="1" smtClean="0">
+                        <a:latin typeface="Cambria Math" panose="02040503050406030204" pitchFamily="18" charset="0"/>
+                      </a:rPr>
+                      <m:t>,</m:t>
+                    </m:r>
+                    <m:r>
+                      <a:rPr kumimoji="1" lang="en-US" altLang="zh-CN" sz="2400" b="0" i="1" smtClean="0">
+                        <a:latin typeface="Cambria Math" panose="02040503050406030204" pitchFamily="18" charset="0"/>
+                      </a:rPr>
+                      <m:t>𝑇</m:t>
+                    </m:r>
+                    <m:r>
+                      <a:rPr kumimoji="1" lang="en-US" altLang="zh-CN" sz="2400" b="0" i="1" smtClean="0">
+                        <a:latin typeface="Cambria Math" panose="02040503050406030204" pitchFamily="18" charset="0"/>
+                      </a:rPr>
+                      <m:t>′</m:t>
+                    </m:r>
+                  </m:oMath>
+                </a14:m>
+                <a:endParaRPr kumimoji="1" lang="en-US" altLang="zh-CN" sz="2400" dirty="0"/>
+              </a:p>
+              <a:p>
+                <a:pPr marL="342900" indent="-342900">
+                  <a:buFont typeface="Arial" panose="020B0604020202020204" pitchFamily="34" charset="0"/>
+                  <a:buChar char="•"/>
+                </a:pPr>
+                <a14:m>
+                  <m:oMath xmlns:m="http://schemas.openxmlformats.org/officeDocument/2006/math">
+                    <m:r>
+                      <a:rPr kumimoji="1" lang="en-US" altLang="zh-CN" sz="2400" b="0" i="1" smtClean="0">
+                        <a:latin typeface="Cambria Math" panose="02040503050406030204" pitchFamily="18" charset="0"/>
+                      </a:rPr>
+                      <m:t>𝑒</m:t>
+                    </m:r>
+                    <m:r>
+                      <a:rPr kumimoji="1" lang="en-US" altLang="zh-CN" sz="2400" b="0" i="1" smtClean="0">
+                        <a:latin typeface="Cambria Math" panose="02040503050406030204" pitchFamily="18" charset="0"/>
+                      </a:rPr>
+                      <m:t>≔</m:t>
+                    </m:r>
+                    <m:r>
+                      <a:rPr kumimoji="1" lang="en-US" altLang="zh-CN" sz="2400" b="0" i="1" smtClean="0">
+                        <a:latin typeface="Cambria Math" panose="02040503050406030204" pitchFamily="18" charset="0"/>
+                      </a:rPr>
+                      <m:t>𝑇</m:t>
+                    </m:r>
+                    <m:r>
+                      <a:rPr kumimoji="1" lang="en-US" altLang="zh-CN" sz="2400" b="0" i="1" smtClean="0">
+                        <a:latin typeface="Cambria Math" panose="02040503050406030204" pitchFamily="18" charset="0"/>
+                      </a:rPr>
+                      <m:t>\</m:t>
+                    </m:r>
+                    <m:sSup>
+                      <m:sSupPr>
+                        <m:ctrlPr>
+                          <a:rPr kumimoji="1" lang="en-US" altLang="zh-CN" sz="2400" b="0" i="1" smtClean="0">
+                            <a:latin typeface="Cambria Math" panose="02040503050406030204" pitchFamily="18" charset="0"/>
+                          </a:rPr>
+                        </m:ctrlPr>
+                      </m:sSupPr>
+                      <m:e>
+                        <m:r>
+                          <a:rPr kumimoji="1" lang="en-US" altLang="zh-CN" sz="2400" b="0" i="1" smtClean="0">
+                            <a:latin typeface="Cambria Math" panose="02040503050406030204" pitchFamily="18" charset="0"/>
+                          </a:rPr>
+                          <m:t>𝑇</m:t>
+                        </m:r>
+                      </m:e>
+                      <m:sup>
+                        <m:r>
+                          <a:rPr kumimoji="1" lang="en-US" altLang="zh-CN" sz="2400" b="0" i="1" smtClean="0">
+                            <a:latin typeface="Cambria Math" panose="02040503050406030204" pitchFamily="18" charset="0"/>
+                          </a:rPr>
+                          <m:t>′</m:t>
+                        </m:r>
+                      </m:sup>
+                    </m:sSup>
+                    <m:r>
+                      <a:rPr kumimoji="1" lang="zh-CN" altLang="en-US" sz="2400" i="1">
+                        <a:latin typeface="Cambria Math" panose="02040503050406030204" pitchFamily="18" charset="0"/>
+                      </a:rPr>
+                      <m:t>中</m:t>
+                    </m:r>
+                    <m:r>
+                      <m:rPr>
+                        <m:nor/>
+                      </m:rPr>
+                      <a:rPr kumimoji="1" lang="zh-CN" altLang="en-US" sz="2400" dirty="0"/>
+                      <m:t>任意一个最小权重的边</m:t>
+                    </m:r>
+                  </m:oMath>
+                </a14:m>
+                <a:endParaRPr kumimoji="1" lang="en-US" altLang="zh-CN" sz="2400" dirty="0"/>
+              </a:p>
+              <a:p>
+                <a:r>
+                  <a:rPr kumimoji="1" lang="en-US" altLang="zh-CN" sz="2400" b="0" dirty="0"/>
+                  <a:t>	</a:t>
+                </a:r>
+                <a14:m>
+                  <m:oMath xmlns:m="http://schemas.openxmlformats.org/officeDocument/2006/math">
+                    <m:sSup>
+                      <m:sSupPr>
+                        <m:ctrlPr>
+                          <a:rPr kumimoji="1" lang="en-US" altLang="zh-CN" sz="2400" b="0" i="1" smtClean="0">
+                            <a:latin typeface="Cambria Math" panose="02040503050406030204" pitchFamily="18" charset="0"/>
+                          </a:rPr>
+                        </m:ctrlPr>
+                      </m:sSupPr>
+                      <m:e>
+                        <m:r>
+                          <a:rPr kumimoji="1" lang="en-US" altLang="zh-CN" sz="2400" b="0" i="1" smtClean="0">
+                            <a:latin typeface="Cambria Math" panose="02040503050406030204" pitchFamily="18" charset="0"/>
+                          </a:rPr>
+                          <m:t>𝑒</m:t>
+                        </m:r>
+                      </m:e>
+                      <m:sup>
+                        <m:r>
+                          <a:rPr kumimoji="1" lang="en-US" altLang="zh-CN" sz="2400" b="0" i="1" smtClean="0">
+                            <a:latin typeface="Cambria Math" panose="02040503050406030204" pitchFamily="18" charset="0"/>
+                          </a:rPr>
+                          <m:t>′</m:t>
+                        </m:r>
+                      </m:sup>
+                    </m:sSup>
+                    <m:r>
+                      <a:rPr kumimoji="1" lang="en-US" altLang="zh-CN" sz="2400" b="0" i="1" smtClean="0">
+                        <a:latin typeface="Cambria Math" panose="02040503050406030204" pitchFamily="18" charset="0"/>
+                      </a:rPr>
+                      <m:t>≔</m:t>
+                    </m:r>
+                    <m:r>
+                      <a:rPr kumimoji="1" lang="en-US" altLang="zh-CN" sz="2400" b="0" i="1" smtClean="0">
+                        <a:latin typeface="Cambria Math" panose="02040503050406030204" pitchFamily="18" charset="0"/>
+                      </a:rPr>
+                      <m:t>𝑇</m:t>
+                    </m:r>
+                    <m:r>
+                      <a:rPr kumimoji="1" lang="en-US" altLang="zh-CN" sz="2400" b="0" i="1" smtClean="0">
+                        <a:latin typeface="Cambria Math" panose="02040503050406030204" pitchFamily="18" charset="0"/>
+                      </a:rPr>
+                      <m:t>′\</m:t>
+                    </m:r>
+                    <m:r>
+                      <a:rPr kumimoji="1" lang="en-US" altLang="zh-CN" sz="2400" b="0" i="1" smtClean="0">
+                        <a:latin typeface="Cambria Math" panose="02040503050406030204" pitchFamily="18" charset="0"/>
+                      </a:rPr>
+                      <m:t>𝑇</m:t>
+                    </m:r>
+                  </m:oMath>
+                </a14:m>
+                <a:r>
+                  <a:rPr kumimoji="1" lang="zh-CN" altLang="en-US" sz="2400" dirty="0"/>
+                  <a:t>任意一个最小权重的边</a:t>
+                </a:r>
+                <a:endParaRPr kumimoji="1" lang="en-US" altLang="zh-CN" sz="2400" i="1" dirty="0"/>
+              </a:p>
+              <a:p>
+                <a:pPr marL="342900" indent="-342900">
+                  <a:buFont typeface="Arial" panose="020B0604020202020204" pitchFamily="34" charset="0"/>
+                  <a:buChar char="•"/>
+                </a:pPr>
+                <a:r>
+                  <a:rPr kumimoji="1" lang="en-US" altLang="zh-CN" sz="2400" dirty="0" err="1"/>
+                  <a:t>wlog</a:t>
+                </a:r>
+                <a:r>
+                  <a:rPr kumimoji="1" lang="en-US" altLang="zh-CN" sz="2400" dirty="0"/>
+                  <a:t>.</a:t>
+                </a:r>
+                <a:r>
+                  <a:rPr kumimoji="1" lang="zh-CN" altLang="en-US" sz="2400" dirty="0"/>
+                  <a:t> 假设</a:t>
+                </a:r>
+                <a14:m>
+                  <m:oMath xmlns:m="http://schemas.openxmlformats.org/officeDocument/2006/math">
+                    <m:r>
+                      <a:rPr kumimoji="1" lang="en-US" altLang="zh-CN" sz="2400" i="1" dirty="0">
+                        <a:latin typeface="Cambria Math" panose="02040503050406030204" pitchFamily="18" charset="0"/>
+                      </a:rPr>
+                      <m:t>𝑤</m:t>
+                    </m:r>
+                    <m:d>
+                      <m:dPr>
+                        <m:ctrlPr>
+                          <a:rPr kumimoji="1" lang="en-US" altLang="zh-CN" sz="2400" b="0" i="1" dirty="0" smtClean="0">
+                            <a:latin typeface="Cambria Math" panose="02040503050406030204" pitchFamily="18" charset="0"/>
+                          </a:rPr>
+                        </m:ctrlPr>
+                      </m:dPr>
+                      <m:e>
+                        <m:r>
+                          <a:rPr kumimoji="1" lang="en-US" altLang="zh-CN" sz="2400" b="0" i="1" dirty="0" smtClean="0">
+                            <a:latin typeface="Cambria Math" panose="02040503050406030204" pitchFamily="18" charset="0"/>
+                          </a:rPr>
+                          <m:t>𝑒</m:t>
+                        </m:r>
+                      </m:e>
+                    </m:d>
+                    <m:r>
+                      <a:rPr kumimoji="1" lang="en-US" altLang="zh-CN" sz="2400" b="0" i="1" dirty="0" smtClean="0">
+                        <a:latin typeface="Cambria Math" panose="02040503050406030204" pitchFamily="18" charset="0"/>
+                      </a:rPr>
+                      <m:t>&lt;</m:t>
+                    </m:r>
+                    <m:r>
+                      <a:rPr kumimoji="1" lang="en-US" altLang="zh-CN" sz="2400" b="0" i="1" dirty="0" smtClean="0">
+                        <a:latin typeface="Cambria Math" panose="02040503050406030204" pitchFamily="18" charset="0"/>
+                      </a:rPr>
+                      <m:t>𝑤</m:t>
+                    </m:r>
+                    <m:d>
+                      <m:dPr>
+                        <m:ctrlPr>
+                          <a:rPr kumimoji="1" lang="en-US" altLang="zh-CN" sz="2400" b="0" i="1" dirty="0" smtClean="0">
+                            <a:latin typeface="Cambria Math" panose="02040503050406030204" pitchFamily="18" charset="0"/>
+                          </a:rPr>
+                        </m:ctrlPr>
+                      </m:dPr>
+                      <m:e>
+                        <m:sSup>
+                          <m:sSupPr>
+                            <m:ctrlPr>
+                              <a:rPr kumimoji="1" lang="en-US" altLang="zh-CN" sz="2400" b="0" i="1" dirty="0" smtClean="0">
+                                <a:latin typeface="Cambria Math" panose="02040503050406030204" pitchFamily="18" charset="0"/>
+                              </a:rPr>
+                            </m:ctrlPr>
+                          </m:sSupPr>
+                          <m:e>
+                            <m:r>
+                              <a:rPr kumimoji="1" lang="en-US" altLang="zh-CN" sz="2400" b="0" i="1" dirty="0" smtClean="0">
+                                <a:latin typeface="Cambria Math" panose="02040503050406030204" pitchFamily="18" charset="0"/>
+                              </a:rPr>
+                              <m:t>𝑒</m:t>
+                            </m:r>
+                          </m:e>
+                          <m:sup>
+                            <m:r>
+                              <a:rPr kumimoji="1" lang="en-US" altLang="zh-CN" sz="2400" b="0" i="1" dirty="0" smtClean="0">
+                                <a:latin typeface="Cambria Math" panose="02040503050406030204" pitchFamily="18" charset="0"/>
+                              </a:rPr>
+                              <m:t>′</m:t>
+                            </m:r>
+                          </m:sup>
+                        </m:sSup>
+                      </m:e>
+                    </m:d>
+                  </m:oMath>
+                </a14:m>
+                <a:r>
+                  <a:rPr kumimoji="1" lang="en-US" altLang="zh-CN" sz="2400" dirty="0"/>
+                  <a:t>.</a:t>
+                </a:r>
+              </a:p>
+              <a:p>
+                <a:pPr marL="342900" indent="-342900">
+                  <a:buFont typeface="Arial" panose="020B0604020202020204" pitchFamily="34" charset="0"/>
+                  <a:buChar char="•"/>
+                </a:pPr>
+                <a:endParaRPr kumimoji="1" lang="en-US" altLang="zh-CN" sz="2400" dirty="0"/>
+              </a:p>
+              <a:p>
+                <a:pPr marL="342900" indent="-342900">
+                  <a:buFont typeface="Arial" panose="020B0604020202020204" pitchFamily="34" charset="0"/>
+                  <a:buChar char="•"/>
+                </a:pPr>
+                <a14:m>
+                  <m:oMath xmlns:m="http://schemas.openxmlformats.org/officeDocument/2006/math">
+                    <m:sSup>
+                      <m:sSupPr>
+                        <m:ctrlPr>
+                          <a:rPr kumimoji="1" lang="en-US" altLang="zh-CN" sz="2400" b="0" i="1" smtClean="0">
+                            <a:latin typeface="Cambria Math" panose="02040503050406030204" pitchFamily="18" charset="0"/>
+                          </a:rPr>
+                        </m:ctrlPr>
+                      </m:sSupPr>
+                      <m:e>
+                        <m:r>
+                          <a:rPr kumimoji="1" lang="en-US" altLang="zh-CN" sz="2400" b="0" i="1" smtClean="0">
+                            <a:latin typeface="Cambria Math" panose="02040503050406030204" pitchFamily="18" charset="0"/>
+                          </a:rPr>
+                          <m:t>𝑇</m:t>
+                        </m:r>
+                      </m:e>
+                      <m:sup>
+                        <m:r>
+                          <a:rPr kumimoji="1" lang="en-US" altLang="zh-CN" sz="2400" b="0" i="1" smtClean="0">
+                            <a:latin typeface="Cambria Math" panose="02040503050406030204" pitchFamily="18" charset="0"/>
+                          </a:rPr>
+                          <m:t>′</m:t>
+                        </m:r>
+                      </m:sup>
+                    </m:sSup>
+                    <m:r>
+                      <a:rPr kumimoji="1" lang="en-US" altLang="zh-CN" sz="2400" i="1">
+                        <a:latin typeface="Cambria Math" panose="02040503050406030204" pitchFamily="18" charset="0"/>
+                      </a:rPr>
+                      <m:t>∪</m:t>
+                    </m:r>
+                    <m:r>
+                      <a:rPr kumimoji="1" lang="en-US" altLang="zh-CN" sz="2400" b="0" i="1" smtClean="0">
+                        <a:latin typeface="Cambria Math" panose="02040503050406030204" pitchFamily="18" charset="0"/>
+                      </a:rPr>
+                      <m:t>{</m:t>
+                    </m:r>
+                    <m:r>
+                      <a:rPr kumimoji="1" lang="en-US" altLang="zh-CN" sz="2400" b="0" i="1" smtClean="0">
+                        <a:latin typeface="Cambria Math" panose="02040503050406030204" pitchFamily="18" charset="0"/>
+                      </a:rPr>
+                      <m:t>𝑒</m:t>
+                    </m:r>
+                    <m:r>
+                      <a:rPr kumimoji="1" lang="en-US" altLang="zh-CN" sz="2400" b="0" i="1" smtClean="0">
+                        <a:latin typeface="Cambria Math" panose="02040503050406030204" pitchFamily="18" charset="0"/>
+                      </a:rPr>
+                      <m:t>}</m:t>
+                    </m:r>
+                  </m:oMath>
+                </a14:m>
+                <a:r>
+                  <a:rPr kumimoji="1" lang="zh-CN" altLang="en-US" sz="2400" dirty="0"/>
+                  <a:t> 只包含一个经过</a:t>
+                </a:r>
+                <a14:m>
+                  <m:oMath xmlns:m="http://schemas.openxmlformats.org/officeDocument/2006/math">
+                    <m:r>
+                      <a:rPr kumimoji="1" lang="en-US" altLang="zh-CN" sz="2400" i="1" dirty="0" smtClean="0">
+                        <a:latin typeface="Cambria Math" panose="02040503050406030204" pitchFamily="18" charset="0"/>
+                      </a:rPr>
+                      <m:t>𝑒</m:t>
+                    </m:r>
+                  </m:oMath>
+                </a14:m>
+                <a:r>
+                  <a:rPr kumimoji="1" lang="zh-CN" altLang="en-US" sz="2400" dirty="0"/>
+                  <a:t>的环</a:t>
+                </a:r>
+                <a14:m>
+                  <m:oMath xmlns:m="http://schemas.openxmlformats.org/officeDocument/2006/math">
+                    <m:r>
+                      <a:rPr kumimoji="1" lang="en-US" altLang="zh-CN" sz="2400" i="1" dirty="0">
+                        <a:latin typeface="Cambria Math" panose="02040503050406030204" pitchFamily="18" charset="0"/>
+                      </a:rPr>
+                      <m:t>𝐶</m:t>
+                    </m:r>
+                  </m:oMath>
+                </a14:m>
+                <a:endParaRPr kumimoji="1" lang="en-US" altLang="zh-CN" sz="2400" dirty="0"/>
+              </a:p>
+              <a:p>
+                <a:pPr marL="342900" indent="-342900">
+                  <a:buFont typeface="Arial" panose="020B0604020202020204" pitchFamily="34" charset="0"/>
+                  <a:buChar char="•"/>
+                </a:pPr>
+                <a14:m>
+                  <m:oMath xmlns:m="http://schemas.openxmlformats.org/officeDocument/2006/math">
+                    <m:r>
+                      <a:rPr kumimoji="1" lang="en-US" altLang="zh-CN" sz="2400" i="1" dirty="0" smtClean="0">
+                        <a:latin typeface="Cambria Math" panose="02040503050406030204" pitchFamily="18" charset="0"/>
+                      </a:rPr>
+                      <m:t>𝑇</m:t>
+                    </m:r>
+                  </m:oMath>
+                </a14:m>
+                <a:r>
+                  <a:rPr kumimoji="1" lang="zh-CN" altLang="en-US" sz="2400" dirty="0"/>
+                  <a:t>是一棵树</a:t>
+                </a:r>
+                <a:r>
+                  <a:rPr kumimoji="1" lang="en-US" altLang="zh-CN" sz="2400" dirty="0"/>
+                  <a:t>,</a:t>
+                </a:r>
+                <a:r>
+                  <a:rPr kumimoji="1" lang="zh-CN" altLang="en-US" sz="2400" dirty="0"/>
+                  <a:t> 因此 存在环上面不在</a:t>
+                </a:r>
+                <a14:m>
+                  <m:oMath xmlns:m="http://schemas.openxmlformats.org/officeDocument/2006/math">
+                    <m:r>
+                      <a:rPr kumimoji="1" lang="en-US" altLang="zh-CN" sz="2400" i="1" dirty="0" smtClean="0">
+                        <a:latin typeface="Cambria Math" panose="02040503050406030204" pitchFamily="18" charset="0"/>
+                      </a:rPr>
+                      <m:t>𝑇</m:t>
+                    </m:r>
+                  </m:oMath>
+                </a14:m>
+                <a:r>
+                  <a:rPr kumimoji="1" lang="zh-CN" altLang="en-US" sz="2400" dirty="0"/>
+                  <a:t>中的元素</a:t>
+                </a:r>
+                <a14:m>
+                  <m:oMath xmlns:m="http://schemas.openxmlformats.org/officeDocument/2006/math">
+                    <m:sSup>
+                      <m:sSupPr>
+                        <m:ctrlPr>
+                          <a:rPr kumimoji="1" lang="en-US" altLang="zh-CN" sz="2400" b="0" i="1" smtClean="0">
+                            <a:latin typeface="Cambria Math" panose="02040503050406030204" pitchFamily="18" charset="0"/>
+                          </a:rPr>
+                        </m:ctrlPr>
+                      </m:sSupPr>
+                      <m:e>
+                        <m:r>
+                          <a:rPr kumimoji="1" lang="en-US" altLang="zh-CN" sz="2400" b="0" i="1" smtClean="0">
+                            <a:latin typeface="Cambria Math" panose="02040503050406030204" pitchFamily="18" charset="0"/>
+                          </a:rPr>
+                          <m:t>𝑒</m:t>
+                        </m:r>
+                      </m:e>
+                      <m:sup>
+                        <m:r>
+                          <a:rPr kumimoji="1" lang="en-US" altLang="zh-CN" sz="2400" b="0" i="1" smtClean="0">
+                            <a:latin typeface="Cambria Math" panose="02040503050406030204" pitchFamily="18" charset="0"/>
+                          </a:rPr>
+                          <m:t>′′</m:t>
+                        </m:r>
+                      </m:sup>
+                    </m:sSup>
+                  </m:oMath>
+                </a14:m>
+                <a:r>
+                  <a:rPr kumimoji="1" lang="en-US" altLang="zh-CN" sz="2400" i="1" dirty="0"/>
+                  <a:t>.</a:t>
+                </a:r>
+                <a:r>
+                  <a:rPr kumimoji="1" lang="zh-CN" altLang="en-US" sz="2400" i="1" dirty="0"/>
+                  <a:t> </a:t>
+                </a:r>
+                <a:endParaRPr kumimoji="1" lang="en-US" altLang="zh-CN" sz="2400" i="1" dirty="0"/>
+              </a:p>
+              <a:p>
+                <a:pPr marL="342900" indent="-342900">
+                  <a:buFont typeface="Arial" panose="020B0604020202020204" pitchFamily="34" charset="0"/>
+                  <a:buChar char="•"/>
+                </a:pPr>
+                <a:r>
+                  <a:rPr kumimoji="1" lang="zh-CN" altLang="en-US" sz="2400" dirty="0"/>
+                  <a:t>由于</a:t>
+                </a:r>
+                <a14:m>
+                  <m:oMath xmlns:m="http://schemas.openxmlformats.org/officeDocument/2006/math">
+                    <m:r>
+                      <a:rPr kumimoji="1" lang="en-US" altLang="zh-CN" sz="2400" b="0" i="1" smtClean="0">
+                        <a:latin typeface="Cambria Math" panose="02040503050406030204" pitchFamily="18" charset="0"/>
+                      </a:rPr>
+                      <m:t>𝑒</m:t>
+                    </m:r>
+                    <m:r>
+                      <a:rPr kumimoji="1" lang="en-US" altLang="zh-CN" sz="2400" i="1">
+                        <a:latin typeface="Cambria Math" panose="02040503050406030204" pitchFamily="18" charset="0"/>
+                      </a:rPr>
+                      <m:t>∈</m:t>
+                    </m:r>
+                    <m:r>
+                      <a:rPr kumimoji="1" lang="en-US" altLang="zh-CN" sz="2400" b="0" i="1" smtClean="0">
+                        <a:latin typeface="Cambria Math" panose="02040503050406030204" pitchFamily="18" charset="0"/>
+                      </a:rPr>
+                      <m:t>𝑇</m:t>
+                    </m:r>
+                    <m:r>
+                      <a:rPr kumimoji="1" lang="en-US" altLang="zh-CN" sz="2400" b="0" i="1" smtClean="0">
+                        <a:latin typeface="Cambria Math" panose="02040503050406030204" pitchFamily="18" charset="0"/>
+                      </a:rPr>
+                      <m:t>,</m:t>
+                    </m:r>
+                    <m:sSup>
+                      <m:sSupPr>
+                        <m:ctrlPr>
+                          <a:rPr kumimoji="1" lang="en-US" altLang="zh-CN" sz="2400" b="0" i="1" smtClean="0">
+                            <a:latin typeface="Cambria Math" panose="02040503050406030204" pitchFamily="18" charset="0"/>
+                          </a:rPr>
+                        </m:ctrlPr>
+                      </m:sSupPr>
+                      <m:e>
+                        <m:r>
+                          <a:rPr kumimoji="1" lang="en-US" altLang="zh-CN" sz="2400" b="0" i="1" smtClean="0">
+                            <a:latin typeface="Cambria Math" panose="02040503050406030204" pitchFamily="18" charset="0"/>
+                          </a:rPr>
+                          <m:t>𝑒</m:t>
+                        </m:r>
+                      </m:e>
+                      <m:sup>
+                        <m:r>
+                          <a:rPr kumimoji="1" lang="en-US" altLang="zh-CN" sz="2400" b="0" i="1" smtClean="0">
+                            <a:latin typeface="Cambria Math" panose="02040503050406030204" pitchFamily="18" charset="0"/>
+                          </a:rPr>
+                          <m:t>′′</m:t>
+                        </m:r>
+                      </m:sup>
+                    </m:sSup>
+                    <m:r>
+                      <a:rPr kumimoji="1" lang="zh-CN" altLang="en-US" sz="2400" b="0" i="1" smtClean="0">
+                        <a:latin typeface="Cambria Math" panose="02040503050406030204" pitchFamily="18" charset="0"/>
+                      </a:rPr>
+                      <m:t>≠</m:t>
+                    </m:r>
+                    <m:r>
+                      <a:rPr kumimoji="1" lang="en-US" altLang="zh-CN" sz="2400" b="0" i="1" smtClean="0">
+                        <a:latin typeface="Cambria Math" panose="02040503050406030204" pitchFamily="18" charset="0"/>
+                      </a:rPr>
+                      <m:t>𝑒</m:t>
+                    </m:r>
+                    <m:r>
+                      <a:rPr kumimoji="1" lang="en-US" altLang="zh-CN" sz="2400" b="0" i="1" smtClean="0">
+                        <a:latin typeface="Cambria Math" panose="02040503050406030204" pitchFamily="18" charset="0"/>
+                      </a:rPr>
+                      <m:t>⇒</m:t>
+                    </m:r>
+                    <m:sSup>
+                      <m:sSupPr>
+                        <m:ctrlPr>
+                          <a:rPr kumimoji="1" lang="en-US" altLang="zh-CN" sz="2400" b="0" i="1" smtClean="0">
+                            <a:latin typeface="Cambria Math" panose="02040503050406030204" pitchFamily="18" charset="0"/>
+                          </a:rPr>
+                        </m:ctrlPr>
+                      </m:sSupPr>
+                      <m:e>
+                        <m:r>
+                          <a:rPr kumimoji="1" lang="en-US" altLang="zh-CN" sz="2400" b="0" i="1" smtClean="0">
+                            <a:latin typeface="Cambria Math" panose="02040503050406030204" pitchFamily="18" charset="0"/>
+                          </a:rPr>
+                          <m:t>𝑒</m:t>
+                        </m:r>
+                      </m:e>
+                      <m:sup>
+                        <m:r>
+                          <a:rPr kumimoji="1" lang="en-US" altLang="zh-CN" sz="2400" b="0" i="1" smtClean="0">
+                            <a:latin typeface="Cambria Math" panose="02040503050406030204" pitchFamily="18" charset="0"/>
+                          </a:rPr>
+                          <m:t>′′</m:t>
+                        </m:r>
+                      </m:sup>
+                    </m:sSup>
+                    <m:r>
+                      <a:rPr kumimoji="1" lang="en-US" altLang="zh-CN" sz="2400" i="1">
+                        <a:latin typeface="Cambria Math" panose="02040503050406030204" pitchFamily="18" charset="0"/>
+                      </a:rPr>
+                      <m:t>∈</m:t>
+                    </m:r>
+                    <m:r>
+                      <a:rPr kumimoji="1" lang="en-US" altLang="zh-CN" sz="2400" b="0" i="1" smtClean="0">
+                        <a:latin typeface="Cambria Math" panose="02040503050406030204" pitchFamily="18" charset="0"/>
+                      </a:rPr>
+                      <m:t>𝑇</m:t>
+                    </m:r>
+                    <m:r>
+                      <a:rPr kumimoji="1" lang="en-US" altLang="zh-CN" sz="2400" b="0" i="1" smtClean="0">
+                        <a:latin typeface="Cambria Math" panose="02040503050406030204" pitchFamily="18" charset="0"/>
+                      </a:rPr>
+                      <m:t>′\</m:t>
+                    </m:r>
+                    <m:r>
+                      <a:rPr kumimoji="1" lang="en-US" altLang="zh-CN" sz="2400" b="0" i="1" smtClean="0">
+                        <a:latin typeface="Cambria Math" panose="02040503050406030204" pitchFamily="18" charset="0"/>
+                      </a:rPr>
+                      <m:t>𝑇</m:t>
+                    </m:r>
+                  </m:oMath>
+                </a14:m>
+                <a:r>
+                  <a:rPr kumimoji="1" lang="en-US" altLang="zh-CN" sz="2400" dirty="0"/>
+                  <a:t>.</a:t>
+                </a:r>
+                <a14:m>
+                  <m:oMath xmlns:m="http://schemas.openxmlformats.org/officeDocument/2006/math">
+                    <m:r>
+                      <a:rPr kumimoji="1" lang="en-US" altLang="zh-CN" sz="2400" b="0" i="1" dirty="0" smtClean="0">
+                        <a:latin typeface="Cambria Math" panose="02040503050406030204" pitchFamily="18" charset="0"/>
+                      </a:rPr>
+                      <m:t>𝑤</m:t>
+                    </m:r>
+                    <m:d>
+                      <m:dPr>
+                        <m:ctrlPr>
+                          <a:rPr kumimoji="1" lang="en-US" altLang="zh-CN" sz="2400" b="0" i="1" dirty="0" smtClean="0">
+                            <a:latin typeface="Cambria Math" panose="02040503050406030204" pitchFamily="18" charset="0"/>
+                          </a:rPr>
+                        </m:ctrlPr>
+                      </m:dPr>
+                      <m:e>
+                        <m:sSup>
+                          <m:sSupPr>
+                            <m:ctrlPr>
+                              <a:rPr kumimoji="1" lang="en-US" altLang="zh-CN" sz="2400" b="0" i="1" dirty="0" smtClean="0">
+                                <a:latin typeface="Cambria Math" panose="02040503050406030204" pitchFamily="18" charset="0"/>
+                              </a:rPr>
+                            </m:ctrlPr>
+                          </m:sSupPr>
+                          <m:e>
+                            <m:r>
+                              <a:rPr kumimoji="1" lang="en-US" altLang="zh-CN" sz="2400" b="0" i="1" dirty="0" smtClean="0">
+                                <a:latin typeface="Cambria Math" panose="02040503050406030204" pitchFamily="18" charset="0"/>
+                              </a:rPr>
+                              <m:t>𝑒</m:t>
+                            </m:r>
+                          </m:e>
+                          <m:sup>
+                            <m:r>
+                              <a:rPr kumimoji="1" lang="en-US" altLang="zh-CN" sz="2400" b="0" i="1" dirty="0" smtClean="0">
+                                <a:latin typeface="Cambria Math" panose="02040503050406030204" pitchFamily="18" charset="0"/>
+                              </a:rPr>
+                              <m:t>′′</m:t>
+                            </m:r>
+                          </m:sup>
+                        </m:sSup>
+                      </m:e>
+                    </m:d>
+                    <m:r>
+                      <a:rPr kumimoji="1" lang="en-US" altLang="zh-CN" sz="2400" b="0" i="1" dirty="0" smtClean="0">
+                        <a:latin typeface="Cambria Math" panose="02040503050406030204" pitchFamily="18" charset="0"/>
+                      </a:rPr>
+                      <m:t>&gt;</m:t>
+                    </m:r>
+                    <m:r>
+                      <a:rPr kumimoji="1" lang="en-US" altLang="zh-CN" sz="2400" b="0" i="1" dirty="0" smtClean="0">
+                        <a:latin typeface="Cambria Math" panose="02040503050406030204" pitchFamily="18" charset="0"/>
+                      </a:rPr>
+                      <m:t>𝑤</m:t>
+                    </m:r>
+                    <m:d>
+                      <m:dPr>
+                        <m:ctrlPr>
+                          <a:rPr kumimoji="1" lang="en-US" altLang="zh-CN" sz="2400" b="0" i="1" dirty="0" smtClean="0">
+                            <a:latin typeface="Cambria Math" panose="02040503050406030204" pitchFamily="18" charset="0"/>
+                          </a:rPr>
+                        </m:ctrlPr>
+                      </m:dPr>
+                      <m:e>
+                        <m:sSup>
+                          <m:sSupPr>
+                            <m:ctrlPr>
+                              <a:rPr kumimoji="1" lang="en-US" altLang="zh-CN" sz="2400" b="0" i="1" dirty="0" smtClean="0">
+                                <a:latin typeface="Cambria Math" panose="02040503050406030204" pitchFamily="18" charset="0"/>
+                              </a:rPr>
+                            </m:ctrlPr>
+                          </m:sSupPr>
+                          <m:e>
+                            <m:r>
+                              <a:rPr kumimoji="1" lang="en-US" altLang="zh-CN" sz="2400" b="0" i="1" dirty="0" smtClean="0">
+                                <a:latin typeface="Cambria Math" panose="02040503050406030204" pitchFamily="18" charset="0"/>
+                              </a:rPr>
+                              <m:t>𝑒</m:t>
+                            </m:r>
+                          </m:e>
+                          <m:sup>
+                            <m:r>
+                              <a:rPr kumimoji="1" lang="en-US" altLang="zh-CN" sz="2400" b="0" i="1" dirty="0" smtClean="0">
+                                <a:latin typeface="Cambria Math" panose="02040503050406030204" pitchFamily="18" charset="0"/>
+                              </a:rPr>
+                              <m:t>′</m:t>
+                            </m:r>
+                          </m:sup>
+                        </m:sSup>
+                      </m:e>
+                    </m:d>
+                    <m:r>
+                      <a:rPr kumimoji="1" lang="en-US" altLang="zh-CN" sz="2400" b="0" i="1" dirty="0" smtClean="0">
+                        <a:latin typeface="Cambria Math" panose="02040503050406030204" pitchFamily="18" charset="0"/>
+                      </a:rPr>
+                      <m:t>&gt;</m:t>
+                    </m:r>
+                    <m:r>
+                      <a:rPr kumimoji="1" lang="en-US" altLang="zh-CN" sz="2400" b="0" i="1" dirty="0" smtClean="0">
+                        <a:latin typeface="Cambria Math" panose="02040503050406030204" pitchFamily="18" charset="0"/>
+                      </a:rPr>
+                      <m:t>𝑤</m:t>
+                    </m:r>
+                    <m:r>
+                      <a:rPr kumimoji="1" lang="en-US" altLang="zh-CN" sz="2400" b="0" i="1" dirty="0" smtClean="0">
+                        <a:latin typeface="Cambria Math" panose="02040503050406030204" pitchFamily="18" charset="0"/>
+                      </a:rPr>
+                      <m:t>(</m:t>
+                    </m:r>
+                    <m:r>
+                      <a:rPr kumimoji="1" lang="en-US" altLang="zh-CN" sz="2400" b="0" i="1" dirty="0" smtClean="0">
+                        <a:latin typeface="Cambria Math" panose="02040503050406030204" pitchFamily="18" charset="0"/>
+                      </a:rPr>
+                      <m:t>𝑒</m:t>
+                    </m:r>
+                    <m:r>
+                      <a:rPr kumimoji="1" lang="en-US" altLang="zh-CN" sz="2400" b="0" i="1" dirty="0" smtClean="0">
+                        <a:latin typeface="Cambria Math" panose="02040503050406030204" pitchFamily="18" charset="0"/>
+                      </a:rPr>
+                      <m:t>)</m:t>
+                    </m:r>
+                  </m:oMath>
+                </a14:m>
+                <a:endParaRPr kumimoji="1" lang="en-US" altLang="zh-CN" sz="2400" dirty="0"/>
+              </a:p>
+              <a:p>
+                <a:pPr marL="342900" indent="-342900">
+                  <a:buFont typeface="Arial" panose="020B0604020202020204" pitchFamily="34" charset="0"/>
+                  <a:buChar char="•"/>
+                </a:pPr>
+                <a:endParaRPr kumimoji="1" lang="en-US" altLang="zh-CN" sz="2400" dirty="0"/>
+              </a:p>
+              <a:p>
+                <a:pPr marL="342900" indent="-342900">
+                  <a:buFont typeface="Arial" panose="020B0604020202020204" pitchFamily="34" charset="0"/>
+                  <a:buChar char="•"/>
+                </a:pPr>
+                <a:r>
+                  <a:rPr kumimoji="1" lang="zh-CN" altLang="en-US" sz="2400" dirty="0"/>
+                  <a:t>考虑</a:t>
+                </a:r>
+                <a14:m>
+                  <m:oMath xmlns:m="http://schemas.openxmlformats.org/officeDocument/2006/math">
+                    <m:sSup>
+                      <m:sSupPr>
+                        <m:ctrlPr>
+                          <a:rPr kumimoji="1" lang="en-US" altLang="zh-CN" sz="2400" b="0" i="1" smtClean="0">
+                            <a:latin typeface="Cambria Math" panose="02040503050406030204" pitchFamily="18" charset="0"/>
+                          </a:rPr>
+                        </m:ctrlPr>
+                      </m:sSupPr>
+                      <m:e>
+                        <m:r>
+                          <a:rPr kumimoji="1" lang="en-US" altLang="zh-CN" sz="2400" b="0" i="1" smtClean="0">
+                            <a:latin typeface="Cambria Math" panose="02040503050406030204" pitchFamily="18" charset="0"/>
+                          </a:rPr>
+                          <m:t>𝑇</m:t>
+                        </m:r>
+                      </m:e>
+                      <m:sup>
+                        <m:r>
+                          <a:rPr kumimoji="1" lang="en-US" altLang="zh-CN" sz="2400" b="0" i="1" smtClean="0">
+                            <a:latin typeface="Cambria Math" panose="02040503050406030204" pitchFamily="18" charset="0"/>
+                          </a:rPr>
+                          <m:t>′′</m:t>
+                        </m:r>
+                      </m:sup>
+                    </m:sSup>
+                    <m:r>
+                      <a:rPr kumimoji="1" lang="en-US" altLang="zh-CN" sz="2400" b="0" i="1" smtClean="0">
+                        <a:latin typeface="Cambria Math" panose="02040503050406030204" pitchFamily="18" charset="0"/>
+                      </a:rPr>
+                      <m:t>=</m:t>
+                    </m:r>
+                    <m:sSup>
+                      <m:sSupPr>
+                        <m:ctrlPr>
+                          <a:rPr kumimoji="1" lang="en-US" altLang="zh-CN" sz="2400" b="0" i="1" smtClean="0">
+                            <a:latin typeface="Cambria Math" panose="02040503050406030204" pitchFamily="18" charset="0"/>
+                          </a:rPr>
+                        </m:ctrlPr>
+                      </m:sSupPr>
+                      <m:e>
+                        <m:r>
+                          <a:rPr kumimoji="1" lang="en-US" altLang="zh-CN" sz="2400" b="0" i="1" smtClean="0">
+                            <a:latin typeface="Cambria Math" panose="02040503050406030204" pitchFamily="18" charset="0"/>
+                          </a:rPr>
+                          <m:t>𝑇</m:t>
+                        </m:r>
+                      </m:e>
+                      <m:sup>
+                        <m:r>
+                          <a:rPr kumimoji="1" lang="en-US" altLang="zh-CN" sz="2400" b="0" i="1" smtClean="0">
+                            <a:latin typeface="Cambria Math" panose="02040503050406030204" pitchFamily="18" charset="0"/>
+                          </a:rPr>
+                          <m:t>′</m:t>
+                        </m:r>
+                      </m:sup>
+                    </m:sSup>
+                    <m:r>
+                      <a:rPr kumimoji="1" lang="en-US" altLang="zh-CN" sz="2400" b="0" i="1" smtClean="0">
+                        <a:latin typeface="Cambria Math" panose="02040503050406030204" pitchFamily="18" charset="0"/>
+                      </a:rPr>
+                      <m:t>+</m:t>
+                    </m:r>
+                    <m:r>
+                      <a:rPr kumimoji="1" lang="en-US" altLang="zh-CN" sz="2400" b="0" i="1" smtClean="0">
+                        <a:latin typeface="Cambria Math" panose="02040503050406030204" pitchFamily="18" charset="0"/>
+                      </a:rPr>
+                      <m:t>𝑒</m:t>
+                    </m:r>
+                    <m:r>
+                      <a:rPr kumimoji="1" lang="en-US" altLang="zh-CN" sz="2400" b="0" i="1" smtClean="0">
+                        <a:latin typeface="Cambria Math" panose="02040503050406030204" pitchFamily="18" charset="0"/>
+                      </a:rPr>
+                      <m:t>−</m:t>
+                    </m:r>
+                    <m:r>
+                      <a:rPr kumimoji="1" lang="en-US" altLang="zh-CN" sz="2400" b="0" i="1" smtClean="0">
+                        <a:latin typeface="Cambria Math" panose="02040503050406030204" pitchFamily="18" charset="0"/>
+                      </a:rPr>
+                      <m:t>𝑒</m:t>
+                    </m:r>
+                    <m:r>
+                      <a:rPr kumimoji="1" lang="en-US" altLang="zh-CN" sz="2400" b="0" i="1" smtClean="0">
+                        <a:latin typeface="Cambria Math" panose="02040503050406030204" pitchFamily="18" charset="0"/>
+                      </a:rPr>
+                      <m:t>′′</m:t>
+                    </m:r>
+                  </m:oMath>
+                </a14:m>
+                <a:r>
+                  <a:rPr kumimoji="1" lang="en-US" altLang="zh-CN" sz="2400" dirty="0"/>
+                  <a:t>,</a:t>
+                </a:r>
+              </a:p>
+              <a:p>
+                <a:pPr marL="342900" indent="-342900">
+                  <a:buFont typeface="Arial" panose="020B0604020202020204" pitchFamily="34" charset="0"/>
+                  <a:buChar char="•"/>
+                </a:pPr>
+                <a:r>
+                  <a:rPr kumimoji="1" lang="zh-CN" altLang="en-US" sz="2400" dirty="0"/>
+                  <a:t>但是</a:t>
+                </a:r>
+                <a14:m>
+                  <m:oMath xmlns:m="http://schemas.openxmlformats.org/officeDocument/2006/math">
+                    <m:r>
+                      <a:rPr kumimoji="1" lang="en-US" altLang="zh-CN" sz="2400" i="1" dirty="0" smtClean="0">
+                        <a:latin typeface="Cambria Math" panose="02040503050406030204" pitchFamily="18" charset="0"/>
+                      </a:rPr>
+                      <m:t>𝑇</m:t>
+                    </m:r>
+                    <m:r>
+                      <a:rPr kumimoji="1" lang="en-US" altLang="zh-CN" sz="2400" i="1" dirty="0" smtClean="0">
+                        <a:latin typeface="Cambria Math" panose="02040503050406030204" pitchFamily="18" charset="0"/>
+                      </a:rPr>
+                      <m:t>’</m:t>
+                    </m:r>
+                  </m:oMath>
+                </a14:m>
+                <a:r>
+                  <a:rPr kumimoji="1" lang="zh-CN" altLang="en-US" sz="2400" dirty="0"/>
+                  <a:t>是</a:t>
+                </a:r>
+                <a:r>
+                  <a:rPr kumimoji="1" lang="en-US" altLang="zh-CN" sz="2400" dirty="0"/>
+                  <a:t>MST,</a:t>
+                </a:r>
+                <a:r>
+                  <a:rPr kumimoji="1" lang="zh-CN" altLang="en-US" sz="2400" dirty="0"/>
+                  <a:t> 必须有</a:t>
+                </a:r>
+                <a14:m>
+                  <m:oMath xmlns:m="http://schemas.openxmlformats.org/officeDocument/2006/math">
+                    <m:r>
+                      <a:rPr kumimoji="1" lang="en-US" altLang="zh-CN" sz="2400" i="1" dirty="0" smtClean="0">
+                        <a:latin typeface="Cambria Math" panose="02040503050406030204" pitchFamily="18" charset="0"/>
+                      </a:rPr>
+                      <m:t>𝑤</m:t>
+                    </m:r>
+                    <m:r>
+                      <a:rPr kumimoji="1" lang="en-US" altLang="zh-CN" sz="2400" i="1" dirty="0" smtClean="0">
+                        <a:latin typeface="Cambria Math" panose="02040503050406030204" pitchFamily="18" charset="0"/>
+                      </a:rPr>
+                      <m:t>(</m:t>
+                    </m:r>
+                    <m:r>
+                      <a:rPr kumimoji="1" lang="en-US" altLang="zh-CN" sz="2400" i="1" dirty="0" smtClean="0">
+                        <a:latin typeface="Cambria Math" panose="02040503050406030204" pitchFamily="18" charset="0"/>
+                      </a:rPr>
+                      <m:t>𝑇</m:t>
+                    </m:r>
+                    <m:r>
+                      <a:rPr kumimoji="1" lang="en-US" altLang="zh-CN" sz="2400" i="1" dirty="0" smtClean="0">
+                        <a:latin typeface="Cambria Math" panose="02040503050406030204" pitchFamily="18" charset="0"/>
+                      </a:rPr>
+                      <m:t>’’)=</m:t>
+                    </m:r>
+                    <m:r>
+                      <a:rPr kumimoji="1" lang="en-US" altLang="zh-CN" sz="2400" i="1" dirty="0" smtClean="0">
+                        <a:latin typeface="Cambria Math" panose="02040503050406030204" pitchFamily="18" charset="0"/>
+                      </a:rPr>
+                      <m:t>𝑤</m:t>
+                    </m:r>
+                    <m:r>
+                      <a:rPr kumimoji="1" lang="en-US" altLang="zh-CN" sz="2400" i="1" dirty="0" smtClean="0">
+                        <a:latin typeface="Cambria Math" panose="02040503050406030204" pitchFamily="18" charset="0"/>
+                      </a:rPr>
+                      <m:t>(</m:t>
+                    </m:r>
+                    <m:r>
+                      <a:rPr kumimoji="1" lang="en-US" altLang="zh-CN" sz="2400" i="1" dirty="0" smtClean="0">
+                        <a:latin typeface="Cambria Math" panose="02040503050406030204" pitchFamily="18" charset="0"/>
+                      </a:rPr>
+                      <m:t>𝑇</m:t>
+                    </m:r>
+                    <m:r>
+                      <a:rPr kumimoji="1" lang="en-US" altLang="zh-CN" sz="2400" i="1" dirty="0" smtClean="0">
+                        <a:latin typeface="Cambria Math" panose="02040503050406030204" pitchFamily="18" charset="0"/>
+                      </a:rPr>
+                      <m:t>’)</m:t>
+                    </m:r>
+                  </m:oMath>
+                </a14:m>
+                <a:endParaRPr kumimoji="1" lang="en-US" altLang="zh-CN" sz="2400" dirty="0"/>
+              </a:p>
+              <a:p>
+                <a:pPr marL="342900" indent="-342900">
+                  <a:buFont typeface="Arial" panose="020B0604020202020204" pitchFamily="34" charset="0"/>
+                  <a:buChar char="•"/>
+                </a:pPr>
+                <a14:m>
+                  <m:oMath xmlns:m="http://schemas.openxmlformats.org/officeDocument/2006/math">
+                    <m:r>
+                      <a:rPr kumimoji="1" lang="en-US" altLang="zh-CN" sz="2400" i="1" dirty="0" smtClean="0">
+                        <a:latin typeface="Cambria Math" panose="02040503050406030204" pitchFamily="18" charset="0"/>
+                      </a:rPr>
+                      <m:t>𝑇</m:t>
+                    </m:r>
+                    <m:r>
+                      <a:rPr kumimoji="1" lang="en-US" altLang="zh-CN" sz="2400" i="1" dirty="0" smtClean="0">
+                        <a:latin typeface="Cambria Math" panose="02040503050406030204" pitchFamily="18" charset="0"/>
+                      </a:rPr>
+                      <m:t>’’</m:t>
+                    </m:r>
+                  </m:oMath>
+                </a14:m>
+                <a:r>
+                  <a:rPr kumimoji="1" lang="zh-CN" altLang="en-US" sz="2400" dirty="0"/>
+                  <a:t>也是最小生成树</a:t>
+                </a:r>
+                <a:r>
+                  <a:rPr kumimoji="1" lang="en-US" altLang="zh-CN" sz="2400" dirty="0"/>
+                  <a:t>,</a:t>
+                </a:r>
+                <a:r>
+                  <a:rPr kumimoji="1" lang="zh-CN" altLang="en-US" sz="2400" dirty="0"/>
+                  <a:t> 因此</a:t>
+                </a:r>
+                <a14:m>
+                  <m:oMath xmlns:m="http://schemas.openxmlformats.org/officeDocument/2006/math">
+                    <m:r>
+                      <a:rPr kumimoji="1" lang="en-US" altLang="zh-CN" sz="2400" i="1" dirty="0" smtClean="0">
+                        <a:latin typeface="Cambria Math" panose="02040503050406030204" pitchFamily="18" charset="0"/>
+                      </a:rPr>
+                      <m:t>𝑤</m:t>
+                    </m:r>
+                    <m:r>
+                      <a:rPr kumimoji="1" lang="en-US" altLang="zh-CN" sz="2400" i="1" dirty="0" smtClean="0">
+                        <a:latin typeface="Cambria Math" panose="02040503050406030204" pitchFamily="18" charset="0"/>
+                      </a:rPr>
+                      <m:t>(</m:t>
+                    </m:r>
+                    <m:r>
+                      <a:rPr kumimoji="1" lang="en-US" altLang="zh-CN" sz="2400" i="1" dirty="0" smtClean="0">
+                        <a:latin typeface="Cambria Math" panose="02040503050406030204" pitchFamily="18" charset="0"/>
+                      </a:rPr>
+                      <m:t>𝑒</m:t>
+                    </m:r>
+                    <m:r>
+                      <a:rPr kumimoji="1" lang="en-US" altLang="zh-CN" sz="2400" i="1" dirty="0" smtClean="0">
+                        <a:latin typeface="Cambria Math" panose="02040503050406030204" pitchFamily="18" charset="0"/>
+                      </a:rPr>
+                      <m:t>)=</m:t>
+                    </m:r>
+                    <m:r>
+                      <a:rPr kumimoji="1" lang="en-US" altLang="zh-CN" sz="2400" i="1" dirty="0" smtClean="0">
+                        <a:latin typeface="Cambria Math" panose="02040503050406030204" pitchFamily="18" charset="0"/>
+                      </a:rPr>
+                      <m:t>𝑤</m:t>
+                    </m:r>
+                    <m:r>
+                      <a:rPr kumimoji="1" lang="en-US" altLang="zh-CN" sz="2400" i="1" dirty="0" smtClean="0">
+                        <a:latin typeface="Cambria Math" panose="02040503050406030204" pitchFamily="18" charset="0"/>
+                      </a:rPr>
+                      <m:t>(</m:t>
+                    </m:r>
+                    <m:r>
+                      <a:rPr kumimoji="1" lang="en-US" altLang="zh-CN" sz="2400" i="1" dirty="0" smtClean="0">
+                        <a:latin typeface="Cambria Math" panose="02040503050406030204" pitchFamily="18" charset="0"/>
+                      </a:rPr>
+                      <m:t>𝑒</m:t>
+                    </m:r>
+                    <m:r>
+                      <a:rPr kumimoji="1" lang="en-US" altLang="zh-CN" sz="2400" i="1" dirty="0" smtClean="0">
+                        <a:latin typeface="Cambria Math" panose="02040503050406030204" pitchFamily="18" charset="0"/>
+                      </a:rPr>
+                      <m:t>’’)</m:t>
+                    </m:r>
+                  </m:oMath>
+                </a14:m>
+                <a:endParaRPr kumimoji="1" lang="zh-CN" altLang="en-US" sz="2400" dirty="0"/>
+              </a:p>
+            </p:txBody>
+          </p:sp>
+        </mc:Choice>
+        <mc:Fallback xmlns="">
+          <p:sp>
+            <p:nvSpPr>
+              <p:cNvPr id="6" name="TextBox 5">
+                <a:extLst>
+                  <a:ext uri="{FF2B5EF4-FFF2-40B4-BE49-F238E27FC236}">
+                    <a16:creationId xmlns:a16="http://schemas.microsoft.com/office/drawing/2014/main" id="{8E928AF6-FC86-8ABE-0F4E-1A79F04AF0B4}"/>
+                  </a:ext>
+                </a:extLst>
+              </p:cNvPr>
+              <p:cNvSpPr txBox="1">
+                <a:spLocks noRot="1" noChangeAspect="1" noMove="1" noResize="1" noEditPoints="1" noAdjustHandles="1" noChangeArrowheads="1" noChangeShapeType="1" noTextEdit="1"/>
+              </p:cNvSpPr>
+              <p:nvPr/>
+            </p:nvSpPr>
+            <p:spPr>
+              <a:xfrm>
+                <a:off x="698632" y="1721052"/>
+                <a:ext cx="7746736" cy="4524315"/>
+              </a:xfrm>
+              <a:prstGeom prst="rect">
+                <a:avLst/>
+              </a:prstGeom>
+              <a:blipFill>
+                <a:blip r:embed="rId3"/>
+                <a:stretch>
+                  <a:fillRect l="-1148" t="-1397" b="-1676"/>
+                </a:stretch>
+              </a:blipFill>
+            </p:spPr>
+            <p:txBody>
+              <a:bodyPr/>
+              <a:lstStyle/>
+              <a:p>
+                <a:r>
+                  <a:rPr lang="zh-CN" altLang="en-US">
+                    <a:noFill/>
+                  </a:rPr>
+                  <a:t> </a:t>
+                </a:r>
+              </a:p>
+            </p:txBody>
+          </p:sp>
+        </mc:Fallback>
+      </mc:AlternateContent>
+      <p:pic>
+        <p:nvPicPr>
+          <p:cNvPr id="7" name="Picture 6">
+            <a:extLst>
+              <a:ext uri="{FF2B5EF4-FFF2-40B4-BE49-F238E27FC236}">
+                <a16:creationId xmlns:a16="http://schemas.microsoft.com/office/drawing/2014/main" id="{5BE903D4-C042-E21C-2764-6905B21F6139}"/>
+              </a:ext>
+            </a:extLst>
+          </p:cNvPr>
+          <p:cNvPicPr>
+            <a:picLocks noChangeAspect="1"/>
+          </p:cNvPicPr>
+          <p:nvPr/>
+        </p:nvPicPr>
+        <p:blipFill>
+          <a:blip r:embed="rId4"/>
+          <a:stretch>
+            <a:fillRect/>
+          </a:stretch>
+        </p:blipFill>
+        <p:spPr>
+          <a:xfrm>
+            <a:off x="4221986" y="5016163"/>
+            <a:ext cx="4829391" cy="389467"/>
+          </a:xfrm>
+          <a:prstGeom prst="rect">
+            <a:avLst/>
+          </a:prstGeom>
+        </p:spPr>
+      </p:pic>
+    </p:spTree>
+    <p:extLst>
+      <p:ext uri="{BB962C8B-B14F-4D97-AF65-F5344CB8AC3E}">
+        <p14:creationId xmlns:p14="http://schemas.microsoft.com/office/powerpoint/2010/main" val="1463515332"/>
+      </p:ext>
+    </p:extLst>
+  </p:cSld>
+  <p:clrMapOvr>
+    <a:masterClrMapping/>
+  </p:clrMapOvr>
+</p:sld>
+</file>
+
+<file path=ppt/slides/slide4.xml><?xml version="1.0" encoding="utf-8"?>
+<p:sld xmlns:a="http://schemas.openxmlformats.org/drawingml/2006/main" xmlns:r="http://schemas.openxmlformats.org/officeDocument/2006/relationships" xmlns:p="http://schemas.openxmlformats.org/presentationml/2006/main">
+  <p:cSld>
+    <p:spTree>
+      <p:nvGrpSpPr>
+        <p:cNvPr id="1" name=""/>
+        <p:cNvGrpSpPr/>
+        <p:nvPr/>
+      </p:nvGrpSpPr>
+      <p:grpSpPr>
+        <a:xfrm>
+          <a:off x="0" y="0"/>
+          <a:ext cx="0" cy="0"/>
+          <a:chOff x="0" y="0"/>
+          <a:chExt cx="0" cy="0"/>
+        </a:xfrm>
+      </p:grpSpPr>
+      <p:sp>
+        <p:nvSpPr>
+          <p:cNvPr id="2" name="Slide Number Placeholder 1">
+            <a:extLst>
+              <a:ext uri="{FF2B5EF4-FFF2-40B4-BE49-F238E27FC236}">
+                <a16:creationId xmlns:a16="http://schemas.microsoft.com/office/drawing/2014/main" id="{088EB8C2-F157-148B-ECE4-09EC912CD14D}"/>
+              </a:ext>
+            </a:extLst>
+          </p:cNvPr>
+          <p:cNvSpPr>
+            <a:spLocks noGrp="1"/>
+          </p:cNvSpPr>
+          <p:nvPr>
+            <p:ph type="sldNum" sz="quarter" idx="12"/>
+          </p:nvPr>
+        </p:nvSpPr>
+        <p:spPr/>
+        <p:txBody>
+          <a:bodyPr/>
+          <a:lstStyle/>
+          <a:p>
+            <a:fld id="{7A304655-5D53-B746-8252-3F5A598C52D3}" type="slidenum">
+              <a:rPr lang="en-CN" smtClean="0"/>
+              <a:pPr/>
+              <a:t>4</a:t>
+            </a:fld>
+            <a:endParaRPr lang="en-CN"/>
+          </a:p>
+        </p:txBody>
+      </p:sp>
+      <p:sp>
+        <p:nvSpPr>
+          <p:cNvPr id="3" name="Title 2">
+            <a:extLst>
+              <a:ext uri="{FF2B5EF4-FFF2-40B4-BE49-F238E27FC236}">
+                <a16:creationId xmlns:a16="http://schemas.microsoft.com/office/drawing/2014/main" id="{6A29AB80-54B2-A84B-022E-9622621827AC}"/>
+              </a:ext>
+            </a:extLst>
+          </p:cNvPr>
+          <p:cNvSpPr>
+            <a:spLocks noGrp="1"/>
+          </p:cNvSpPr>
+          <p:nvPr>
+            <p:ph type="title"/>
+          </p:nvPr>
+        </p:nvSpPr>
+        <p:spPr/>
+        <p:txBody>
+          <a:bodyPr/>
+          <a:lstStyle/>
+          <a:p>
+            <a:r>
+              <a:rPr kumimoji="1" lang="en-US" altLang="zh-CN" dirty="0"/>
+              <a:t>MST</a:t>
+            </a:r>
+            <a:r>
+              <a:rPr kumimoji="1" lang="zh-CN" altLang="en-US" dirty="0"/>
+              <a:t>算法的逻辑</a:t>
+            </a:r>
+          </a:p>
+        </p:txBody>
+      </p:sp>
+      <p:pic>
+        <p:nvPicPr>
+          <p:cNvPr id="4" name="Picture 3">
+            <a:extLst>
+              <a:ext uri="{FF2B5EF4-FFF2-40B4-BE49-F238E27FC236}">
+                <a16:creationId xmlns:a16="http://schemas.microsoft.com/office/drawing/2014/main" id="{83C21636-35F0-FAB1-F8D1-26E0BE7972CD}"/>
+              </a:ext>
+            </a:extLst>
+          </p:cNvPr>
+          <p:cNvPicPr>
+            <a:picLocks noChangeAspect="1"/>
+          </p:cNvPicPr>
+          <p:nvPr/>
+        </p:nvPicPr>
+        <p:blipFill>
+          <a:blip r:embed="rId2"/>
+          <a:stretch>
+            <a:fillRect/>
+          </a:stretch>
+        </p:blipFill>
+        <p:spPr>
+          <a:xfrm>
+            <a:off x="1349391" y="1040524"/>
+            <a:ext cx="6445217" cy="675397"/>
+          </a:xfrm>
+          <a:prstGeom prst="rect">
+            <a:avLst/>
+          </a:prstGeom>
+        </p:spPr>
+      </p:pic>
+      <p:sp>
+        <p:nvSpPr>
+          <p:cNvPr id="5" name="Rectangular Callout 4">
+            <a:extLst>
+              <a:ext uri="{FF2B5EF4-FFF2-40B4-BE49-F238E27FC236}">
+                <a16:creationId xmlns:a16="http://schemas.microsoft.com/office/drawing/2014/main" id="{92E94F76-87A1-AC9A-5529-1D2256971CA4}"/>
+              </a:ext>
+            </a:extLst>
+          </p:cNvPr>
+          <p:cNvSpPr/>
+          <p:nvPr/>
+        </p:nvSpPr>
+        <p:spPr>
+          <a:xfrm>
+            <a:off x="2065867" y="1998133"/>
+            <a:ext cx="2822222" cy="383823"/>
+          </a:xfrm>
+          <a:prstGeom prst="wedgeRectCallout">
+            <a:avLst>
+              <a:gd name="adj1" fmla="val -34833"/>
+              <a:gd name="adj2" fmla="val -166911"/>
+            </a:avLst>
+          </a:prstGeom>
+          <a:solidFill>
+            <a:schemeClr val="lt1">
+              <a:alpha val="75518"/>
+            </a:schemeClr>
+          </a:solidFill>
+        </p:spPr>
+        <p:style>
+          <a:lnRef idx="2">
+            <a:schemeClr val="accent5"/>
+          </a:lnRef>
+          <a:fillRef idx="1">
+            <a:schemeClr val="lt1"/>
+          </a:fillRef>
+          <a:effectRef idx="0">
+            <a:schemeClr val="accent5"/>
+          </a:effectRef>
+          <a:fontRef idx="minor">
+            <a:schemeClr val="dk1"/>
+          </a:fontRef>
+        </p:style>
+        <p:txBody>
+          <a:bodyPr rtlCol="0" anchor="ctr"/>
+          <a:lstStyle/>
+          <a:p>
+            <a:pPr algn="ctr"/>
+            <a:r>
+              <a:rPr lang="en-US" sz="1600" b="0" i="0" dirty="0">
+                <a:effectLst/>
+                <a:latin typeface="Arial" panose="020B0604020202020204" pitchFamily="34" charset="0"/>
+              </a:rPr>
+              <a:t>intermediate spanning forest</a:t>
+            </a:r>
+            <a:endParaRPr kumimoji="1" lang="zh-CN" altLang="en-US" sz="1600" dirty="0">
+              <a:latin typeface="Consolas" panose="020B0609020204030204" pitchFamily="49" charset="0"/>
+              <a:ea typeface="FangSong" panose="02010609060101010101" pitchFamily="49" charset="-122"/>
+              <a:cs typeface="Consolas" panose="020B0609020204030204" pitchFamily="49" charset="0"/>
+            </a:endParaRPr>
+          </a:p>
+        </p:txBody>
+      </p:sp>
+      <mc:AlternateContent xmlns:mc="http://schemas.openxmlformats.org/markup-compatibility/2006" xmlns:a14="http://schemas.microsoft.com/office/drawing/2010/main">
+        <mc:Choice Requires="a14">
+          <p:sp>
+            <p:nvSpPr>
+              <p:cNvPr id="6" name="TextBox 5">
+                <a:extLst>
+                  <a:ext uri="{FF2B5EF4-FFF2-40B4-BE49-F238E27FC236}">
+                    <a16:creationId xmlns:a16="http://schemas.microsoft.com/office/drawing/2014/main" id="{676E2A46-21CA-ED94-B4E6-D22B744D0F4A}"/>
+                  </a:ext>
+                </a:extLst>
+              </p:cNvPr>
+              <p:cNvSpPr txBox="1"/>
+              <p:nvPr/>
+            </p:nvSpPr>
+            <p:spPr>
+              <a:xfrm>
+                <a:off x="722489" y="2486359"/>
+                <a:ext cx="8229600" cy="3416320"/>
+              </a:xfrm>
+              <a:prstGeom prst="rect">
+                <a:avLst/>
+              </a:prstGeom>
+              <a:noFill/>
+            </p:spPr>
+            <p:txBody>
+              <a:bodyPr wrap="square" rtlCol="0">
+                <a:spAutoFit/>
+              </a:bodyPr>
+              <a:lstStyle/>
+              <a:p>
+                <a:pPr algn="l"/>
+                <a:r>
+                  <a:rPr kumimoji="1" lang="zh-CN" altLang="en-US" sz="2400" dirty="0"/>
+                  <a:t>三种边</a:t>
+                </a:r>
+                <a:endParaRPr kumimoji="1" lang="en-US" altLang="zh-CN" sz="2400" dirty="0"/>
+              </a:p>
+              <a:p>
+                <a:pPr marL="342900" indent="-342900" algn="l">
+                  <a:buFont typeface="Arial" panose="020B0604020202020204" pitchFamily="34" charset="0"/>
+                  <a:buChar char="•"/>
+                </a:pPr>
+                <a:r>
+                  <a:rPr kumimoji="1" lang="en-US" altLang="zh-CN" sz="2400" dirty="0"/>
+                  <a:t>useless:</a:t>
+                </a:r>
+                <a:r>
+                  <a:rPr kumimoji="1" lang="zh-CN" altLang="en-US" sz="2400" dirty="0"/>
+                  <a:t> </a:t>
+                </a:r>
+                <a:r>
+                  <a:rPr kumimoji="1" lang="en-US" altLang="zh-CN" sz="2400" dirty="0"/>
+                  <a:t>not</a:t>
+                </a:r>
+                <a:r>
+                  <a:rPr kumimoji="1" lang="zh-CN" altLang="en-US" sz="2400" dirty="0"/>
+                  <a:t> </a:t>
+                </a:r>
+                <a:r>
+                  <a:rPr kumimoji="1" lang="en-US" altLang="zh-CN" sz="2400" dirty="0"/>
+                  <a:t>an</a:t>
+                </a:r>
+                <a:r>
+                  <a:rPr kumimoji="1" lang="zh-CN" altLang="en-US" sz="2400" dirty="0"/>
+                  <a:t> </a:t>
+                </a:r>
+                <a:r>
+                  <a:rPr kumimoji="1" lang="en-US" altLang="zh-CN" sz="2400" dirty="0"/>
+                  <a:t>edge</a:t>
+                </a:r>
+                <a:r>
+                  <a:rPr kumimoji="1" lang="zh-CN" altLang="en-US" sz="2400" dirty="0"/>
+                  <a:t> </a:t>
+                </a:r>
+                <a:r>
+                  <a:rPr kumimoji="1" lang="en-US" altLang="zh-CN" sz="2400" dirty="0"/>
+                  <a:t>of</a:t>
+                </a:r>
+                <a:r>
+                  <a:rPr kumimoji="1" lang="zh-CN" altLang="en-US" sz="2400" dirty="0"/>
+                  <a:t> </a:t>
+                </a:r>
+                <a14:m>
+                  <m:oMath xmlns:m="http://schemas.openxmlformats.org/officeDocument/2006/math">
+                    <m:r>
+                      <a:rPr kumimoji="1" lang="en-US" altLang="zh-CN" sz="2400" b="0" i="1" smtClean="0">
+                        <a:latin typeface="Cambria Math" panose="02040503050406030204" pitchFamily="18" charset="0"/>
+                      </a:rPr>
+                      <m:t>𝐹</m:t>
+                    </m:r>
+                    <m:r>
+                      <a:rPr kumimoji="1" lang="en-US" altLang="zh-CN" sz="2400" b="0" i="0" smtClean="0">
+                        <a:latin typeface="Cambria Math" panose="02040503050406030204" pitchFamily="18" charset="0"/>
+                      </a:rPr>
+                      <m:t>,</m:t>
+                    </m:r>
+                    <m:r>
+                      <a:rPr kumimoji="1" lang="zh-CN" altLang="en-US" sz="2400" b="0" i="0" smtClean="0">
+                        <a:latin typeface="Cambria Math" panose="02040503050406030204" pitchFamily="18" charset="0"/>
+                      </a:rPr>
+                      <m:t> </m:t>
+                    </m:r>
+                  </m:oMath>
+                </a14:m>
+                <a:r>
+                  <a:rPr kumimoji="1" lang="en-US" altLang="zh-CN" sz="2400" dirty="0"/>
+                  <a:t>but</a:t>
+                </a:r>
+                <a:r>
+                  <a:rPr kumimoji="1" lang="zh-CN" altLang="en-US" sz="2400" dirty="0"/>
+                  <a:t> </a:t>
+                </a:r>
+                <a:r>
+                  <a:rPr kumimoji="1" lang="en-US" altLang="zh-CN" sz="2400" dirty="0"/>
+                  <a:t>both</a:t>
+                </a:r>
+                <a:r>
+                  <a:rPr kumimoji="1" lang="zh-CN" altLang="en-US" sz="2400" dirty="0"/>
+                  <a:t> </a:t>
+                </a:r>
+                <a:r>
+                  <a:rPr kumimoji="1" lang="en-US" altLang="zh-CN" sz="2400" dirty="0"/>
+                  <a:t>endpoints</a:t>
+                </a:r>
+                <a:r>
+                  <a:rPr kumimoji="1" lang="zh-CN" altLang="en-US" sz="2400" dirty="0"/>
+                  <a:t> </a:t>
+                </a:r>
+                <a:r>
+                  <a:rPr kumimoji="1" lang="en-US" altLang="zh-CN" sz="2400" dirty="0"/>
+                  <a:t>are</a:t>
+                </a:r>
+                <a:r>
+                  <a:rPr kumimoji="1" lang="zh-CN" altLang="en-US" sz="2400" dirty="0"/>
+                  <a:t> </a:t>
+                </a:r>
+                <a:r>
+                  <a:rPr kumimoji="1" lang="en-US" altLang="zh-CN" sz="2400" dirty="0"/>
+                  <a:t>in</a:t>
+                </a:r>
+                <a:r>
+                  <a:rPr kumimoji="1" lang="zh-CN" altLang="en-US" sz="2400" dirty="0"/>
+                  <a:t> </a:t>
+                </a:r>
+                <a:r>
+                  <a:rPr kumimoji="1" lang="en-US" altLang="zh-CN" sz="2400" dirty="0"/>
+                  <a:t>the</a:t>
+                </a:r>
+                <a:r>
+                  <a:rPr kumimoji="1" lang="zh-CN" altLang="en-US" sz="2400" dirty="0"/>
+                  <a:t> </a:t>
+                </a:r>
+                <a:r>
+                  <a:rPr kumimoji="1" lang="en-US" altLang="zh-CN" sz="2400" dirty="0"/>
+                  <a:t>same</a:t>
+                </a:r>
+                <a:r>
+                  <a:rPr kumimoji="1" lang="zh-CN" altLang="en-US" sz="2400" dirty="0"/>
+                  <a:t> </a:t>
+                </a:r>
+                <a:r>
+                  <a:rPr kumimoji="1" lang="en-US" altLang="zh-CN" sz="2400" dirty="0"/>
+                  <a:t>component</a:t>
+                </a:r>
+                <a:r>
+                  <a:rPr kumimoji="1" lang="zh-CN" altLang="en-US" sz="2400" dirty="0"/>
+                  <a:t> </a:t>
+                </a:r>
+                <a:endParaRPr kumimoji="1" lang="en-US" altLang="zh-CN" sz="2400" dirty="0"/>
+              </a:p>
+              <a:p>
+                <a:pPr marL="342900" indent="-342900" algn="l">
+                  <a:buFont typeface="Arial" panose="020B0604020202020204" pitchFamily="34" charset="0"/>
+                  <a:buChar char="•"/>
+                </a:pPr>
+                <a:endParaRPr kumimoji="1" lang="en-US" altLang="zh-CN" sz="2400" dirty="0"/>
+              </a:p>
+              <a:p>
+                <a:pPr marL="342900" indent="-342900" algn="l">
+                  <a:buFont typeface="Arial" panose="020B0604020202020204" pitchFamily="34" charset="0"/>
+                  <a:buChar char="•"/>
+                </a:pPr>
+                <a:endParaRPr kumimoji="1" lang="en-US" altLang="zh-CN" sz="2400" dirty="0"/>
+              </a:p>
+              <a:p>
+                <a:pPr marL="342900" indent="-342900" algn="l">
+                  <a:buFont typeface="Arial" panose="020B0604020202020204" pitchFamily="34" charset="0"/>
+                  <a:buChar char="•"/>
+                </a:pPr>
+                <a:endParaRPr kumimoji="1" lang="en-US" altLang="zh-CN" sz="2400" dirty="0"/>
+              </a:p>
+              <a:p>
+                <a:pPr marL="342900" indent="-342900" algn="l">
+                  <a:buFont typeface="Arial" panose="020B0604020202020204" pitchFamily="34" charset="0"/>
+                  <a:buChar char="•"/>
+                </a:pPr>
+                <a:r>
+                  <a:rPr kumimoji="1" lang="en-US" altLang="zh-CN" sz="2400" dirty="0"/>
+                  <a:t>safe:</a:t>
+                </a:r>
+                <a:r>
+                  <a:rPr kumimoji="1" lang="zh-CN" altLang="en-US" sz="2400" dirty="0"/>
+                  <a:t> </a:t>
+                </a:r>
+                <a:r>
+                  <a:rPr kumimoji="1" lang="en-US" altLang="zh-CN" sz="2400" dirty="0"/>
+                  <a:t>min</a:t>
+                </a:r>
+                <a:r>
+                  <a:rPr kumimoji="1" lang="zh-CN" altLang="en-US" sz="2400" dirty="0"/>
+                  <a:t> </a:t>
+                </a:r>
+                <a:r>
+                  <a:rPr kumimoji="1" lang="en-US" altLang="zh-CN" sz="2400" dirty="0"/>
+                  <a:t>weight</a:t>
+                </a:r>
+                <a:r>
+                  <a:rPr kumimoji="1" lang="zh-CN" altLang="en-US" sz="2400" dirty="0"/>
+                  <a:t> </a:t>
+                </a:r>
+                <a:r>
+                  <a:rPr kumimoji="1" lang="en-US" altLang="zh-CN" sz="2400" dirty="0"/>
+                  <a:t>edge</a:t>
+                </a:r>
+                <a:r>
+                  <a:rPr kumimoji="1" lang="zh-CN" altLang="en-US" sz="2400" dirty="0"/>
+                  <a:t> </a:t>
+                </a:r>
+                <a:r>
+                  <a:rPr kumimoji="1" lang="en-US" altLang="zh-CN" sz="2400" dirty="0"/>
+                  <a:t>with</a:t>
+                </a:r>
+                <a:r>
+                  <a:rPr kumimoji="1" lang="zh-CN" altLang="en-US" sz="2400" dirty="0"/>
+                  <a:t> </a:t>
+                </a:r>
+                <a:r>
+                  <a:rPr kumimoji="1" lang="en-US" altLang="zh-CN" sz="2400" dirty="0"/>
+                  <a:t>exactly</a:t>
+                </a:r>
+                <a:r>
+                  <a:rPr kumimoji="1" lang="zh-CN" altLang="en-US" sz="2400" dirty="0"/>
+                  <a:t> </a:t>
+                </a:r>
+                <a:r>
+                  <a:rPr kumimoji="1" lang="en-US" altLang="zh-CN" sz="2400" dirty="0"/>
+                  <a:t>one</a:t>
+                </a:r>
+                <a:r>
+                  <a:rPr kumimoji="1" lang="zh-CN" altLang="en-US" sz="2400" dirty="0"/>
+                  <a:t> </a:t>
+                </a:r>
+                <a:r>
+                  <a:rPr kumimoji="1" lang="en-US" altLang="zh-CN" sz="2400" dirty="0"/>
+                  <a:t>endpoint</a:t>
+                </a:r>
+                <a:r>
+                  <a:rPr kumimoji="1" lang="zh-CN" altLang="en-US" sz="2400" dirty="0"/>
+                  <a:t> </a:t>
+                </a:r>
+                <a:r>
+                  <a:rPr kumimoji="1" lang="en-US" altLang="zh-CN" sz="2400" dirty="0"/>
+                  <a:t>in</a:t>
+                </a:r>
+                <a:r>
+                  <a:rPr kumimoji="1" lang="zh-CN" altLang="en-US" sz="2400" dirty="0"/>
+                  <a:t> </a:t>
+                </a:r>
+                <a:r>
+                  <a:rPr kumimoji="1" lang="en-US" altLang="zh-CN" sz="2400" dirty="0"/>
+                  <a:t>some</a:t>
+                </a:r>
+                <a:r>
+                  <a:rPr kumimoji="1" lang="zh-CN" altLang="en-US" sz="2400" dirty="0"/>
+                  <a:t> </a:t>
+                </a:r>
+                <a:r>
+                  <a:rPr kumimoji="1" lang="en-US" altLang="zh-CN" sz="2400" dirty="0"/>
+                  <a:t>component</a:t>
+                </a:r>
+                <a:r>
+                  <a:rPr kumimoji="1" lang="zh-CN" altLang="en-US" sz="2400" dirty="0"/>
+                  <a:t> </a:t>
+                </a:r>
+                <a:r>
+                  <a:rPr kumimoji="1" lang="en-US" altLang="zh-CN" sz="2400" dirty="0"/>
+                  <a:t>of</a:t>
+                </a:r>
+                <a:r>
+                  <a:rPr kumimoji="1" lang="zh-CN" altLang="en-US" sz="2400" dirty="0"/>
+                  <a:t> </a:t>
+                </a:r>
+                <a14:m>
+                  <m:oMath xmlns:m="http://schemas.openxmlformats.org/officeDocument/2006/math">
+                    <m:r>
+                      <a:rPr kumimoji="1" lang="en-US" altLang="zh-CN" sz="2400" b="0" i="1" smtClean="0">
+                        <a:latin typeface="Cambria Math" panose="02040503050406030204" pitchFamily="18" charset="0"/>
+                      </a:rPr>
+                      <m:t>𝐹</m:t>
+                    </m:r>
+                  </m:oMath>
+                </a14:m>
+                <a:r>
+                  <a:rPr kumimoji="1" lang="en-US" altLang="zh-CN" sz="2400" dirty="0"/>
+                  <a:t>.</a:t>
+                </a:r>
+              </a:p>
+              <a:p>
+                <a:pPr marL="342900" indent="-342900" algn="l">
+                  <a:buFont typeface="Arial" panose="020B0604020202020204" pitchFamily="34" charset="0"/>
+                  <a:buChar char="•"/>
+                </a:pPr>
+                <a:r>
+                  <a:rPr kumimoji="1" lang="en-US" altLang="zh-CN" sz="2400" dirty="0"/>
+                  <a:t>undecided.</a:t>
+                </a:r>
+              </a:p>
+            </p:txBody>
+          </p:sp>
+        </mc:Choice>
+        <mc:Fallback xmlns="">
+          <p:sp>
+            <p:nvSpPr>
+              <p:cNvPr id="6" name="TextBox 5">
+                <a:extLst>
+                  <a:ext uri="{FF2B5EF4-FFF2-40B4-BE49-F238E27FC236}">
+                    <a16:creationId xmlns:a16="http://schemas.microsoft.com/office/drawing/2014/main" id="{676E2A46-21CA-ED94-B4E6-D22B744D0F4A}"/>
+                  </a:ext>
+                </a:extLst>
+              </p:cNvPr>
+              <p:cNvSpPr txBox="1">
+                <a:spLocks noRot="1" noChangeAspect="1" noMove="1" noResize="1" noEditPoints="1" noAdjustHandles="1" noChangeArrowheads="1" noChangeShapeType="1" noTextEdit="1"/>
+              </p:cNvSpPr>
+              <p:nvPr/>
+            </p:nvSpPr>
+            <p:spPr>
+              <a:xfrm>
+                <a:off x="722489" y="2486359"/>
+                <a:ext cx="8229600" cy="3416320"/>
+              </a:xfrm>
+              <a:prstGeom prst="rect">
+                <a:avLst/>
+              </a:prstGeom>
+              <a:blipFill>
+                <a:blip r:embed="rId3"/>
+                <a:stretch>
+                  <a:fillRect l="-1233" t="-1481" r="-154" b="-3333"/>
+                </a:stretch>
+              </a:blipFill>
+            </p:spPr>
+            <p:txBody>
+              <a:bodyPr/>
+              <a:lstStyle/>
+              <a:p>
+                <a:r>
+                  <a:rPr lang="zh-CN" altLang="en-US">
+                    <a:noFill/>
+                  </a:rPr>
+                  <a:t> </a:t>
+                </a:r>
+              </a:p>
+            </p:txBody>
+          </p:sp>
+        </mc:Fallback>
+      </mc:AlternateContent>
+      <p:sp>
+        <p:nvSpPr>
+          <p:cNvPr id="7" name="Oval 6">
+            <a:extLst>
+              <a:ext uri="{FF2B5EF4-FFF2-40B4-BE49-F238E27FC236}">
+                <a16:creationId xmlns:a16="http://schemas.microsoft.com/office/drawing/2014/main" id="{E3C4C2FB-E89C-1745-3B7E-7B375DC6B25D}"/>
+              </a:ext>
+            </a:extLst>
+          </p:cNvPr>
+          <p:cNvSpPr/>
+          <p:nvPr/>
+        </p:nvSpPr>
+        <p:spPr>
+          <a:xfrm>
+            <a:off x="2935111" y="3951111"/>
+            <a:ext cx="304800" cy="304800"/>
+          </a:xfrm>
+          <a:prstGeom prst="ellipse">
+            <a:avLst/>
+          </a:prstGeom>
+          <a:solidFill>
+            <a:schemeClr val="lt1">
+              <a:alpha val="75518"/>
+            </a:schemeClr>
+          </a:solidFill>
+          <a:ln w="38100">
+            <a:solidFill>
+              <a:srgbClr val="FF0000"/>
+            </a:solidFill>
+          </a:ln>
+        </p:spPr>
+        <p:style>
+          <a:lnRef idx="2">
+            <a:schemeClr val="accent5"/>
+          </a:lnRef>
+          <a:fillRef idx="1">
+            <a:schemeClr val="lt1"/>
+          </a:fillRef>
+          <a:effectRef idx="0">
+            <a:schemeClr val="accent5"/>
+          </a:effectRef>
+          <a:fontRef idx="minor">
+            <a:schemeClr val="dk1"/>
+          </a:fontRef>
+        </p:style>
+        <p:txBody>
+          <a:bodyPr rtlCol="0" anchor="ctr"/>
+          <a:lstStyle/>
+          <a:p>
+            <a:pPr algn="ctr"/>
+            <a:endParaRPr kumimoji="1" lang="zh-CN" altLang="en-US" sz="1600" dirty="0">
+              <a:latin typeface="Consolas" panose="020B0609020204030204" pitchFamily="49" charset="0"/>
+              <a:ea typeface="FangSong" panose="02010609060101010101" pitchFamily="49" charset="-122"/>
+              <a:cs typeface="Consolas" panose="020B0609020204030204" pitchFamily="49" charset="0"/>
+            </a:endParaRPr>
+          </a:p>
+        </p:txBody>
+      </p:sp>
+      <p:sp>
+        <p:nvSpPr>
+          <p:cNvPr id="8" name="Oval 7">
+            <a:extLst>
+              <a:ext uri="{FF2B5EF4-FFF2-40B4-BE49-F238E27FC236}">
+                <a16:creationId xmlns:a16="http://schemas.microsoft.com/office/drawing/2014/main" id="{A35F8545-80EC-ED6C-C7B3-E8C5ED253AAF}"/>
+              </a:ext>
+            </a:extLst>
+          </p:cNvPr>
+          <p:cNvSpPr/>
+          <p:nvPr/>
+        </p:nvSpPr>
+        <p:spPr>
+          <a:xfrm>
+            <a:off x="4888089" y="3962400"/>
+            <a:ext cx="304800" cy="304800"/>
+          </a:xfrm>
+          <a:prstGeom prst="ellipse">
+            <a:avLst/>
+          </a:prstGeom>
+          <a:solidFill>
+            <a:schemeClr val="lt1">
+              <a:alpha val="75518"/>
+            </a:schemeClr>
+          </a:solidFill>
+          <a:ln w="38100">
+            <a:solidFill>
+              <a:srgbClr val="FF0000"/>
+            </a:solidFill>
+          </a:ln>
+        </p:spPr>
+        <p:style>
+          <a:lnRef idx="2">
+            <a:schemeClr val="accent5"/>
+          </a:lnRef>
+          <a:fillRef idx="1">
+            <a:schemeClr val="lt1"/>
+          </a:fillRef>
+          <a:effectRef idx="0">
+            <a:schemeClr val="accent5"/>
+          </a:effectRef>
+          <a:fontRef idx="minor">
+            <a:schemeClr val="dk1"/>
+          </a:fontRef>
+        </p:style>
+        <p:txBody>
+          <a:bodyPr rtlCol="0" anchor="ctr"/>
+          <a:lstStyle/>
+          <a:p>
+            <a:pPr algn="ctr"/>
+            <a:endParaRPr kumimoji="1" lang="zh-CN" altLang="en-US" sz="1600" dirty="0">
+              <a:latin typeface="Consolas" panose="020B0609020204030204" pitchFamily="49" charset="0"/>
+              <a:ea typeface="FangSong" panose="02010609060101010101" pitchFamily="49" charset="-122"/>
+              <a:cs typeface="Consolas" panose="020B0609020204030204" pitchFamily="49" charset="0"/>
+            </a:endParaRPr>
+          </a:p>
+        </p:txBody>
+      </p:sp>
+      <p:cxnSp>
+        <p:nvCxnSpPr>
+          <p:cNvPr id="10" name="Straight Connector 9">
+            <a:extLst>
+              <a:ext uri="{FF2B5EF4-FFF2-40B4-BE49-F238E27FC236}">
+                <a16:creationId xmlns:a16="http://schemas.microsoft.com/office/drawing/2014/main" id="{ADB47C51-0990-4963-47B2-050D65C7A378}"/>
+              </a:ext>
+            </a:extLst>
+          </p:cNvPr>
+          <p:cNvCxnSpPr>
+            <a:stCxn id="7" idx="0"/>
+          </p:cNvCxnSpPr>
+          <p:nvPr/>
+        </p:nvCxnSpPr>
+        <p:spPr>
+          <a:xfrm flipV="1">
+            <a:off x="3087511" y="3686688"/>
+            <a:ext cx="468489" cy="264423"/>
+          </a:xfrm>
+          <a:prstGeom prst="line">
+            <a:avLst/>
+          </a:prstGeom>
+          <a:ln w="38100">
+            <a:solidFill>
+              <a:srgbClr val="FF0000"/>
+            </a:solidFill>
+          </a:ln>
+        </p:spPr>
+        <p:style>
+          <a:lnRef idx="1">
+            <a:schemeClr val="accent1"/>
+          </a:lnRef>
+          <a:fillRef idx="0">
+            <a:schemeClr val="accent1"/>
+          </a:fillRef>
+          <a:effectRef idx="0">
+            <a:schemeClr val="accent1"/>
+          </a:effectRef>
+          <a:fontRef idx="minor">
+            <a:schemeClr val="tx1"/>
+          </a:fontRef>
+        </p:style>
+      </p:cxnSp>
+      <p:cxnSp>
+        <p:nvCxnSpPr>
+          <p:cNvPr id="11" name="Straight Connector 10">
+            <a:extLst>
+              <a:ext uri="{FF2B5EF4-FFF2-40B4-BE49-F238E27FC236}">
+                <a16:creationId xmlns:a16="http://schemas.microsoft.com/office/drawing/2014/main" id="{C9548781-8E17-8ACA-28CF-D49D9E0FCD36}"/>
+              </a:ext>
+            </a:extLst>
+          </p:cNvPr>
+          <p:cNvCxnSpPr>
+            <a:cxnSpLocks/>
+          </p:cNvCxnSpPr>
+          <p:nvPr/>
+        </p:nvCxnSpPr>
+        <p:spPr>
+          <a:xfrm>
+            <a:off x="3556000" y="3697977"/>
+            <a:ext cx="1015999" cy="0"/>
+          </a:xfrm>
+          <a:prstGeom prst="line">
+            <a:avLst/>
+          </a:prstGeom>
+          <a:ln w="38100">
+            <a:solidFill>
+              <a:srgbClr val="FF0000"/>
+            </a:solidFill>
+          </a:ln>
+        </p:spPr>
+        <p:style>
+          <a:lnRef idx="1">
+            <a:schemeClr val="accent1"/>
+          </a:lnRef>
+          <a:fillRef idx="0">
+            <a:schemeClr val="accent1"/>
+          </a:fillRef>
+          <a:effectRef idx="0">
+            <a:schemeClr val="accent1"/>
+          </a:effectRef>
+          <a:fontRef idx="minor">
+            <a:schemeClr val="tx1"/>
+          </a:fontRef>
+        </p:style>
+      </p:cxnSp>
+      <p:cxnSp>
+        <p:nvCxnSpPr>
+          <p:cNvPr id="13" name="Straight Connector 12">
+            <a:extLst>
+              <a:ext uri="{FF2B5EF4-FFF2-40B4-BE49-F238E27FC236}">
+                <a16:creationId xmlns:a16="http://schemas.microsoft.com/office/drawing/2014/main" id="{5D789A9A-E2CB-6959-68D3-872AAF8DD286}"/>
+              </a:ext>
+            </a:extLst>
+          </p:cNvPr>
+          <p:cNvCxnSpPr>
+            <a:cxnSpLocks/>
+            <a:endCxn id="8" idx="0"/>
+          </p:cNvCxnSpPr>
+          <p:nvPr/>
+        </p:nvCxnSpPr>
+        <p:spPr>
+          <a:xfrm>
+            <a:off x="4571999" y="3697977"/>
+            <a:ext cx="468490" cy="264423"/>
+          </a:xfrm>
+          <a:prstGeom prst="line">
+            <a:avLst/>
+          </a:prstGeom>
+          <a:ln w="38100">
+            <a:solidFill>
+              <a:srgbClr val="FF0000"/>
+            </a:solidFill>
+          </a:ln>
+        </p:spPr>
+        <p:style>
+          <a:lnRef idx="1">
+            <a:schemeClr val="accent1"/>
+          </a:lnRef>
+          <a:fillRef idx="0">
+            <a:schemeClr val="accent1"/>
+          </a:fillRef>
+          <a:effectRef idx="0">
+            <a:schemeClr val="accent1"/>
+          </a:effectRef>
+          <a:fontRef idx="minor">
+            <a:schemeClr val="tx1"/>
+          </a:fontRef>
+        </p:style>
+      </p:cxnSp>
+      <p:cxnSp>
+        <p:nvCxnSpPr>
+          <p:cNvPr id="17" name="Straight Connector 16">
+            <a:extLst>
+              <a:ext uri="{FF2B5EF4-FFF2-40B4-BE49-F238E27FC236}">
+                <a16:creationId xmlns:a16="http://schemas.microsoft.com/office/drawing/2014/main" id="{5615D140-AC92-3E2F-5BAC-1CE02CFE3EE7}"/>
+              </a:ext>
+            </a:extLst>
+          </p:cNvPr>
+          <p:cNvCxnSpPr>
+            <a:stCxn id="7" idx="6"/>
+            <a:endCxn id="8" idx="2"/>
+          </p:cNvCxnSpPr>
+          <p:nvPr/>
+        </p:nvCxnSpPr>
+        <p:spPr>
+          <a:xfrm>
+            <a:off x="3239911" y="4103511"/>
+            <a:ext cx="1648178" cy="11289"/>
+          </a:xfrm>
+          <a:prstGeom prst="line">
+            <a:avLst/>
+          </a:prstGeom>
+        </p:spPr>
+        <p:style>
+          <a:lnRef idx="1">
+            <a:schemeClr val="accent1"/>
+          </a:lnRef>
+          <a:fillRef idx="0">
+            <a:schemeClr val="accent1"/>
+          </a:fillRef>
+          <a:effectRef idx="0">
+            <a:schemeClr val="accent1"/>
+          </a:effectRef>
+          <a:fontRef idx="minor">
+            <a:schemeClr val="tx1"/>
+          </a:fontRef>
+        </p:style>
+      </p:cxnSp>
+      <p:sp>
+        <p:nvSpPr>
+          <p:cNvPr id="18" name="Cloud Callout 17">
+            <a:extLst>
+              <a:ext uri="{FF2B5EF4-FFF2-40B4-BE49-F238E27FC236}">
+                <a16:creationId xmlns:a16="http://schemas.microsoft.com/office/drawing/2014/main" id="{64B546FE-662D-C0E5-2E35-3C2B97227726}"/>
+              </a:ext>
+            </a:extLst>
+          </p:cNvPr>
+          <p:cNvSpPr/>
+          <p:nvPr/>
+        </p:nvSpPr>
+        <p:spPr>
+          <a:xfrm>
+            <a:off x="4255912" y="4367933"/>
+            <a:ext cx="1591733" cy="496711"/>
+          </a:xfrm>
+          <a:prstGeom prst="cloudCallout">
+            <a:avLst>
+              <a:gd name="adj1" fmla="val -40691"/>
+              <a:gd name="adj2" fmla="val -85228"/>
+            </a:avLst>
+          </a:prstGeom>
+          <a:solidFill>
+            <a:schemeClr val="lt1">
+              <a:alpha val="75518"/>
+            </a:schemeClr>
+          </a:solidFill>
+        </p:spPr>
+        <p:style>
+          <a:lnRef idx="2">
+            <a:schemeClr val="accent5"/>
+          </a:lnRef>
+          <a:fillRef idx="1">
+            <a:schemeClr val="lt1"/>
+          </a:fillRef>
+          <a:effectRef idx="0">
+            <a:schemeClr val="accent5"/>
+          </a:effectRef>
+          <a:fontRef idx="minor">
+            <a:schemeClr val="dk1"/>
+          </a:fontRef>
+        </p:style>
+        <p:txBody>
+          <a:bodyPr rtlCol="0" anchor="ctr"/>
+          <a:lstStyle/>
+          <a:p>
+            <a:pPr algn="ctr"/>
+            <a:r>
+              <a:rPr kumimoji="1" lang="en-US" altLang="zh-CN" sz="1600" dirty="0">
+                <a:latin typeface="Consolas" panose="020B0609020204030204" pitchFamily="49" charset="0"/>
+                <a:ea typeface="FangSong" panose="02010609060101010101" pitchFamily="49" charset="-122"/>
+                <a:cs typeface="Consolas" panose="020B0609020204030204" pitchFamily="49" charset="0"/>
+              </a:rPr>
+              <a:t>useless</a:t>
+            </a:r>
+            <a:endParaRPr kumimoji="1" lang="zh-CN" altLang="en-US" sz="1600" dirty="0">
+              <a:latin typeface="Consolas" panose="020B0609020204030204" pitchFamily="49" charset="0"/>
+              <a:ea typeface="FangSong" panose="02010609060101010101" pitchFamily="49" charset="-122"/>
+              <a:cs typeface="Consolas" panose="020B0609020204030204" pitchFamily="49" charset="0"/>
+            </a:endParaRPr>
+          </a:p>
+        </p:txBody>
+      </p:sp>
+      <p:sp>
+        <p:nvSpPr>
+          <p:cNvPr id="19" name="Oval 18">
+            <a:extLst>
+              <a:ext uri="{FF2B5EF4-FFF2-40B4-BE49-F238E27FC236}">
+                <a16:creationId xmlns:a16="http://schemas.microsoft.com/office/drawing/2014/main" id="{5FECD895-2A4B-3768-C2DF-85C402C69990}"/>
+              </a:ext>
+            </a:extLst>
+          </p:cNvPr>
+          <p:cNvSpPr/>
+          <p:nvPr/>
+        </p:nvSpPr>
+        <p:spPr>
+          <a:xfrm>
+            <a:off x="3239911" y="5533347"/>
+            <a:ext cx="699911" cy="743275"/>
+          </a:xfrm>
+          <a:prstGeom prst="ellipse">
+            <a:avLst/>
+          </a:prstGeom>
+          <a:solidFill>
+            <a:schemeClr val="lt1">
+              <a:alpha val="75518"/>
+            </a:schemeClr>
+          </a:solidFill>
+        </p:spPr>
+        <p:style>
+          <a:lnRef idx="2">
+            <a:schemeClr val="accent5"/>
+          </a:lnRef>
+          <a:fillRef idx="1">
+            <a:schemeClr val="lt1"/>
+          </a:fillRef>
+          <a:effectRef idx="0">
+            <a:schemeClr val="accent5"/>
+          </a:effectRef>
+          <a:fontRef idx="minor">
+            <a:schemeClr val="dk1"/>
+          </a:fontRef>
+        </p:style>
+        <p:txBody>
+          <a:bodyPr rtlCol="0" anchor="ctr"/>
+          <a:lstStyle/>
+          <a:p>
+            <a:pPr algn="ctr"/>
+            <a:endParaRPr kumimoji="1" lang="zh-CN" altLang="en-US" sz="1600" dirty="0">
+              <a:latin typeface="Consolas" panose="020B0609020204030204" pitchFamily="49" charset="0"/>
+              <a:ea typeface="FangSong" panose="02010609060101010101" pitchFamily="49" charset="-122"/>
+              <a:cs typeface="Consolas" panose="020B0609020204030204" pitchFamily="49" charset="0"/>
+            </a:endParaRPr>
+          </a:p>
+        </p:txBody>
+      </p:sp>
+      <p:sp>
+        <p:nvSpPr>
+          <p:cNvPr id="20" name="Oval 19">
+            <a:extLst>
+              <a:ext uri="{FF2B5EF4-FFF2-40B4-BE49-F238E27FC236}">
+                <a16:creationId xmlns:a16="http://schemas.microsoft.com/office/drawing/2014/main" id="{06686E91-AFFC-B58D-21B4-BDCD88A8F5EF}"/>
+              </a:ext>
+            </a:extLst>
+          </p:cNvPr>
+          <p:cNvSpPr/>
+          <p:nvPr/>
+        </p:nvSpPr>
+        <p:spPr>
+          <a:xfrm>
+            <a:off x="4888089" y="5516279"/>
+            <a:ext cx="699911" cy="743275"/>
+          </a:xfrm>
+          <a:prstGeom prst="ellipse">
+            <a:avLst/>
+          </a:prstGeom>
+          <a:solidFill>
+            <a:schemeClr val="lt1">
+              <a:alpha val="75518"/>
+            </a:schemeClr>
+          </a:solidFill>
+        </p:spPr>
+        <p:style>
+          <a:lnRef idx="2">
+            <a:schemeClr val="accent5"/>
+          </a:lnRef>
+          <a:fillRef idx="1">
+            <a:schemeClr val="lt1"/>
+          </a:fillRef>
+          <a:effectRef idx="0">
+            <a:schemeClr val="accent5"/>
+          </a:effectRef>
+          <a:fontRef idx="minor">
+            <a:schemeClr val="dk1"/>
+          </a:fontRef>
+        </p:style>
+        <p:txBody>
+          <a:bodyPr rtlCol="0" anchor="ctr"/>
+          <a:lstStyle/>
+          <a:p>
+            <a:pPr algn="ctr"/>
+            <a:endParaRPr kumimoji="1" lang="zh-CN" altLang="en-US" sz="1600" dirty="0">
+              <a:latin typeface="Consolas" panose="020B0609020204030204" pitchFamily="49" charset="0"/>
+              <a:ea typeface="FangSong" panose="02010609060101010101" pitchFamily="49" charset="-122"/>
+              <a:cs typeface="Consolas" panose="020B0609020204030204" pitchFamily="49" charset="0"/>
+            </a:endParaRPr>
+          </a:p>
+        </p:txBody>
+      </p:sp>
+      <p:cxnSp>
+        <p:nvCxnSpPr>
+          <p:cNvPr id="22" name="Straight Arrow Connector 21">
+            <a:extLst>
+              <a:ext uri="{FF2B5EF4-FFF2-40B4-BE49-F238E27FC236}">
+                <a16:creationId xmlns:a16="http://schemas.microsoft.com/office/drawing/2014/main" id="{1FFE3F3E-9430-B3EE-4AA1-77DB89C7A9E7}"/>
+              </a:ext>
+            </a:extLst>
+          </p:cNvPr>
+          <p:cNvCxnSpPr>
+            <a:stCxn id="19" idx="6"/>
+            <a:endCxn id="20" idx="2"/>
+          </p:cNvCxnSpPr>
+          <p:nvPr/>
+        </p:nvCxnSpPr>
+        <p:spPr>
+          <a:xfrm flipV="1">
+            <a:off x="3939822" y="5887917"/>
+            <a:ext cx="948267" cy="17068"/>
+          </a:xfrm>
+          <a:prstGeom prst="straightConnector1">
+            <a:avLst/>
+          </a:prstGeom>
+          <a:ln>
+            <a:tailEnd type="triangle"/>
+          </a:ln>
+        </p:spPr>
+        <p:style>
+          <a:lnRef idx="1">
+            <a:schemeClr val="accent1"/>
+          </a:lnRef>
+          <a:fillRef idx="0">
+            <a:schemeClr val="accent1"/>
+          </a:fillRef>
+          <a:effectRef idx="0">
+            <a:schemeClr val="accent1"/>
+          </a:effectRef>
+          <a:fontRef idx="minor">
+            <a:schemeClr val="tx1"/>
+          </a:fontRef>
+        </p:style>
+      </p:cxnSp>
+      <p:sp>
+        <p:nvSpPr>
+          <p:cNvPr id="23" name="TextBox 22">
+            <a:extLst>
+              <a:ext uri="{FF2B5EF4-FFF2-40B4-BE49-F238E27FC236}">
+                <a16:creationId xmlns:a16="http://schemas.microsoft.com/office/drawing/2014/main" id="{756C6C3F-046C-EB19-FCE7-275B86ABA877}"/>
+              </a:ext>
+            </a:extLst>
+          </p:cNvPr>
+          <p:cNvSpPr txBox="1"/>
+          <p:nvPr/>
+        </p:nvSpPr>
+        <p:spPr>
+          <a:xfrm>
+            <a:off x="4292306" y="5666561"/>
+            <a:ext cx="312906" cy="369332"/>
+          </a:xfrm>
+          <a:prstGeom prst="rect">
+            <a:avLst/>
+          </a:prstGeom>
+          <a:noFill/>
+        </p:spPr>
+        <p:txBody>
+          <a:bodyPr wrap="none" rtlCol="0">
+            <a:spAutoFit/>
+          </a:bodyPr>
+          <a:lstStyle/>
+          <a:p>
+            <a:pPr algn="l"/>
+            <a:r>
+              <a:rPr kumimoji="1" lang="en-US" altLang="zh-CN" dirty="0"/>
+              <a:t>1</a:t>
+            </a:r>
+            <a:endParaRPr kumimoji="1" lang="zh-CN" altLang="en-US" dirty="0"/>
+          </a:p>
+        </p:txBody>
+      </p:sp>
+      <p:cxnSp>
+        <p:nvCxnSpPr>
+          <p:cNvPr id="24" name="Straight Arrow Connector 23">
+            <a:extLst>
+              <a:ext uri="{FF2B5EF4-FFF2-40B4-BE49-F238E27FC236}">
+                <a16:creationId xmlns:a16="http://schemas.microsoft.com/office/drawing/2014/main" id="{2AD6DEC0-06BC-2BC3-6350-A6EC16D78EB7}"/>
+              </a:ext>
+            </a:extLst>
+          </p:cNvPr>
+          <p:cNvCxnSpPr>
+            <a:cxnSpLocks/>
+            <a:endCxn id="20" idx="1"/>
+          </p:cNvCxnSpPr>
+          <p:nvPr/>
+        </p:nvCxnSpPr>
+        <p:spPr>
+          <a:xfrm>
+            <a:off x="3801532" y="5621731"/>
+            <a:ext cx="1189057" cy="3398"/>
+          </a:xfrm>
+          <a:prstGeom prst="straightConnector1">
+            <a:avLst/>
+          </a:prstGeom>
+          <a:ln>
+            <a:tailEnd type="triangle"/>
+          </a:ln>
+        </p:spPr>
+        <p:style>
+          <a:lnRef idx="1">
+            <a:schemeClr val="accent1"/>
+          </a:lnRef>
+          <a:fillRef idx="0">
+            <a:schemeClr val="accent1"/>
+          </a:fillRef>
+          <a:effectRef idx="0">
+            <a:schemeClr val="accent1"/>
+          </a:effectRef>
+          <a:fontRef idx="minor">
+            <a:schemeClr val="tx1"/>
+          </a:fontRef>
+        </p:style>
+      </p:cxnSp>
+      <p:cxnSp>
+        <p:nvCxnSpPr>
+          <p:cNvPr id="26" name="Straight Arrow Connector 25">
+            <a:extLst>
+              <a:ext uri="{FF2B5EF4-FFF2-40B4-BE49-F238E27FC236}">
+                <a16:creationId xmlns:a16="http://schemas.microsoft.com/office/drawing/2014/main" id="{1DEDEB4C-752A-3A27-5DB4-7345A18843CC}"/>
+              </a:ext>
+            </a:extLst>
+          </p:cNvPr>
+          <p:cNvCxnSpPr>
+            <a:cxnSpLocks/>
+          </p:cNvCxnSpPr>
+          <p:nvPr/>
+        </p:nvCxnSpPr>
+        <p:spPr>
+          <a:xfrm>
+            <a:off x="3819426" y="6232019"/>
+            <a:ext cx="1189057" cy="3398"/>
+          </a:xfrm>
+          <a:prstGeom prst="straightConnector1">
+            <a:avLst/>
+          </a:prstGeom>
+          <a:ln>
+            <a:tailEnd type="triangle"/>
+          </a:ln>
+        </p:spPr>
+        <p:style>
+          <a:lnRef idx="1">
+            <a:schemeClr val="accent1"/>
+          </a:lnRef>
+          <a:fillRef idx="0">
+            <a:schemeClr val="accent1"/>
+          </a:fillRef>
+          <a:effectRef idx="0">
+            <a:schemeClr val="accent1"/>
+          </a:effectRef>
+          <a:fontRef idx="minor">
+            <a:schemeClr val="tx1"/>
+          </a:fontRef>
+        </p:style>
+      </p:cxnSp>
+      <p:sp>
+        <p:nvSpPr>
+          <p:cNvPr id="27" name="TextBox 26">
+            <a:extLst>
+              <a:ext uri="{FF2B5EF4-FFF2-40B4-BE49-F238E27FC236}">
+                <a16:creationId xmlns:a16="http://schemas.microsoft.com/office/drawing/2014/main" id="{92A43438-10B8-A172-4956-3F8F718816E1}"/>
+              </a:ext>
+            </a:extLst>
+          </p:cNvPr>
+          <p:cNvSpPr txBox="1"/>
+          <p:nvPr/>
+        </p:nvSpPr>
+        <p:spPr>
+          <a:xfrm>
+            <a:off x="4313255" y="5360750"/>
+            <a:ext cx="552267" cy="369332"/>
+          </a:xfrm>
+          <a:prstGeom prst="rect">
+            <a:avLst/>
+          </a:prstGeom>
+          <a:noFill/>
+        </p:spPr>
+        <p:txBody>
+          <a:bodyPr wrap="none" rtlCol="0">
+            <a:spAutoFit/>
+          </a:bodyPr>
+          <a:lstStyle/>
+          <a:p>
+            <a:pPr algn="l"/>
+            <a:r>
+              <a:rPr kumimoji="1" lang="en-US" altLang="zh-CN" dirty="0"/>
+              <a:t>114</a:t>
+            </a:r>
+            <a:endParaRPr kumimoji="1" lang="zh-CN" altLang="en-US" dirty="0"/>
+          </a:p>
+        </p:txBody>
+      </p:sp>
+      <p:sp>
+        <p:nvSpPr>
+          <p:cNvPr id="28" name="TextBox 27">
+            <a:extLst>
+              <a:ext uri="{FF2B5EF4-FFF2-40B4-BE49-F238E27FC236}">
+                <a16:creationId xmlns:a16="http://schemas.microsoft.com/office/drawing/2014/main" id="{9922FD5D-8D23-C88A-4A1F-AEB3BA8850AC}"/>
+              </a:ext>
+            </a:extLst>
+          </p:cNvPr>
+          <p:cNvSpPr txBox="1"/>
+          <p:nvPr/>
+        </p:nvSpPr>
+        <p:spPr>
+          <a:xfrm>
+            <a:off x="4222699" y="5949290"/>
+            <a:ext cx="569387" cy="369332"/>
+          </a:xfrm>
+          <a:prstGeom prst="rect">
+            <a:avLst/>
+          </a:prstGeom>
+          <a:noFill/>
+        </p:spPr>
+        <p:txBody>
+          <a:bodyPr wrap="none" rtlCol="0">
+            <a:spAutoFit/>
+          </a:bodyPr>
+          <a:lstStyle/>
+          <a:p>
+            <a:pPr algn="l"/>
+            <a:r>
+              <a:rPr kumimoji="1" lang="en-US" altLang="zh-CN" dirty="0"/>
+              <a:t>514</a:t>
+            </a:r>
+            <a:endParaRPr kumimoji="1" lang="zh-CN" altLang="en-US" dirty="0"/>
+          </a:p>
+        </p:txBody>
+      </p:sp>
+      <p:sp>
+        <p:nvSpPr>
+          <p:cNvPr id="29" name="Cloud Callout 28">
+            <a:extLst>
+              <a:ext uri="{FF2B5EF4-FFF2-40B4-BE49-F238E27FC236}">
+                <a16:creationId xmlns:a16="http://schemas.microsoft.com/office/drawing/2014/main" id="{43EA74D9-38A0-933F-26A0-BDEBFBEE0AC4}"/>
+              </a:ext>
+            </a:extLst>
+          </p:cNvPr>
+          <p:cNvSpPr/>
+          <p:nvPr/>
+        </p:nvSpPr>
+        <p:spPr>
+          <a:xfrm>
+            <a:off x="5339639" y="5741781"/>
+            <a:ext cx="1591733" cy="496711"/>
+          </a:xfrm>
+          <a:prstGeom prst="cloudCallout">
+            <a:avLst>
+              <a:gd name="adj1" fmla="val -91046"/>
+              <a:gd name="adj2" fmla="val -14773"/>
+            </a:avLst>
+          </a:prstGeom>
+          <a:solidFill>
+            <a:schemeClr val="lt1">
+              <a:alpha val="75518"/>
+            </a:schemeClr>
+          </a:solidFill>
+        </p:spPr>
+        <p:style>
+          <a:lnRef idx="2">
+            <a:schemeClr val="accent5"/>
+          </a:lnRef>
+          <a:fillRef idx="1">
+            <a:schemeClr val="lt1"/>
+          </a:fillRef>
+          <a:effectRef idx="0">
+            <a:schemeClr val="accent5"/>
+          </a:effectRef>
+          <a:fontRef idx="minor">
+            <a:schemeClr val="dk1"/>
+          </a:fontRef>
+        </p:style>
+        <p:txBody>
+          <a:bodyPr rtlCol="0" anchor="ctr"/>
+          <a:lstStyle/>
+          <a:p>
+            <a:pPr algn="ctr"/>
+            <a:r>
+              <a:rPr kumimoji="1" lang="en-US" altLang="zh-CN" sz="1600" dirty="0">
+                <a:latin typeface="Consolas" panose="020B0609020204030204" pitchFamily="49" charset="0"/>
+                <a:ea typeface="FangSong" panose="02010609060101010101" pitchFamily="49" charset="-122"/>
+                <a:cs typeface="Consolas" panose="020B0609020204030204" pitchFamily="49" charset="0"/>
+              </a:rPr>
+              <a:t>safe</a:t>
+            </a:r>
+            <a:endParaRPr kumimoji="1" lang="zh-CN" altLang="en-US" sz="1600" dirty="0">
+              <a:latin typeface="Consolas" panose="020B0609020204030204" pitchFamily="49" charset="0"/>
+              <a:ea typeface="FangSong" panose="02010609060101010101" pitchFamily="49" charset="-122"/>
+              <a:cs typeface="Consolas" panose="020B0609020204030204" pitchFamily="49" charset="0"/>
+            </a:endParaRPr>
+          </a:p>
+        </p:txBody>
+      </p:sp>
+    </p:spTree>
+    <p:extLst>
+      <p:ext uri="{BB962C8B-B14F-4D97-AF65-F5344CB8AC3E}">
+        <p14:creationId xmlns:p14="http://schemas.microsoft.com/office/powerpoint/2010/main" val="3367901578"/>
+      </p:ext>
+    </p:extLst>
+  </p:cSld>
+  <p:clrMapOvr>
+    <a:masterClrMapping/>
+  </p:clrMapOvr>
+</p:sld>
+</file>
+
+<file path=ppt/slides/slide5.xml><?xml version="1.0" encoding="utf-8"?>
+<p:sld xmlns:a="http://schemas.openxmlformats.org/drawingml/2006/main" xmlns:r="http://schemas.openxmlformats.org/officeDocument/2006/relationships" xmlns:p="http://schemas.openxmlformats.org/presentationml/2006/main">
+  <p:cSld>
+    <p:spTree>
+      <p:nvGrpSpPr>
+        <p:cNvPr id="1" name=""/>
+        <p:cNvGrpSpPr/>
+        <p:nvPr/>
+      </p:nvGrpSpPr>
+      <p:grpSpPr>
+        <a:xfrm>
+          <a:off x="0" y="0"/>
+          <a:ext cx="0" cy="0"/>
+          <a:chOff x="0" y="0"/>
+          <a:chExt cx="0" cy="0"/>
+        </a:xfrm>
+      </p:grpSpPr>
+      <p:sp>
+        <p:nvSpPr>
+          <p:cNvPr id="2" name="Slide Number Placeholder 1">
+            <a:extLst>
+              <a:ext uri="{FF2B5EF4-FFF2-40B4-BE49-F238E27FC236}">
+                <a16:creationId xmlns:a16="http://schemas.microsoft.com/office/drawing/2014/main" id="{3EA3DAE4-68F4-D013-F55A-8AAE0CFE735B}"/>
+              </a:ext>
+            </a:extLst>
+          </p:cNvPr>
+          <p:cNvSpPr>
+            <a:spLocks noGrp="1"/>
+          </p:cNvSpPr>
+          <p:nvPr>
+            <p:ph type="sldNum" sz="quarter" idx="12"/>
+          </p:nvPr>
+        </p:nvSpPr>
+        <p:spPr/>
+        <p:txBody>
+          <a:bodyPr/>
+          <a:lstStyle/>
+          <a:p>
+            <a:fld id="{7A304655-5D53-B746-8252-3F5A598C52D3}" type="slidenum">
+              <a:rPr lang="en-CN" smtClean="0"/>
+              <a:pPr/>
+              <a:t>5</a:t>
+            </a:fld>
+            <a:endParaRPr lang="en-CN"/>
+          </a:p>
+        </p:txBody>
+      </p:sp>
+      <p:sp>
+        <p:nvSpPr>
+          <p:cNvPr id="3" name="Title 2">
+            <a:extLst>
+              <a:ext uri="{FF2B5EF4-FFF2-40B4-BE49-F238E27FC236}">
+                <a16:creationId xmlns:a16="http://schemas.microsoft.com/office/drawing/2014/main" id="{B8D75F0C-D8BD-0BA0-FD67-6F13D1DC1CCB}"/>
+              </a:ext>
+            </a:extLst>
+          </p:cNvPr>
+          <p:cNvSpPr>
+            <a:spLocks noGrp="1"/>
+          </p:cNvSpPr>
+          <p:nvPr>
+            <p:ph type="title"/>
+          </p:nvPr>
+        </p:nvSpPr>
+        <p:spPr/>
+        <p:txBody>
+          <a:bodyPr/>
+          <a:lstStyle/>
+          <a:p>
+            <a:r>
+              <a:rPr kumimoji="1" lang="en-US" altLang="zh-CN" dirty="0"/>
+              <a:t>MST</a:t>
+            </a:r>
+            <a:r>
+              <a:rPr kumimoji="1" lang="zh-CN" altLang="en-US" dirty="0"/>
+              <a:t>包含所有的</a:t>
+            </a:r>
+            <a:r>
+              <a:rPr kumimoji="1" lang="en-US" altLang="zh-CN" dirty="0"/>
+              <a:t>safe</a:t>
+            </a:r>
+            <a:r>
+              <a:rPr kumimoji="1" lang="zh-CN" altLang="en-US" dirty="0"/>
+              <a:t>边</a:t>
+            </a:r>
+          </a:p>
+        </p:txBody>
+      </p:sp>
+      <p:pic>
+        <p:nvPicPr>
+          <p:cNvPr id="4" name="Picture 3">
+            <a:extLst>
+              <a:ext uri="{FF2B5EF4-FFF2-40B4-BE49-F238E27FC236}">
+                <a16:creationId xmlns:a16="http://schemas.microsoft.com/office/drawing/2014/main" id="{F7702750-0B74-ED09-CED0-F5BA3E8B6B34}"/>
+              </a:ext>
+            </a:extLst>
+          </p:cNvPr>
+          <p:cNvPicPr>
+            <a:picLocks noChangeAspect="1"/>
+          </p:cNvPicPr>
+          <p:nvPr/>
+        </p:nvPicPr>
+        <p:blipFill>
+          <a:blip r:embed="rId2"/>
+          <a:stretch>
+            <a:fillRect/>
+          </a:stretch>
+        </p:blipFill>
+        <p:spPr>
+          <a:xfrm>
+            <a:off x="628650" y="1126773"/>
+            <a:ext cx="7731104" cy="365124"/>
+          </a:xfrm>
+          <a:prstGeom prst="rect">
+            <a:avLst/>
+          </a:prstGeom>
+        </p:spPr>
+      </p:pic>
+      <mc:AlternateContent xmlns:mc="http://schemas.openxmlformats.org/markup-compatibility/2006" xmlns:a14="http://schemas.microsoft.com/office/drawing/2010/main">
+        <mc:Choice Requires="a14">
+          <p:sp>
+            <p:nvSpPr>
+              <p:cNvPr id="5" name="TextBox 4">
+                <a:extLst>
+                  <a:ext uri="{FF2B5EF4-FFF2-40B4-BE49-F238E27FC236}">
+                    <a16:creationId xmlns:a16="http://schemas.microsoft.com/office/drawing/2014/main" id="{FE4D4FD3-90AC-E555-6E7F-9FB517806AED}"/>
+                  </a:ext>
+                </a:extLst>
+              </p:cNvPr>
+              <p:cNvSpPr txBox="1"/>
+              <p:nvPr/>
+            </p:nvSpPr>
+            <p:spPr>
+              <a:xfrm>
+                <a:off x="620888" y="1616345"/>
+                <a:ext cx="8340177" cy="4154984"/>
+              </a:xfrm>
+              <a:prstGeom prst="rect">
+                <a:avLst/>
+              </a:prstGeom>
+              <a:noFill/>
+            </p:spPr>
+            <p:txBody>
+              <a:bodyPr wrap="square" rtlCol="0">
+                <a:spAutoFit/>
+              </a:bodyPr>
+              <a:lstStyle/>
+              <a:p>
+                <a:pPr marL="342900" indent="-342900" algn="l">
+                  <a:buFont typeface="Arial" panose="020B0604020202020204" pitchFamily="34" charset="0"/>
+                  <a:buChar char="•"/>
+                </a:pPr>
+                <a:r>
+                  <a:rPr lang="en-US" altLang="zh-CN" sz="2400" b="0" i="0" dirty="0">
+                    <a:effectLst/>
+                    <a:latin typeface="Arial" panose="020B0604020202020204" pitchFamily="34" charset="0"/>
+                  </a:rPr>
+                  <a:t>Claim:</a:t>
+                </a:r>
+                <a:r>
+                  <a:rPr lang="zh-CN" altLang="en-US" sz="2400" b="0" i="0" dirty="0">
+                    <a:effectLst/>
+                    <a:latin typeface="Arial" panose="020B0604020202020204" pitchFamily="34" charset="0"/>
+                  </a:rPr>
+                  <a:t> </a:t>
+                </a:r>
+                <a:r>
+                  <a:rPr lang="en-US" sz="2400" b="0" i="0" dirty="0">
+                    <a:effectLst/>
+                    <a:latin typeface="Arial" panose="020B0604020202020204" pitchFamily="34" charset="0"/>
+                  </a:rPr>
+                  <a:t>minimum spanning tree of </a:t>
+                </a:r>
+                <a14:m>
+                  <m:oMath xmlns:m="http://schemas.openxmlformats.org/officeDocument/2006/math">
+                    <m:r>
+                      <a:rPr lang="en-US" sz="2400" b="0" i="1" dirty="0" smtClean="0">
+                        <a:effectLst/>
+                        <a:latin typeface="Cambria Math" panose="02040503050406030204" pitchFamily="18" charset="0"/>
+                      </a:rPr>
+                      <m:t>𝐺</m:t>
+                    </m:r>
+                  </m:oMath>
+                </a14:m>
+                <a:r>
+                  <a:rPr lang="en-US" sz="2400" b="0" i="0" dirty="0">
+                    <a:effectLst/>
+                    <a:latin typeface="Arial" panose="020B0604020202020204" pitchFamily="34" charset="0"/>
+                  </a:rPr>
+                  <a:t> contains the minimum-weight</a:t>
+                </a:r>
+                <a:r>
+                  <a:rPr lang="zh-CN" altLang="en-US" sz="2400" b="0" i="0" dirty="0">
+                    <a:effectLst/>
+                    <a:latin typeface="Arial" panose="020B0604020202020204" pitchFamily="34" charset="0"/>
+                  </a:rPr>
+                  <a:t> </a:t>
+                </a:r>
+                <a:r>
+                  <a:rPr lang="en-US" sz="2400" b="0" i="0" dirty="0">
+                    <a:effectLst/>
+                    <a:latin typeface="Arial" panose="020B0604020202020204" pitchFamily="34" charset="0"/>
+                  </a:rPr>
+                  <a:t>edge with exactly one endpoint in </a:t>
+                </a:r>
+                <a14:m>
+                  <m:oMath xmlns:m="http://schemas.openxmlformats.org/officeDocument/2006/math">
+                    <m:r>
+                      <a:rPr lang="en-US" sz="2400" b="0" i="1" dirty="0" smtClean="0">
+                        <a:effectLst/>
+                        <a:latin typeface="Cambria Math" panose="02040503050406030204" pitchFamily="18" charset="0"/>
+                      </a:rPr>
+                      <m:t>𝑆</m:t>
+                    </m:r>
+                    <m:r>
+                      <a:rPr lang="en-US" sz="2400" b="0" i="1" dirty="0" smtClean="0">
+                        <a:effectLst/>
+                        <a:latin typeface="Cambria Math" panose="02040503050406030204" pitchFamily="18" charset="0"/>
+                        <a:ea typeface="Cambria Math" panose="02040503050406030204" pitchFamily="18" charset="0"/>
+                      </a:rPr>
+                      <m:t>⊆</m:t>
+                    </m:r>
+                    <m:r>
+                      <a:rPr lang="en-US" altLang="zh-CN" sz="2400" b="0" i="1" dirty="0" smtClean="0">
+                        <a:effectLst/>
+                        <a:latin typeface="Cambria Math" panose="02040503050406030204" pitchFamily="18" charset="0"/>
+                        <a:ea typeface="Cambria Math" panose="02040503050406030204" pitchFamily="18" charset="0"/>
+                      </a:rPr>
+                      <m:t>𝐺</m:t>
+                    </m:r>
+                    <m:r>
+                      <a:rPr lang="en-US" altLang="zh-CN" sz="2400" b="0" i="0" dirty="0" smtClean="0">
+                        <a:effectLst/>
+                        <a:latin typeface="Cambria Math" panose="02040503050406030204" pitchFamily="18" charset="0"/>
+                        <a:ea typeface="Cambria Math" panose="02040503050406030204" pitchFamily="18" charset="0"/>
+                      </a:rPr>
+                      <m:t>.</m:t>
+                    </m:r>
+                  </m:oMath>
+                </a14:m>
+                <a:endParaRPr lang="en-US" altLang="zh-CN" sz="2400" b="0" i="0" dirty="0">
+                  <a:effectLst/>
+                  <a:latin typeface="Arial" panose="020B0604020202020204" pitchFamily="34" charset="0"/>
+                  <a:ea typeface="Cambria Math" panose="02040503050406030204" pitchFamily="18" charset="0"/>
+                </a:endParaRPr>
+              </a:p>
+              <a:p>
+                <a:pPr marL="342900" indent="-342900" algn="l">
+                  <a:buFont typeface="Arial" panose="020B0604020202020204" pitchFamily="34" charset="0"/>
+                  <a:buChar char="•"/>
+                </a:pPr>
+                <a:endParaRPr kumimoji="1" lang="en-US" altLang="zh-CN" sz="2400" dirty="0"/>
+              </a:p>
+              <a:p>
+                <a:pPr marL="342900" indent="-342900" algn="l">
+                  <a:buFont typeface="Arial" panose="020B0604020202020204" pitchFamily="34" charset="0"/>
+                  <a:buChar char="•"/>
+                </a:pPr>
+                <a:endParaRPr kumimoji="1" lang="en-US" altLang="zh-CN" sz="2400" dirty="0"/>
+              </a:p>
+              <a:p>
+                <a:pPr marL="342900" indent="-342900" algn="l">
+                  <a:buFont typeface="Arial" panose="020B0604020202020204" pitchFamily="34" charset="0"/>
+                  <a:buChar char="•"/>
+                </a:pPr>
+                <a:endParaRPr kumimoji="1" lang="en-US" altLang="zh-CN" sz="2400" dirty="0"/>
+              </a:p>
+              <a:p>
+                <a:pPr marL="342900" indent="-342900" algn="l">
+                  <a:buFont typeface="Arial" panose="020B0604020202020204" pitchFamily="34" charset="0"/>
+                  <a:buChar char="•"/>
+                </a:pPr>
+                <a:endParaRPr kumimoji="1" lang="en-US" altLang="zh-CN" sz="2400" dirty="0"/>
+              </a:p>
+              <a:p>
+                <a:pPr marL="342900" indent="-342900" algn="l">
+                  <a:buFont typeface="Arial" panose="020B0604020202020204" pitchFamily="34" charset="0"/>
+                  <a:buChar char="•"/>
+                </a:pPr>
+                <a:endParaRPr kumimoji="1" lang="en-US" altLang="zh-CN" sz="2400" dirty="0"/>
+              </a:p>
+              <a:p>
+                <a:pPr marL="342900" indent="-342900" algn="l">
+                  <a:buFont typeface="Arial" panose="020B0604020202020204" pitchFamily="34" charset="0"/>
+                  <a:buChar char="•"/>
+                </a:pPr>
+                <a:r>
+                  <a:rPr kumimoji="1" lang="en-US" altLang="zh-CN" sz="2400" dirty="0"/>
+                  <a:t>Let</a:t>
+                </a:r>
+                <a:r>
+                  <a:rPr kumimoji="1" lang="zh-CN" altLang="en-US" sz="2400" dirty="0"/>
+                  <a:t> </a:t>
+                </a:r>
+                <a14:m>
+                  <m:oMath xmlns:m="http://schemas.openxmlformats.org/officeDocument/2006/math">
+                    <m:r>
+                      <a:rPr kumimoji="1" lang="en-US" altLang="zh-CN" sz="2400" i="1" dirty="0" smtClean="0">
+                        <a:latin typeface="Cambria Math" panose="02040503050406030204" pitchFamily="18" charset="0"/>
+                      </a:rPr>
+                      <m:t>𝑇</m:t>
+                    </m:r>
+                  </m:oMath>
+                </a14:m>
+                <a:r>
+                  <a:rPr kumimoji="1" lang="zh-CN" altLang="en-US" sz="2400" dirty="0"/>
+                  <a:t> </a:t>
+                </a:r>
+                <a:r>
+                  <a:rPr kumimoji="1" lang="en-US" altLang="zh-CN" sz="2400" dirty="0"/>
+                  <a:t>be</a:t>
+                </a:r>
+                <a:r>
+                  <a:rPr kumimoji="1" lang="zh-CN" altLang="en-US" sz="2400" dirty="0"/>
+                  <a:t> </a:t>
+                </a:r>
+                <a:r>
+                  <a:rPr kumimoji="1" lang="en-US" altLang="zh-CN" sz="2400" dirty="0"/>
+                  <a:t>arbitrary</a:t>
+                </a:r>
+                <a:r>
+                  <a:rPr kumimoji="1" lang="zh-CN" altLang="en-US" sz="2400" dirty="0"/>
+                  <a:t> </a:t>
+                </a:r>
+                <a:r>
+                  <a:rPr kumimoji="1" lang="en-US" altLang="zh-CN" sz="2400" dirty="0"/>
+                  <a:t>spanning</a:t>
+                </a:r>
+                <a:r>
+                  <a:rPr kumimoji="1" lang="zh-CN" altLang="en-US" sz="2400" dirty="0"/>
+                  <a:t> </a:t>
+                </a:r>
+                <a:r>
+                  <a:rPr kumimoji="1" lang="en-US" altLang="zh-CN" sz="2400" dirty="0"/>
+                  <a:t>tree</a:t>
+                </a:r>
+                <a:r>
+                  <a:rPr kumimoji="1" lang="zh-CN" altLang="en-US" sz="2400" dirty="0"/>
+                  <a:t> </a:t>
+                </a:r>
+                <a:r>
+                  <a:rPr kumimoji="1" lang="en-US" altLang="zh-CN" sz="2400" dirty="0"/>
+                  <a:t>don’t</a:t>
+                </a:r>
+                <a:r>
+                  <a:rPr kumimoji="1" lang="zh-CN" altLang="en-US" sz="2400" dirty="0"/>
+                  <a:t> </a:t>
+                </a:r>
+                <a:r>
+                  <a:rPr kumimoji="1" lang="en-US" altLang="zh-CN" sz="2400" dirty="0"/>
+                  <a:t>contain</a:t>
+                </a:r>
+                <a:r>
+                  <a:rPr kumimoji="1" lang="zh-CN" altLang="en-US" sz="2400" dirty="0"/>
+                  <a:t> </a:t>
+                </a:r>
+                <a14:m>
+                  <m:oMath xmlns:m="http://schemas.openxmlformats.org/officeDocument/2006/math">
+                    <m:r>
+                      <a:rPr kumimoji="1" lang="en-US" altLang="zh-CN" sz="2400" i="1" dirty="0" smtClean="0">
+                        <a:latin typeface="Cambria Math" panose="02040503050406030204" pitchFamily="18" charset="0"/>
+                      </a:rPr>
+                      <m:t>𝑒</m:t>
+                    </m:r>
+                  </m:oMath>
+                </a14:m>
+                <a:endParaRPr kumimoji="1" lang="en-US" altLang="zh-CN" sz="2400" dirty="0"/>
+              </a:p>
+              <a:p>
+                <a:pPr marL="800100" lvl="1" indent="-342900">
+                  <a:buFont typeface="Arial" panose="020B0604020202020204" pitchFamily="34" charset="0"/>
+                  <a:buChar char="•"/>
+                </a:pPr>
+                <a14:m>
+                  <m:oMath xmlns:m="http://schemas.openxmlformats.org/officeDocument/2006/math">
+                    <m:r>
+                      <a:rPr kumimoji="1" lang="en-US" altLang="zh-CN" sz="2400" i="1" dirty="0" smtClean="0">
+                        <a:latin typeface="Cambria Math" panose="02040503050406030204" pitchFamily="18" charset="0"/>
+                      </a:rPr>
+                      <m:t>𝑇</m:t>
+                    </m:r>
+                  </m:oMath>
+                </a14:m>
+                <a:r>
+                  <a:rPr kumimoji="1" lang="zh-CN" altLang="en-US" sz="2400" dirty="0"/>
+                  <a:t> </a:t>
+                </a:r>
+                <a:r>
+                  <a:rPr kumimoji="1" lang="en-US" altLang="zh-CN" sz="2400" dirty="0"/>
+                  <a:t>connected,</a:t>
+                </a:r>
+                <a:r>
+                  <a:rPr kumimoji="1" lang="zh-CN" altLang="en-US" sz="2400" dirty="0"/>
+                  <a:t> </a:t>
+                </a:r>
+                <a:r>
+                  <a:rPr kumimoji="1" lang="en-US" altLang="zh-CN" sz="2400" dirty="0"/>
+                  <a:t>contains</a:t>
+                </a:r>
+                <a:r>
+                  <a:rPr kumimoji="1" lang="zh-CN" altLang="en-US" sz="2400" dirty="0"/>
+                  <a:t> </a:t>
+                </a:r>
+                <a:r>
+                  <a:rPr kumimoji="1" lang="en-US" altLang="zh-CN" sz="2400" dirty="0"/>
+                  <a:t>edge</a:t>
+                </a:r>
+                <a:r>
+                  <a:rPr kumimoji="1" lang="zh-CN" altLang="en-US" sz="2400" dirty="0"/>
+                  <a:t> </a:t>
+                </a:r>
+                <a14:m>
+                  <m:oMath xmlns:m="http://schemas.openxmlformats.org/officeDocument/2006/math">
+                    <m:r>
+                      <a:rPr kumimoji="1" lang="en-US" altLang="zh-CN" sz="2400" i="1" dirty="0" smtClean="0">
+                        <a:latin typeface="Cambria Math" panose="02040503050406030204" pitchFamily="18" charset="0"/>
+                      </a:rPr>
+                      <m:t>𝑒</m:t>
+                    </m:r>
+                    <m:r>
+                      <a:rPr kumimoji="1" lang="en-US" altLang="zh-CN" sz="2400" i="1" dirty="0" smtClean="0">
+                        <a:latin typeface="Cambria Math" panose="02040503050406030204" pitchFamily="18" charset="0"/>
+                      </a:rPr>
+                      <m:t>’:</m:t>
+                    </m:r>
+                    <m:r>
+                      <a:rPr kumimoji="1" lang="zh-CN" altLang="en-US" sz="2400" i="1" dirty="0" smtClean="0">
+                        <a:latin typeface="Cambria Math" panose="02040503050406030204" pitchFamily="18" charset="0"/>
+                      </a:rPr>
+                      <m:t> </m:t>
+                    </m:r>
+                    <m:r>
+                      <a:rPr kumimoji="1" lang="en-US" altLang="zh-CN" sz="2400" i="1" dirty="0" smtClean="0">
+                        <a:latin typeface="Cambria Math" panose="02040503050406030204" pitchFamily="18" charset="0"/>
+                      </a:rPr>
+                      <m:t>𝑢</m:t>
+                    </m:r>
+                    <m:r>
+                      <a:rPr kumimoji="1" lang="en-US" altLang="zh-CN" sz="2400" b="0" i="1" dirty="0" smtClean="0">
+                        <a:latin typeface="Cambria Math" panose="02040503050406030204" pitchFamily="18" charset="0"/>
+                      </a:rPr>
+                      <m:t>→</m:t>
+                    </m:r>
+                    <m:r>
+                      <a:rPr kumimoji="1" lang="zh-CN" altLang="en-US" sz="2400" b="0" i="1" dirty="0" smtClean="0">
+                        <a:latin typeface="Cambria Math" panose="02040503050406030204" pitchFamily="18" charset="0"/>
+                      </a:rPr>
+                      <m:t> </m:t>
+                    </m:r>
+                    <m:r>
+                      <a:rPr kumimoji="1" lang="en-US" altLang="zh-CN" sz="2400" i="1" dirty="0" smtClean="0">
+                        <a:latin typeface="Cambria Math" panose="02040503050406030204" pitchFamily="18" charset="0"/>
+                        <a:sym typeface="Wingdings" pitchFamily="2" charset="2"/>
+                      </a:rPr>
+                      <m:t>?(</m:t>
+                    </m:r>
+                    <m:r>
+                      <m:rPr>
+                        <m:sty m:val="p"/>
+                      </m:rPr>
+                      <a:rPr kumimoji="1" lang="en-US" altLang="zh-CN" sz="2400" i="0" dirty="0" smtClean="0">
+                        <a:latin typeface="Cambria Math" panose="02040503050406030204" pitchFamily="18" charset="0"/>
+                        <a:sym typeface="Wingdings" pitchFamily="2" charset="2"/>
+                      </a:rPr>
+                      <m:t>not</m:t>
+                    </m:r>
+                    <m:r>
+                      <a:rPr kumimoji="1" lang="zh-CN" altLang="en-US" sz="2400" i="1" dirty="0" smtClean="0">
+                        <a:latin typeface="Cambria Math" panose="02040503050406030204" pitchFamily="18" charset="0"/>
+                        <a:sym typeface="Wingdings" pitchFamily="2" charset="2"/>
+                      </a:rPr>
+                      <m:t> </m:t>
+                    </m:r>
+                    <m:r>
+                      <a:rPr kumimoji="1" lang="en-US" altLang="zh-CN" sz="2400" i="1" dirty="0" smtClean="0">
+                        <a:latin typeface="Cambria Math" panose="02040503050406030204" pitchFamily="18" charset="0"/>
+                        <a:sym typeface="Wingdings" pitchFamily="2" charset="2"/>
+                      </a:rPr>
+                      <m:t>𝑣</m:t>
+                    </m:r>
+                    <m:r>
+                      <a:rPr kumimoji="1" lang="en-US" altLang="zh-CN" sz="2400" i="1" dirty="0" smtClean="0">
+                        <a:latin typeface="Cambria Math" panose="02040503050406030204" pitchFamily="18" charset="0"/>
+                        <a:sym typeface="Wingdings" pitchFamily="2" charset="2"/>
+                      </a:rPr>
+                      <m:t>)</m:t>
+                    </m:r>
+                  </m:oMath>
+                </a14:m>
+                <a:endParaRPr kumimoji="1" lang="en-US" altLang="zh-CN" sz="2400" dirty="0"/>
+              </a:p>
+              <a:p>
+                <a:pPr marL="800100" lvl="1" indent="-342900">
+                  <a:buFont typeface="Arial" panose="020B0604020202020204" pitchFamily="34" charset="0"/>
+                  <a:buChar char="•"/>
+                </a:pPr>
+                <a:r>
+                  <a:rPr kumimoji="1" lang="en-US" altLang="zh-CN" sz="2400" dirty="0"/>
+                  <a:t>remove</a:t>
+                </a:r>
+                <a:r>
+                  <a:rPr kumimoji="1" lang="zh-CN" altLang="en-US" sz="2400" dirty="0"/>
+                  <a:t> </a:t>
+                </a:r>
+                <a14:m>
+                  <m:oMath xmlns:m="http://schemas.openxmlformats.org/officeDocument/2006/math">
+                    <m:r>
+                      <a:rPr kumimoji="1" lang="en-US" altLang="zh-CN" sz="2400" i="1" dirty="0" smtClean="0">
+                        <a:latin typeface="Cambria Math" panose="02040503050406030204" pitchFamily="18" charset="0"/>
+                      </a:rPr>
+                      <m:t>𝑒</m:t>
+                    </m:r>
+                    <m:r>
+                      <a:rPr kumimoji="1" lang="en-US" altLang="zh-CN" sz="2400" i="1" dirty="0" smtClean="0">
+                        <a:latin typeface="Cambria Math" panose="02040503050406030204" pitchFamily="18" charset="0"/>
+                      </a:rPr>
+                      <m:t>’</m:t>
+                    </m:r>
+                  </m:oMath>
+                </a14:m>
+                <a:r>
+                  <a:rPr kumimoji="1" lang="en-US" altLang="zh-CN" sz="2400" dirty="0"/>
+                  <a:t>,</a:t>
+                </a:r>
+                <a:r>
+                  <a:rPr kumimoji="1" lang="zh-CN" altLang="en-US" sz="2400" dirty="0"/>
+                  <a:t> </a:t>
+                </a:r>
+                <a:r>
+                  <a:rPr kumimoji="1" lang="en-US" altLang="zh-CN" sz="2400" dirty="0"/>
+                  <a:t>add</a:t>
+                </a:r>
+                <a:r>
+                  <a:rPr kumimoji="1" lang="zh-CN" altLang="en-US" sz="2400" dirty="0"/>
+                  <a:t> </a:t>
+                </a:r>
+                <a14:m>
+                  <m:oMath xmlns:m="http://schemas.openxmlformats.org/officeDocument/2006/math">
+                    <m:r>
+                      <a:rPr kumimoji="1" lang="en-US" altLang="zh-CN" sz="2400" i="1" dirty="0" smtClean="0">
+                        <a:latin typeface="Cambria Math" panose="02040503050406030204" pitchFamily="18" charset="0"/>
+                      </a:rPr>
+                      <m:t>𝑒</m:t>
+                    </m:r>
+                  </m:oMath>
+                </a14:m>
+                <a:r>
+                  <a:rPr kumimoji="1" lang="en-US" altLang="zh-CN" sz="2400" dirty="0"/>
+                  <a:t>,</a:t>
+                </a:r>
+                <a:r>
+                  <a:rPr kumimoji="1" lang="zh-CN" altLang="en-US" sz="2400" dirty="0"/>
+                  <a:t> </a:t>
+                </a:r>
+                <a:r>
+                  <a:rPr kumimoji="1" lang="en-US" altLang="zh-CN" sz="2400" dirty="0"/>
+                  <a:t>getting</a:t>
+                </a:r>
+                <a:r>
+                  <a:rPr kumimoji="1" lang="zh-CN" altLang="en-US" sz="2400" dirty="0"/>
+                  <a:t> </a:t>
+                </a:r>
+                <a14:m>
+                  <m:oMath xmlns:m="http://schemas.openxmlformats.org/officeDocument/2006/math">
+                    <m:r>
+                      <a:rPr kumimoji="1" lang="en-US" altLang="zh-CN" sz="2400" i="1" dirty="0" smtClean="0">
+                        <a:latin typeface="Cambria Math" panose="02040503050406030204" pitchFamily="18" charset="0"/>
+                      </a:rPr>
+                      <m:t>𝑇</m:t>
+                    </m:r>
+                    <m:r>
+                      <a:rPr kumimoji="1" lang="en-US" altLang="zh-CN" sz="2400" i="1" dirty="0" smtClean="0">
+                        <a:latin typeface="Cambria Math" panose="02040503050406030204" pitchFamily="18" charset="0"/>
+                      </a:rPr>
+                      <m:t>’=</m:t>
+                    </m:r>
+                    <m:r>
+                      <a:rPr kumimoji="1" lang="en-US" altLang="zh-CN" sz="2400" i="1" dirty="0" err="1" smtClean="0">
+                        <a:latin typeface="Cambria Math" panose="02040503050406030204" pitchFamily="18" charset="0"/>
+                      </a:rPr>
+                      <m:t>𝑇</m:t>
+                    </m:r>
+                    <m:r>
+                      <a:rPr kumimoji="1" lang="en-US" altLang="zh-CN" sz="2400" i="1" dirty="0" err="1" smtClean="0">
+                        <a:latin typeface="Cambria Math" panose="02040503050406030204" pitchFamily="18" charset="0"/>
+                      </a:rPr>
+                      <m:t>−</m:t>
+                    </m:r>
+                    <m:r>
+                      <a:rPr kumimoji="1" lang="en-US" altLang="zh-CN" sz="2400" i="1" dirty="0" err="1" smtClean="0">
+                        <a:latin typeface="Cambria Math" panose="02040503050406030204" pitchFamily="18" charset="0"/>
+                      </a:rPr>
+                      <m:t>𝑒</m:t>
+                    </m:r>
+                    <m:r>
+                      <a:rPr kumimoji="1" lang="en-US" altLang="zh-CN" sz="2400" i="1" dirty="0" err="1" smtClean="0">
+                        <a:latin typeface="Cambria Math" panose="02040503050406030204" pitchFamily="18" charset="0"/>
+                      </a:rPr>
+                      <m:t>’+</m:t>
+                    </m:r>
+                    <m:r>
+                      <a:rPr kumimoji="1" lang="en-US" altLang="zh-CN" sz="2400" i="1" dirty="0" err="1" smtClean="0">
+                        <a:latin typeface="Cambria Math" panose="02040503050406030204" pitchFamily="18" charset="0"/>
+                      </a:rPr>
+                      <m:t>𝑒</m:t>
+                    </m:r>
+                  </m:oMath>
+                </a14:m>
+                <a:endParaRPr kumimoji="1" lang="en-US" altLang="zh-CN" sz="2400" dirty="0"/>
+              </a:p>
+              <a:p>
+                <a:pPr marL="800100" lvl="1" indent="-342900">
+                  <a:buFont typeface="Arial" panose="020B0604020202020204" pitchFamily="34" charset="0"/>
+                  <a:buChar char="•"/>
+                </a:pPr>
+                <a:r>
+                  <a:rPr kumimoji="1" lang="en-US" altLang="zh-CN" sz="2400" dirty="0"/>
+                  <a:t>But</a:t>
+                </a:r>
+                <a:r>
+                  <a:rPr kumimoji="1" lang="zh-CN" altLang="en-US" sz="2400" dirty="0"/>
+                  <a:t> </a:t>
+                </a:r>
+                <a14:m>
+                  <m:oMath xmlns:m="http://schemas.openxmlformats.org/officeDocument/2006/math">
+                    <m:r>
+                      <a:rPr kumimoji="1" lang="en-US" altLang="zh-CN" sz="2400" i="1" dirty="0" smtClean="0">
+                        <a:latin typeface="Cambria Math" panose="02040503050406030204" pitchFamily="18" charset="0"/>
+                      </a:rPr>
+                      <m:t>𝑤</m:t>
+                    </m:r>
+                    <m:r>
+                      <a:rPr kumimoji="1" lang="en-US" altLang="zh-CN" sz="2400" i="1" dirty="0" smtClean="0">
+                        <a:latin typeface="Cambria Math" panose="02040503050406030204" pitchFamily="18" charset="0"/>
+                      </a:rPr>
+                      <m:t>(</m:t>
+                    </m:r>
+                    <m:r>
+                      <a:rPr kumimoji="1" lang="en-US" altLang="zh-CN" sz="2400" i="1" dirty="0" smtClean="0">
+                        <a:latin typeface="Cambria Math" panose="02040503050406030204" pitchFamily="18" charset="0"/>
+                      </a:rPr>
+                      <m:t>𝑒</m:t>
+                    </m:r>
+                    <m:r>
+                      <a:rPr kumimoji="1" lang="en-US" altLang="zh-CN" sz="2400" i="1" dirty="0" smtClean="0">
+                        <a:latin typeface="Cambria Math" panose="02040503050406030204" pitchFamily="18" charset="0"/>
+                      </a:rPr>
+                      <m:t>’)&gt;</m:t>
+                    </m:r>
+                    <m:r>
+                      <a:rPr kumimoji="1" lang="en-US" altLang="zh-CN" sz="2400" i="1" dirty="0" smtClean="0">
+                        <a:latin typeface="Cambria Math" panose="02040503050406030204" pitchFamily="18" charset="0"/>
+                      </a:rPr>
+                      <m:t>𝑤</m:t>
+                    </m:r>
+                    <m:r>
+                      <a:rPr kumimoji="1" lang="en-US" altLang="zh-CN" sz="2400" i="1" dirty="0" smtClean="0">
+                        <a:latin typeface="Cambria Math" panose="02040503050406030204" pitchFamily="18" charset="0"/>
+                      </a:rPr>
+                      <m:t>(</m:t>
+                    </m:r>
+                    <m:r>
+                      <a:rPr kumimoji="1" lang="en-US" altLang="zh-CN" sz="2400" i="1" dirty="0" smtClean="0">
+                        <a:latin typeface="Cambria Math" panose="02040503050406030204" pitchFamily="18" charset="0"/>
+                      </a:rPr>
+                      <m:t>𝑒</m:t>
+                    </m:r>
+                    <m:r>
+                      <a:rPr kumimoji="1" lang="en-US" altLang="zh-CN" sz="2400" i="1" dirty="0" smtClean="0">
+                        <a:latin typeface="Cambria Math" panose="02040503050406030204" pitchFamily="18" charset="0"/>
+                      </a:rPr>
+                      <m:t>)</m:t>
+                    </m:r>
+                  </m:oMath>
+                </a14:m>
+                <a:r>
+                  <a:rPr kumimoji="1" lang="en-US" altLang="zh-CN" sz="2400" dirty="0"/>
+                  <a:t>,</a:t>
+                </a:r>
+                <a:r>
+                  <a:rPr kumimoji="1" lang="zh-CN" altLang="en-US" sz="2400" dirty="0"/>
+                  <a:t> </a:t>
+                </a:r>
+                <a14:m>
+                  <m:oMath xmlns:m="http://schemas.openxmlformats.org/officeDocument/2006/math">
+                    <m:r>
+                      <a:rPr kumimoji="1" lang="en-US" altLang="zh-CN" sz="2400" i="1" dirty="0" smtClean="0">
+                        <a:latin typeface="Cambria Math" panose="02040503050406030204" pitchFamily="18" charset="0"/>
+                      </a:rPr>
+                      <m:t>𝑇</m:t>
+                    </m:r>
+                    <m:r>
+                      <a:rPr kumimoji="1" lang="en-US" altLang="zh-CN" sz="2400" i="1" dirty="0" smtClean="0">
+                        <a:latin typeface="Cambria Math" panose="02040503050406030204" pitchFamily="18" charset="0"/>
+                      </a:rPr>
+                      <m:t>’</m:t>
+                    </m:r>
+                  </m:oMath>
+                </a14:m>
+                <a:r>
+                  <a:rPr kumimoji="1" lang="zh-CN" altLang="en-US" sz="2400" dirty="0"/>
+                  <a:t> </a:t>
+                </a:r>
+                <a:r>
+                  <a:rPr kumimoji="1" lang="en-US" altLang="zh-CN" sz="2400" dirty="0"/>
+                  <a:t>has</a:t>
+                </a:r>
+                <a:r>
+                  <a:rPr kumimoji="1" lang="zh-CN" altLang="en-US" sz="2400" dirty="0"/>
+                  <a:t> </a:t>
+                </a:r>
+                <a:r>
+                  <a:rPr kumimoji="1" lang="en-US" altLang="zh-CN" sz="2400" dirty="0"/>
+                  <a:t>smaller</a:t>
+                </a:r>
+                <a:r>
+                  <a:rPr kumimoji="1" lang="zh-CN" altLang="en-US" sz="2400" dirty="0"/>
+                  <a:t> </a:t>
+                </a:r>
+                <a:r>
+                  <a:rPr kumimoji="1" lang="en-US" altLang="zh-CN" sz="2400" dirty="0"/>
+                  <a:t>total</a:t>
+                </a:r>
+                <a:r>
+                  <a:rPr kumimoji="1" lang="zh-CN" altLang="en-US" sz="2400" dirty="0"/>
+                  <a:t> </a:t>
+                </a:r>
+                <a:r>
+                  <a:rPr kumimoji="1" lang="en-US" altLang="zh-CN" sz="2400" dirty="0"/>
+                  <a:t>value</a:t>
+                </a:r>
+                <a:r>
+                  <a:rPr kumimoji="1" lang="zh-CN" altLang="en-US" sz="2400" dirty="0"/>
+                  <a:t> </a:t>
+                </a:r>
+                <a:r>
+                  <a:rPr kumimoji="1" lang="en-US" altLang="zh-CN" sz="2400" dirty="0"/>
+                  <a:t>than</a:t>
+                </a:r>
+                <a:r>
+                  <a:rPr kumimoji="1" lang="zh-CN" altLang="en-US" sz="2400" dirty="0"/>
+                  <a:t> </a:t>
+                </a:r>
+                <a14:m>
+                  <m:oMath xmlns:m="http://schemas.openxmlformats.org/officeDocument/2006/math">
+                    <m:r>
+                      <a:rPr kumimoji="1" lang="en-US" altLang="zh-CN" sz="2400" i="1" dirty="0" smtClean="0">
+                        <a:latin typeface="Cambria Math" panose="02040503050406030204" pitchFamily="18" charset="0"/>
+                      </a:rPr>
+                      <m:t>𝑇</m:t>
+                    </m:r>
+                  </m:oMath>
+                </a14:m>
+                <a:endParaRPr kumimoji="1" lang="zh-CN" altLang="en-US" sz="2400" dirty="0"/>
+              </a:p>
+            </p:txBody>
+          </p:sp>
+        </mc:Choice>
+        <mc:Fallback xmlns="">
+          <p:sp>
+            <p:nvSpPr>
+              <p:cNvPr id="5" name="TextBox 4">
+                <a:extLst>
+                  <a:ext uri="{FF2B5EF4-FFF2-40B4-BE49-F238E27FC236}">
+                    <a16:creationId xmlns:a16="http://schemas.microsoft.com/office/drawing/2014/main" id="{FE4D4FD3-90AC-E555-6E7F-9FB517806AED}"/>
+                  </a:ext>
+                </a:extLst>
+              </p:cNvPr>
+              <p:cNvSpPr txBox="1">
+                <a:spLocks noRot="1" noChangeAspect="1" noMove="1" noResize="1" noEditPoints="1" noAdjustHandles="1" noChangeArrowheads="1" noChangeShapeType="1" noTextEdit="1"/>
+              </p:cNvSpPr>
+              <p:nvPr/>
+            </p:nvSpPr>
+            <p:spPr>
+              <a:xfrm>
+                <a:off x="620888" y="1616345"/>
+                <a:ext cx="8340177" cy="4154984"/>
+              </a:xfrm>
+              <a:prstGeom prst="rect">
+                <a:avLst/>
+              </a:prstGeom>
+              <a:blipFill>
+                <a:blip r:embed="rId3"/>
+                <a:stretch>
+                  <a:fillRect l="-912" t="-1220" b="-2134"/>
+                </a:stretch>
+              </a:blipFill>
+            </p:spPr>
+            <p:txBody>
+              <a:bodyPr/>
+              <a:lstStyle/>
+              <a:p>
+                <a:r>
+                  <a:rPr lang="zh-CN" altLang="en-US">
+                    <a:noFill/>
+                  </a:rPr>
+                  <a:t> </a:t>
+                </a:r>
+              </a:p>
+            </p:txBody>
+          </p:sp>
+        </mc:Fallback>
+      </mc:AlternateContent>
+      <p:pic>
+        <p:nvPicPr>
+          <p:cNvPr id="7" name="Picture 6">
+            <a:extLst>
+              <a:ext uri="{FF2B5EF4-FFF2-40B4-BE49-F238E27FC236}">
+                <a16:creationId xmlns:a16="http://schemas.microsoft.com/office/drawing/2014/main" id="{D8B310D1-A3E5-77BE-FB55-15D2FE7EDE4B}"/>
+              </a:ext>
+            </a:extLst>
+          </p:cNvPr>
+          <p:cNvPicPr>
+            <a:picLocks noChangeAspect="1"/>
+          </p:cNvPicPr>
+          <p:nvPr/>
+        </p:nvPicPr>
+        <p:blipFill>
+          <a:blip r:embed="rId4"/>
+          <a:stretch>
+            <a:fillRect/>
+          </a:stretch>
+        </p:blipFill>
+        <p:spPr>
+          <a:xfrm>
+            <a:off x="3499556" y="2542412"/>
+            <a:ext cx="2393246" cy="1563523"/>
+          </a:xfrm>
+          <a:prstGeom prst="rect">
+            <a:avLst/>
+          </a:prstGeom>
+        </p:spPr>
+      </p:pic>
+    </p:spTree>
+    <p:extLst>
+      <p:ext uri="{BB962C8B-B14F-4D97-AF65-F5344CB8AC3E}">
+        <p14:creationId xmlns:p14="http://schemas.microsoft.com/office/powerpoint/2010/main" val="1484791702"/>
+      </p:ext>
+    </p:extLst>
+  </p:cSld>
+  <p:clrMapOvr>
+    <a:masterClrMapping/>
+  </p:clrMapOvr>
+</p:sld>
+</file>
+
+<file path=ppt/slides/slide6.xml><?xml version="1.0" encoding="utf-8"?>
+<p:sld xmlns:a="http://schemas.openxmlformats.org/drawingml/2006/main" xmlns:r="http://schemas.openxmlformats.org/officeDocument/2006/relationships" xmlns:p="http://schemas.openxmlformats.org/presentationml/2006/main">
+  <p:cSld>
+    <p:spTree>
+      <p:nvGrpSpPr>
+        <p:cNvPr id="1" name=""/>
+        <p:cNvGrpSpPr/>
+        <p:nvPr/>
+      </p:nvGrpSpPr>
+      <p:grpSpPr>
+        <a:xfrm>
+          <a:off x="0" y="0"/>
+          <a:ext cx="0" cy="0"/>
+          <a:chOff x="0" y="0"/>
+          <a:chExt cx="0" cy="0"/>
+        </a:xfrm>
+      </p:grpSpPr>
+      <p:sp>
+        <p:nvSpPr>
+          <p:cNvPr id="2" name="Slide Number Placeholder 1">
+            <a:extLst>
+              <a:ext uri="{FF2B5EF4-FFF2-40B4-BE49-F238E27FC236}">
+                <a16:creationId xmlns:a16="http://schemas.microsoft.com/office/drawing/2014/main" id="{832125BB-AF53-B9BF-2671-DE6B445C8DBF}"/>
+              </a:ext>
+            </a:extLst>
+          </p:cNvPr>
+          <p:cNvSpPr>
+            <a:spLocks noGrp="1"/>
+          </p:cNvSpPr>
+          <p:nvPr>
+            <p:ph type="sldNum" sz="quarter" idx="12"/>
+          </p:nvPr>
+        </p:nvSpPr>
+        <p:spPr/>
+        <p:txBody>
+          <a:bodyPr/>
+          <a:lstStyle/>
+          <a:p>
+            <a:fld id="{7A304655-5D53-B746-8252-3F5A598C52D3}" type="slidenum">
+              <a:rPr lang="en-CN" smtClean="0"/>
+              <a:pPr/>
+              <a:t>6</a:t>
+            </a:fld>
+            <a:endParaRPr lang="en-CN"/>
+          </a:p>
+        </p:txBody>
+      </p:sp>
+      <p:sp>
+        <p:nvSpPr>
+          <p:cNvPr id="3" name="Title 2">
+            <a:extLst>
+              <a:ext uri="{FF2B5EF4-FFF2-40B4-BE49-F238E27FC236}">
+                <a16:creationId xmlns:a16="http://schemas.microsoft.com/office/drawing/2014/main" id="{9F081984-ABB6-1954-45B3-BE494997726B}"/>
+              </a:ext>
+            </a:extLst>
+          </p:cNvPr>
+          <p:cNvSpPr>
+            <a:spLocks noGrp="1"/>
+          </p:cNvSpPr>
+          <p:nvPr>
+            <p:ph type="title"/>
+          </p:nvPr>
+        </p:nvSpPr>
+        <p:spPr/>
+        <p:txBody>
+          <a:bodyPr/>
+          <a:lstStyle/>
+          <a:p>
+            <a:r>
+              <a:rPr kumimoji="1" lang="en-US" altLang="zh-CN" dirty="0"/>
+              <a:t>MST</a:t>
+            </a:r>
+            <a:r>
+              <a:rPr kumimoji="1" lang="zh-CN" altLang="en-US" dirty="0"/>
+              <a:t>不包含任何一个</a:t>
+            </a:r>
+            <a:r>
+              <a:rPr kumimoji="1" lang="en-US" altLang="zh-CN" dirty="0"/>
+              <a:t>useless</a:t>
+            </a:r>
+            <a:r>
+              <a:rPr kumimoji="1" lang="zh-CN" altLang="en-US" dirty="0"/>
+              <a:t>边</a:t>
+            </a:r>
+          </a:p>
+        </p:txBody>
+      </p:sp>
+      <p:sp>
+        <p:nvSpPr>
+          <p:cNvPr id="4" name="TextBox 3">
+            <a:extLst>
+              <a:ext uri="{FF2B5EF4-FFF2-40B4-BE49-F238E27FC236}">
+                <a16:creationId xmlns:a16="http://schemas.microsoft.com/office/drawing/2014/main" id="{B1EEB413-2458-A5D7-84A5-486F69216684}"/>
+              </a:ext>
+            </a:extLst>
+          </p:cNvPr>
+          <p:cNvSpPr txBox="1"/>
+          <p:nvPr/>
+        </p:nvSpPr>
+        <p:spPr>
+          <a:xfrm>
+            <a:off x="628650" y="1275645"/>
+            <a:ext cx="3300904" cy="461665"/>
+          </a:xfrm>
+          <a:prstGeom prst="rect">
+            <a:avLst/>
+          </a:prstGeom>
+          <a:noFill/>
+        </p:spPr>
+        <p:txBody>
+          <a:bodyPr wrap="none" rtlCol="0">
+            <a:spAutoFit/>
+          </a:bodyPr>
+          <a:lstStyle/>
+          <a:p>
+            <a:pPr marL="342900" indent="-342900" algn="l">
+              <a:buFont typeface="Arial" panose="020B0604020202020204" pitchFamily="34" charset="0"/>
+              <a:buChar char="•"/>
+            </a:pPr>
+            <a:r>
+              <a:rPr kumimoji="1" lang="zh-CN" altLang="en-US" sz="2400" dirty="0"/>
+              <a:t>不然就会得到一个环</a:t>
+            </a:r>
+          </a:p>
+        </p:txBody>
+      </p:sp>
+      <p:sp>
+        <p:nvSpPr>
+          <p:cNvPr id="5" name="Rectangle 4">
+            <a:extLst>
+              <a:ext uri="{FF2B5EF4-FFF2-40B4-BE49-F238E27FC236}">
+                <a16:creationId xmlns:a16="http://schemas.microsoft.com/office/drawing/2014/main" id="{5915E7CC-8C3A-CAA6-9642-49CE7E02F9C3}"/>
+              </a:ext>
+            </a:extLst>
+          </p:cNvPr>
+          <p:cNvSpPr/>
+          <p:nvPr/>
+        </p:nvSpPr>
+        <p:spPr>
+          <a:xfrm>
+            <a:off x="628650" y="2047170"/>
+            <a:ext cx="7405511" cy="564444"/>
+          </a:xfrm>
+          <a:prstGeom prst="rect">
+            <a:avLst/>
+          </a:prstGeom>
+          <a:solidFill>
+            <a:schemeClr val="lt1">
+              <a:alpha val="75518"/>
+            </a:schemeClr>
+          </a:solidFill>
+        </p:spPr>
+        <p:style>
+          <a:lnRef idx="2">
+            <a:schemeClr val="accent5"/>
+          </a:lnRef>
+          <a:fillRef idx="1">
+            <a:schemeClr val="lt1"/>
+          </a:fillRef>
+          <a:effectRef idx="0">
+            <a:schemeClr val="accent5"/>
+          </a:effectRef>
+          <a:fontRef idx="minor">
+            <a:schemeClr val="dk1"/>
+          </a:fontRef>
+        </p:style>
+        <p:txBody>
+          <a:bodyPr rtlCol="0" anchor="ctr"/>
+          <a:lstStyle/>
+          <a:p>
+            <a:pPr algn="ctr"/>
+            <a:r>
+              <a:rPr kumimoji="1" lang="en-US" altLang="zh-CN" sz="2400" dirty="0">
+                <a:latin typeface="Consolas" panose="020B0609020204030204" pitchFamily="49" charset="0"/>
+                <a:ea typeface="FangSong" panose="02010609060101010101" pitchFamily="49" charset="-122"/>
+                <a:cs typeface="Consolas" panose="020B0609020204030204" pitchFamily="49" charset="0"/>
+              </a:rPr>
+              <a:t>MST</a:t>
+            </a:r>
+            <a:r>
+              <a:rPr kumimoji="1" lang="zh-CN" altLang="en-US" sz="2400" dirty="0">
+                <a:latin typeface="Consolas" panose="020B0609020204030204" pitchFamily="49" charset="0"/>
+                <a:ea typeface="FangSong" panose="02010609060101010101" pitchFamily="49" charset="-122"/>
+                <a:cs typeface="Consolas" panose="020B0609020204030204" pitchFamily="49" charset="0"/>
+              </a:rPr>
+              <a:t>算法一直加</a:t>
+            </a:r>
+            <a:r>
+              <a:rPr kumimoji="1" lang="en-US" altLang="zh-CN" sz="2400" dirty="0">
+                <a:latin typeface="Consolas" panose="020B0609020204030204" pitchFamily="49" charset="0"/>
+                <a:ea typeface="FangSong" panose="02010609060101010101" pitchFamily="49" charset="-122"/>
+                <a:cs typeface="Consolas" panose="020B0609020204030204" pitchFamily="49" charset="0"/>
+              </a:rPr>
+              <a:t>safe</a:t>
+            </a:r>
+            <a:r>
+              <a:rPr kumimoji="1" lang="zh-CN" altLang="en-US" sz="2400" dirty="0">
+                <a:latin typeface="Consolas" panose="020B0609020204030204" pitchFamily="49" charset="0"/>
+                <a:ea typeface="FangSong" panose="02010609060101010101" pitchFamily="49" charset="-122"/>
+                <a:cs typeface="Consolas" panose="020B0609020204030204" pitchFamily="49" charset="0"/>
+              </a:rPr>
+              <a:t>边来得到森林</a:t>
+            </a:r>
+            <a:r>
+              <a:rPr kumimoji="1" lang="en-US" altLang="zh-CN" sz="2400" dirty="0">
+                <a:latin typeface="Consolas" panose="020B0609020204030204" pitchFamily="49" charset="0"/>
+                <a:ea typeface="FangSong" panose="02010609060101010101" pitchFamily="49" charset="-122"/>
+                <a:cs typeface="Consolas" panose="020B0609020204030204" pitchFamily="49" charset="0"/>
+              </a:rPr>
+              <a:t>F</a:t>
+            </a:r>
+          </a:p>
+        </p:txBody>
+      </p:sp>
+      <p:sp>
+        <p:nvSpPr>
+          <p:cNvPr id="6" name="TextBox 5">
+            <a:extLst>
+              <a:ext uri="{FF2B5EF4-FFF2-40B4-BE49-F238E27FC236}">
+                <a16:creationId xmlns:a16="http://schemas.microsoft.com/office/drawing/2014/main" id="{1FC1C496-0B49-F069-C287-3CDDB00E2EFA}"/>
+              </a:ext>
+            </a:extLst>
+          </p:cNvPr>
+          <p:cNvSpPr txBox="1"/>
+          <p:nvPr/>
+        </p:nvSpPr>
+        <p:spPr>
+          <a:xfrm>
+            <a:off x="654756" y="3014133"/>
+            <a:ext cx="4661854" cy="830997"/>
+          </a:xfrm>
+          <a:prstGeom prst="rect">
+            <a:avLst/>
+          </a:prstGeom>
+          <a:noFill/>
+        </p:spPr>
+        <p:txBody>
+          <a:bodyPr wrap="none" rtlCol="0">
+            <a:spAutoFit/>
+          </a:bodyPr>
+          <a:lstStyle/>
+          <a:p>
+            <a:pPr marL="342900" indent="-342900" algn="l">
+              <a:buFont typeface="Arial" panose="020B0604020202020204" pitchFamily="34" charset="0"/>
+              <a:buChar char="•"/>
+            </a:pPr>
+            <a:r>
+              <a:rPr kumimoji="1" lang="zh-CN" altLang="en-US" sz="2400" dirty="0"/>
+              <a:t>不联通 </a:t>
+            </a:r>
+            <a:r>
+              <a:rPr kumimoji="1" lang="en-US" altLang="zh-CN" sz="2400" dirty="0">
+                <a:sym typeface="Wingdings" pitchFamily="2" charset="2"/>
+              </a:rPr>
+              <a:t></a:t>
+            </a:r>
+            <a:r>
+              <a:rPr kumimoji="1" lang="zh-CN" altLang="en-US" sz="2400" dirty="0">
+                <a:sym typeface="Wingdings" pitchFamily="2" charset="2"/>
+              </a:rPr>
+              <a:t> 至少还有一个</a:t>
+            </a:r>
+            <a:r>
+              <a:rPr kumimoji="1" lang="en-US" altLang="zh-CN" sz="2400" dirty="0">
+                <a:sym typeface="Wingdings" pitchFamily="2" charset="2"/>
+              </a:rPr>
+              <a:t>safe</a:t>
+            </a:r>
+            <a:r>
+              <a:rPr kumimoji="1" lang="zh-CN" altLang="en-US" sz="2400" dirty="0">
+                <a:sym typeface="Wingdings" pitchFamily="2" charset="2"/>
+              </a:rPr>
+              <a:t>边</a:t>
+            </a:r>
+            <a:endParaRPr kumimoji="1" lang="en-US" altLang="zh-CN" sz="2400" dirty="0">
+              <a:sym typeface="Wingdings" pitchFamily="2" charset="2"/>
+            </a:endParaRPr>
+          </a:p>
+          <a:p>
+            <a:pPr marL="342900" indent="-342900" algn="l">
+              <a:buFont typeface="Arial" panose="020B0604020202020204" pitchFamily="34" charset="0"/>
+              <a:buChar char="•"/>
+            </a:pPr>
+            <a:r>
+              <a:rPr kumimoji="1" lang="zh-CN" altLang="en-US" sz="2400" dirty="0">
+                <a:sym typeface="Wingdings" pitchFamily="2" charset="2"/>
+              </a:rPr>
+              <a:t>无论如何最后总是会使图连通</a:t>
+            </a:r>
+            <a:endParaRPr kumimoji="1" lang="zh-CN" altLang="en-US" sz="2400" dirty="0"/>
+          </a:p>
+        </p:txBody>
+      </p:sp>
+    </p:spTree>
+    <p:extLst>
+      <p:ext uri="{BB962C8B-B14F-4D97-AF65-F5344CB8AC3E}">
+        <p14:creationId xmlns:p14="http://schemas.microsoft.com/office/powerpoint/2010/main" val="587693441"/>
+      </p:ext>
+    </p:extLst>
+  </p:cSld>
+  <p:clrMapOvr>
+    <a:masterClrMapping/>
+  </p:clrMapOvr>
+</p:sld>
+</file>
+
+<file path=ppt/slides/slide7.xml><?xml version="1.0" encoding="utf-8"?>
+<p:sld xmlns:a="http://schemas.openxmlformats.org/drawingml/2006/main" xmlns:r="http://schemas.openxmlformats.org/officeDocument/2006/relationships" xmlns:p="http://schemas.openxmlformats.org/presentationml/2006/main">
+  <p:cSld>
+    <p:spTree>
+      <p:nvGrpSpPr>
+        <p:cNvPr id="1" name=""/>
+        <p:cNvGrpSpPr/>
+        <p:nvPr/>
+      </p:nvGrpSpPr>
+      <p:grpSpPr>
+        <a:xfrm>
+          <a:off x="0" y="0"/>
+          <a:ext cx="0" cy="0"/>
+          <a:chOff x="0" y="0"/>
+          <a:chExt cx="0" cy="0"/>
+        </a:xfrm>
+      </p:grpSpPr>
+      <p:sp>
+        <p:nvSpPr>
+          <p:cNvPr id="2" name="Slide Number Placeholder 1">
+            <a:extLst>
+              <a:ext uri="{FF2B5EF4-FFF2-40B4-BE49-F238E27FC236}">
+                <a16:creationId xmlns:a16="http://schemas.microsoft.com/office/drawing/2014/main" id="{A3803BF6-F4A6-8750-5098-A162724DBEFF}"/>
+              </a:ext>
+            </a:extLst>
+          </p:cNvPr>
+          <p:cNvSpPr>
+            <a:spLocks noGrp="1"/>
+          </p:cNvSpPr>
+          <p:nvPr>
+            <p:ph type="sldNum" sz="quarter" idx="12"/>
+          </p:nvPr>
+        </p:nvSpPr>
+        <p:spPr/>
+        <p:txBody>
+          <a:bodyPr/>
+          <a:lstStyle/>
+          <a:p>
+            <a:fld id="{7A304655-5D53-B746-8252-3F5A598C52D3}" type="slidenum">
+              <a:rPr lang="en-CN" smtClean="0"/>
+              <a:pPr/>
+              <a:t>7</a:t>
+            </a:fld>
+            <a:endParaRPr lang="en-CN"/>
+          </a:p>
+        </p:txBody>
+      </p:sp>
+      <p:sp>
+        <p:nvSpPr>
+          <p:cNvPr id="4" name="Title 3">
+            <a:extLst>
+              <a:ext uri="{FF2B5EF4-FFF2-40B4-BE49-F238E27FC236}">
+                <a16:creationId xmlns:a16="http://schemas.microsoft.com/office/drawing/2014/main" id="{FA076757-64B1-19B4-7C4D-B744FB85B421}"/>
+              </a:ext>
+            </a:extLst>
+          </p:cNvPr>
+          <p:cNvSpPr>
+            <a:spLocks noGrp="1"/>
+          </p:cNvSpPr>
+          <p:nvPr>
+            <p:ph type="title"/>
+          </p:nvPr>
+        </p:nvSpPr>
+        <p:spPr/>
+        <p:txBody>
+          <a:bodyPr/>
+          <a:lstStyle/>
+          <a:p>
+            <a:r>
+              <a:rPr lang="en-CN" altLang="zh-CN" dirty="0"/>
+              <a:t>MST</a:t>
+            </a:r>
+            <a:r>
+              <a:rPr lang="zh-CN" altLang="en-CN" dirty="0"/>
+              <a:t>的</a:t>
+            </a:r>
+            <a:r>
+              <a:rPr lang="zh-CN" altLang="en-US" dirty="0"/>
+              <a:t>算法</a:t>
+            </a:r>
+          </a:p>
+        </p:txBody>
+      </p:sp>
+    </p:spTree>
+    <p:extLst>
+      <p:ext uri="{BB962C8B-B14F-4D97-AF65-F5344CB8AC3E}">
+        <p14:creationId xmlns:p14="http://schemas.microsoft.com/office/powerpoint/2010/main" val="3400238263"/>
+      </p:ext>
+    </p:extLst>
+  </p:cSld>
+  <p:clrMapOvr>
+    <a:masterClrMapping/>
+  </p:clrMapOvr>
+</p:sld>
+</file>
+
+<file path=ppt/slides/slide8.xml><?xml version="1.0" encoding="utf-8"?>
+<p:sld xmlns:a="http://schemas.openxmlformats.org/drawingml/2006/main" xmlns:r="http://schemas.openxmlformats.org/officeDocument/2006/relationships" xmlns:p="http://schemas.openxmlformats.org/presentationml/2006/main">
+  <p:cSld>
+    <p:spTree>
+      <p:nvGrpSpPr>
+        <p:cNvPr id="1" name=""/>
+        <p:cNvGrpSpPr/>
+        <p:nvPr/>
+      </p:nvGrpSpPr>
+      <p:grpSpPr>
+        <a:xfrm>
+          <a:off x="0" y="0"/>
+          <a:ext cx="0" cy="0"/>
+          <a:chOff x="0" y="0"/>
+          <a:chExt cx="0" cy="0"/>
+        </a:xfrm>
+      </p:grpSpPr>
+      <p:sp>
+        <p:nvSpPr>
+          <p:cNvPr id="2" name="Slide Number Placeholder 1">
+            <a:extLst>
+              <a:ext uri="{FF2B5EF4-FFF2-40B4-BE49-F238E27FC236}">
+                <a16:creationId xmlns:a16="http://schemas.microsoft.com/office/drawing/2014/main" id="{AD9EEF07-EA8F-EB03-3D9E-7125D85EBD8A}"/>
+              </a:ext>
+            </a:extLst>
+          </p:cNvPr>
+          <p:cNvSpPr>
+            <a:spLocks noGrp="1"/>
+          </p:cNvSpPr>
+          <p:nvPr>
+            <p:ph type="sldNum" sz="quarter" idx="12"/>
+          </p:nvPr>
+        </p:nvSpPr>
+        <p:spPr/>
+        <p:txBody>
+          <a:bodyPr/>
+          <a:lstStyle/>
+          <a:p>
+            <a:fld id="{7A304655-5D53-B746-8252-3F5A598C52D3}" type="slidenum">
+              <a:rPr lang="en-CN" smtClean="0"/>
+              <a:pPr/>
+              <a:t>8</a:t>
+            </a:fld>
+            <a:endParaRPr lang="en-CN"/>
+          </a:p>
+        </p:txBody>
+      </p:sp>
+      <p:sp>
+        <p:nvSpPr>
+          <p:cNvPr id="3" name="Title 2">
+            <a:extLst>
+              <a:ext uri="{FF2B5EF4-FFF2-40B4-BE49-F238E27FC236}">
+                <a16:creationId xmlns:a16="http://schemas.microsoft.com/office/drawing/2014/main" id="{3A55B2B6-12B6-A1E5-B9B5-2112A52E73D2}"/>
+              </a:ext>
+            </a:extLst>
+          </p:cNvPr>
+          <p:cNvSpPr>
+            <a:spLocks noGrp="1"/>
+          </p:cNvSpPr>
+          <p:nvPr>
+            <p:ph type="title"/>
+          </p:nvPr>
+        </p:nvSpPr>
+        <p:spPr/>
+        <p:txBody>
+          <a:bodyPr/>
+          <a:lstStyle/>
+          <a:p>
+            <a:r>
+              <a:rPr kumimoji="1" lang="zh-CN" altLang="en-US" dirty="0"/>
+              <a:t>算法</a:t>
+            </a:r>
+            <a:r>
+              <a:rPr kumimoji="1" lang="en-US" altLang="zh-CN" dirty="0"/>
+              <a:t>1:</a:t>
+            </a:r>
+            <a:r>
+              <a:rPr kumimoji="1" lang="zh-CN" altLang="en-US" dirty="0"/>
+              <a:t> </a:t>
+            </a:r>
+            <a:r>
+              <a:rPr kumimoji="1" lang="en-US" altLang="zh-CN" dirty="0" err="1"/>
+              <a:t>Boruvka</a:t>
+            </a:r>
+            <a:endParaRPr kumimoji="1" lang="zh-CN" altLang="en-US" dirty="0"/>
+          </a:p>
+        </p:txBody>
+      </p:sp>
+      <p:pic>
+        <p:nvPicPr>
+          <p:cNvPr id="4" name="Picture 3">
+            <a:extLst>
+              <a:ext uri="{FF2B5EF4-FFF2-40B4-BE49-F238E27FC236}">
+                <a16:creationId xmlns:a16="http://schemas.microsoft.com/office/drawing/2014/main" id="{EC94A366-AD1F-5C76-D52B-471115CBF4B3}"/>
+              </a:ext>
+            </a:extLst>
+          </p:cNvPr>
+          <p:cNvPicPr>
+            <a:picLocks noChangeAspect="1"/>
+          </p:cNvPicPr>
+          <p:nvPr/>
+        </p:nvPicPr>
+        <p:blipFill>
+          <a:blip r:embed="rId2"/>
+          <a:stretch>
+            <a:fillRect/>
+          </a:stretch>
+        </p:blipFill>
+        <p:spPr>
+          <a:xfrm>
+            <a:off x="1623836" y="1040524"/>
+            <a:ext cx="5896328" cy="768251"/>
+          </a:xfrm>
+          <a:prstGeom prst="rect">
+            <a:avLst/>
+          </a:prstGeom>
+        </p:spPr>
+      </p:pic>
+      <p:pic>
+        <p:nvPicPr>
+          <p:cNvPr id="5" name="Picture 4">
+            <a:extLst>
+              <a:ext uri="{FF2B5EF4-FFF2-40B4-BE49-F238E27FC236}">
+                <a16:creationId xmlns:a16="http://schemas.microsoft.com/office/drawing/2014/main" id="{1D0E8B99-F30D-3EC8-3A7E-38A57C698CB2}"/>
+              </a:ext>
+            </a:extLst>
+          </p:cNvPr>
+          <p:cNvPicPr>
+            <a:picLocks noChangeAspect="1"/>
+          </p:cNvPicPr>
+          <p:nvPr/>
+        </p:nvPicPr>
+        <p:blipFill>
+          <a:blip r:embed="rId3"/>
+          <a:stretch>
+            <a:fillRect/>
+          </a:stretch>
+        </p:blipFill>
+        <p:spPr>
+          <a:xfrm>
+            <a:off x="184150" y="1808775"/>
+            <a:ext cx="8331200" cy="2475404"/>
+          </a:xfrm>
+          <a:prstGeom prst="rect">
+            <a:avLst/>
+          </a:prstGeom>
+        </p:spPr>
+      </p:pic>
+      <p:pic>
+        <p:nvPicPr>
+          <p:cNvPr id="6" name="Picture 5">
+            <a:extLst>
+              <a:ext uri="{FF2B5EF4-FFF2-40B4-BE49-F238E27FC236}">
+                <a16:creationId xmlns:a16="http://schemas.microsoft.com/office/drawing/2014/main" id="{F5A3E40D-3D65-70AF-D704-62C593F020BB}"/>
+              </a:ext>
+            </a:extLst>
+          </p:cNvPr>
+          <p:cNvPicPr>
+            <a:picLocks noChangeAspect="1"/>
+          </p:cNvPicPr>
+          <p:nvPr/>
+        </p:nvPicPr>
+        <p:blipFill>
+          <a:blip r:embed="rId4"/>
+          <a:stretch>
+            <a:fillRect/>
+          </a:stretch>
+        </p:blipFill>
+        <p:spPr>
+          <a:xfrm>
+            <a:off x="441678" y="4284179"/>
+            <a:ext cx="3432528" cy="1886802"/>
+          </a:xfrm>
+          <a:prstGeom prst="rect">
+            <a:avLst/>
+          </a:prstGeom>
+        </p:spPr>
+      </p:pic>
+      <p:pic>
+        <p:nvPicPr>
+          <p:cNvPr id="7" name="Picture 6">
+            <a:extLst>
+              <a:ext uri="{FF2B5EF4-FFF2-40B4-BE49-F238E27FC236}">
+                <a16:creationId xmlns:a16="http://schemas.microsoft.com/office/drawing/2014/main" id="{34E37E40-B5F4-9B11-C527-21948890CB6F}"/>
+              </a:ext>
+            </a:extLst>
+          </p:cNvPr>
+          <p:cNvPicPr>
+            <a:picLocks noChangeAspect="1"/>
+          </p:cNvPicPr>
+          <p:nvPr/>
+        </p:nvPicPr>
+        <p:blipFill>
+          <a:blip r:embed="rId5"/>
+          <a:stretch>
+            <a:fillRect/>
+          </a:stretch>
+        </p:blipFill>
+        <p:spPr>
+          <a:xfrm>
+            <a:off x="4092929" y="4284179"/>
+            <a:ext cx="4203698" cy="2053715"/>
+          </a:xfrm>
+          <a:prstGeom prst="rect">
+            <a:avLst/>
+          </a:prstGeom>
+        </p:spPr>
+      </p:pic>
+    </p:spTree>
+    <p:extLst>
+      <p:ext uri="{BB962C8B-B14F-4D97-AF65-F5344CB8AC3E}">
+        <p14:creationId xmlns:p14="http://schemas.microsoft.com/office/powerpoint/2010/main" val="2390106278"/>
+      </p:ext>
+    </p:extLst>
+  </p:cSld>
+  <p:clrMapOvr>
+    <a:masterClrMapping/>
+  </p:clrMapOvr>
+</p:sld>
+</file>
+
+<file path=ppt/slides/slide9.xml><?xml version="1.0" encoding="utf-8"?>
+<p:sld xmlns:a="http://schemas.openxmlformats.org/drawingml/2006/main" xmlns:r="http://schemas.openxmlformats.org/officeDocument/2006/relationships" xmlns:p="http://schemas.openxmlformats.org/presentationml/2006/main">
+  <p:cSld>
+    <p:spTree>
+      <p:nvGrpSpPr>
+        <p:cNvPr id="1" name=""/>
+        <p:cNvGrpSpPr/>
+        <p:nvPr/>
+      </p:nvGrpSpPr>
+      <p:grpSpPr>
+        <a:xfrm>
+          <a:off x="0" y="0"/>
+          <a:ext cx="0" cy="0"/>
+          <a:chOff x="0" y="0"/>
+          <a:chExt cx="0" cy="0"/>
+        </a:xfrm>
+      </p:grpSpPr>
+      <p:sp>
+        <p:nvSpPr>
+          <p:cNvPr id="2" name="Slide Number Placeholder 1">
+            <a:extLst>
+              <a:ext uri="{FF2B5EF4-FFF2-40B4-BE49-F238E27FC236}">
+                <a16:creationId xmlns:a16="http://schemas.microsoft.com/office/drawing/2014/main" id="{34EE27ED-7B55-3BBA-8E76-F6090E7EE047}"/>
+              </a:ext>
+            </a:extLst>
+          </p:cNvPr>
+          <p:cNvSpPr>
+            <a:spLocks noGrp="1"/>
+          </p:cNvSpPr>
+          <p:nvPr>
+            <p:ph type="sldNum" sz="quarter" idx="12"/>
+          </p:nvPr>
+        </p:nvSpPr>
+        <p:spPr/>
+        <p:txBody>
+          <a:bodyPr/>
+          <a:lstStyle/>
+          <a:p>
+            <a:fld id="{7A304655-5D53-B746-8252-3F5A598C52D3}" type="slidenum">
+              <a:rPr lang="en-CN" smtClean="0"/>
+              <a:pPr/>
+              <a:t>9</a:t>
+            </a:fld>
+            <a:endParaRPr lang="en-CN"/>
+          </a:p>
+        </p:txBody>
+      </p:sp>
+      <p:sp>
+        <p:nvSpPr>
+          <p:cNvPr id="3" name="Title 2">
+            <a:extLst>
+              <a:ext uri="{FF2B5EF4-FFF2-40B4-BE49-F238E27FC236}">
+                <a16:creationId xmlns:a16="http://schemas.microsoft.com/office/drawing/2014/main" id="{DF5A6C11-C4A6-D6A6-1D68-B2A4C248DB32}"/>
+              </a:ext>
+            </a:extLst>
+          </p:cNvPr>
+          <p:cNvSpPr>
+            <a:spLocks noGrp="1"/>
+          </p:cNvSpPr>
+          <p:nvPr>
+            <p:ph type="title"/>
+          </p:nvPr>
+        </p:nvSpPr>
+        <p:spPr/>
+        <p:txBody>
+          <a:bodyPr/>
+          <a:lstStyle/>
+          <a:p>
+            <a:r>
+              <a:rPr kumimoji="1" lang="zh-CN" altLang="en-US" dirty="0"/>
+              <a:t>算法</a:t>
+            </a:r>
+            <a:r>
+              <a:rPr kumimoji="1" lang="en-US" altLang="zh-CN" dirty="0"/>
+              <a:t>2:</a:t>
+            </a:r>
+            <a:r>
+              <a:rPr kumimoji="1" lang="zh-CN" altLang="en-US" dirty="0"/>
+              <a:t> </a:t>
+            </a:r>
+            <a:r>
+              <a:rPr kumimoji="1" lang="en-US" altLang="zh-CN" dirty="0" err="1"/>
+              <a:t>Jarnik</a:t>
+            </a:r>
+            <a:r>
+              <a:rPr kumimoji="1" lang="en-US" altLang="zh-CN" dirty="0"/>
+              <a:t>(Prim)</a:t>
+            </a:r>
+            <a:endParaRPr kumimoji="1" lang="zh-CN" altLang="en-US" dirty="0"/>
+          </a:p>
+        </p:txBody>
+      </p:sp>
+      <p:pic>
+        <p:nvPicPr>
+          <p:cNvPr id="4" name="Picture 3">
+            <a:extLst>
+              <a:ext uri="{FF2B5EF4-FFF2-40B4-BE49-F238E27FC236}">
+                <a16:creationId xmlns:a16="http://schemas.microsoft.com/office/drawing/2014/main" id="{FC08F683-DA7A-56DA-9989-0E5B0B4E02A3}"/>
+              </a:ext>
+            </a:extLst>
+          </p:cNvPr>
+          <p:cNvPicPr>
+            <a:picLocks noChangeAspect="1"/>
+          </p:cNvPicPr>
+          <p:nvPr/>
+        </p:nvPicPr>
+        <p:blipFill>
+          <a:blip r:embed="rId2"/>
+          <a:stretch>
+            <a:fillRect/>
+          </a:stretch>
+        </p:blipFill>
+        <p:spPr>
+          <a:xfrm>
+            <a:off x="1956152" y="1151015"/>
+            <a:ext cx="5231695" cy="580260"/>
+          </a:xfrm>
+          <a:prstGeom prst="rect">
+            <a:avLst/>
+          </a:prstGeom>
+        </p:spPr>
+      </p:pic>
+      <p:pic>
+        <p:nvPicPr>
+          <p:cNvPr id="5" name="Picture 4">
+            <a:extLst>
+              <a:ext uri="{FF2B5EF4-FFF2-40B4-BE49-F238E27FC236}">
+                <a16:creationId xmlns:a16="http://schemas.microsoft.com/office/drawing/2014/main" id="{55DE83B5-9FF6-749A-3DDA-8BE941B57E7E}"/>
+              </a:ext>
+            </a:extLst>
+          </p:cNvPr>
+          <p:cNvPicPr>
+            <a:picLocks noChangeAspect="1"/>
+          </p:cNvPicPr>
+          <p:nvPr/>
+        </p:nvPicPr>
+        <p:blipFill>
+          <a:blip r:embed="rId3"/>
+          <a:stretch>
+            <a:fillRect/>
+          </a:stretch>
+        </p:blipFill>
+        <p:spPr>
+          <a:xfrm>
+            <a:off x="387350" y="1841767"/>
+            <a:ext cx="8128000" cy="3782175"/>
+          </a:xfrm>
+          <a:prstGeom prst="rect">
+            <a:avLst/>
+          </a:prstGeom>
+        </p:spPr>
+      </p:pic>
+    </p:spTree>
+    <p:extLst>
+      <p:ext uri="{BB962C8B-B14F-4D97-AF65-F5344CB8AC3E}">
+        <p14:creationId xmlns:p14="http://schemas.microsoft.com/office/powerpoint/2010/main" val="3285734185"/>
       </p:ext>
     </p:extLst>
   </p:cSld>
